--- a/Presentation/Whole Foods Site Selection.pptx
+++ b/Presentation/Whole Foods Site Selection.pptx
@@ -5,18 +5,22 @@
     <p:sldMasterId id="2147483660" r:id="rId4"/>
   </p:sldMasterIdLst>
   <p:notesMasterIdLst>
-    <p:notesMasterId r:id="rId14"/>
+    <p:notesMasterId r:id="rId18"/>
   </p:notesMasterIdLst>
   <p:sldIdLst>
     <p:sldId id="278" r:id="rId5"/>
     <p:sldId id="279" r:id="rId6"/>
     <p:sldId id="281" r:id="rId7"/>
-    <p:sldId id="280" r:id="rId8"/>
+    <p:sldId id="291" r:id="rId8"/>
     <p:sldId id="282" r:id="rId9"/>
     <p:sldId id="283" r:id="rId10"/>
     <p:sldId id="284" r:id="rId11"/>
-    <p:sldId id="285" r:id="rId12"/>
-    <p:sldId id="286" r:id="rId13"/>
+    <p:sldId id="286" r:id="rId12"/>
+    <p:sldId id="287" r:id="rId13"/>
+    <p:sldId id="288" r:id="rId14"/>
+    <p:sldId id="285" r:id="rId15"/>
+    <p:sldId id="289" r:id="rId16"/>
+    <p:sldId id="290" r:id="rId17"/>
   </p:sldIdLst>
   <p:sldSz cx="12192000" cy="6858000"/>
   <p:notesSz cx="6858000" cy="9144000"/>
@@ -205,7 +209,7 @@
           <a:p>
             <a:fld id="{AFD01546-198A-4195-BCF8-F0FF54C90E5E}" type="datetimeFigureOut">
               <a:rPr lang="en-US" smtClean="0"/>
-              <a:t>7/17/2024</a:t>
+              <a:t>7/20/2024</a:t>
             </a:fld>
             <a:endParaRPr lang="en-US" dirty="0"/>
           </a:p>
@@ -760,6 +764,90 @@
 </p:notes>
 </file>
 
+<file path=ppt/notesSlides/notesSlide3.xml><?xml version="1.0" encoding="utf-8"?>
+<p:notes xmlns:a="http://schemas.openxmlformats.org/drawingml/2006/main" xmlns:r="http://schemas.openxmlformats.org/officeDocument/2006/relationships" xmlns:p="http://schemas.openxmlformats.org/presentationml/2006/main">
+  <p:cSld>
+    <p:spTree>
+      <p:nvGrpSpPr>
+        <p:cNvPr id="1" name=""/>
+        <p:cNvGrpSpPr/>
+        <p:nvPr/>
+      </p:nvGrpSpPr>
+      <p:grpSpPr>
+        <a:xfrm>
+          <a:off x="0" y="0"/>
+          <a:ext cx="0" cy="0"/>
+          <a:chOff x="0" y="0"/>
+          <a:chExt cx="0" cy="0"/>
+        </a:xfrm>
+      </p:grpSpPr>
+      <p:sp>
+        <p:nvSpPr>
+          <p:cNvPr id="2" name="Slide Image Placeholder 1"/>
+          <p:cNvSpPr>
+            <a:spLocks noGrp="1" noRot="1" noChangeAspect="1"/>
+          </p:cNvSpPr>
+          <p:nvPr>
+            <p:ph type="sldImg"/>
+          </p:nvPr>
+        </p:nvSpPr>
+        <p:spPr/>
+      </p:sp>
+      <p:sp>
+        <p:nvSpPr>
+          <p:cNvPr id="3" name="Notes Placeholder 2"/>
+          <p:cNvSpPr>
+            <a:spLocks noGrp="1"/>
+          </p:cNvSpPr>
+          <p:nvPr>
+            <p:ph type="body" idx="1"/>
+          </p:nvPr>
+        </p:nvSpPr>
+        <p:spPr/>
+        <p:txBody>
+          <a:bodyPr/>
+          <a:lstStyle/>
+          <a:p>
+            <a:endParaRPr lang="en-US" dirty="0"/>
+          </a:p>
+        </p:txBody>
+      </p:sp>
+      <p:sp>
+        <p:nvSpPr>
+          <p:cNvPr id="4" name="Slide Number Placeholder 3"/>
+          <p:cNvSpPr>
+            <a:spLocks noGrp="1"/>
+          </p:cNvSpPr>
+          <p:nvPr>
+            <p:ph type="sldNum" sz="quarter" idx="5"/>
+          </p:nvPr>
+        </p:nvSpPr>
+        <p:spPr/>
+        <p:txBody>
+          <a:bodyPr/>
+          <a:lstStyle/>
+          <a:p>
+            <a:fld id="{2E6DE88F-1F85-4A27-9D34-D74A50E7B0DA}" type="slidenum">
+              <a:rPr lang="en-US" smtClean="0"/>
+              <a:t>13</a:t>
+            </a:fld>
+            <a:endParaRPr lang="en-US" dirty="0"/>
+          </a:p>
+        </p:txBody>
+      </p:sp>
+    </p:spTree>
+    <p:extLst>
+      <p:ext uri="{BB962C8B-B14F-4D97-AF65-F5344CB8AC3E}">
+        <p14:creationId xmlns:p14="http://schemas.microsoft.com/office/powerpoint/2010/main" val="4047874117"/>
+      </p:ext>
+    </p:extLst>
+  </p:cSld>
+  <p:clrMapOvr>
+    <a:masterClrMapping/>
+  </p:clrMapOvr>
+</p:notes>
+</file>
+
 <file path=ppt/slideLayouts/slideLayout1.xml><?xml version="1.0" encoding="utf-8"?>
 <p:sldLayout xmlns:a="http://schemas.openxmlformats.org/drawingml/2006/main" xmlns:r="http://schemas.openxmlformats.org/officeDocument/2006/relationships" xmlns:p="http://schemas.openxmlformats.org/presentationml/2006/main" type="title" preserve="1">
   <p:cSld name="Title Slide">
@@ -945,7 +1033,7 @@
           <a:p>
             <a:fld id="{88D38747-4367-4BD2-8D51-C97E202738E2}" type="datetime1">
               <a:rPr lang="en-US" smtClean="0"/>
-              <a:t>7/17/2024</a:t>
+              <a:t>7/20/2024</a:t>
             </a:fld>
             <a:endParaRPr lang="en-US" dirty="0"/>
           </a:p>
@@ -1250,7 +1338,7 @@
           <a:p>
             <a:fld id="{11F1B079-7EF0-44EE-B798-BCC497C9F3B2}" type="datetime1">
               <a:rPr lang="en-US" smtClean="0"/>
-              <a:t>7/17/2024</a:t>
+              <a:t>7/20/2024</a:t>
             </a:fld>
             <a:endParaRPr lang="en-US" dirty="0"/>
           </a:p>
@@ -1444,7 +1532,7 @@
           <a:p>
             <a:fld id="{28FF70A8-1D13-4657-95F0-A9EA54967B8D}" type="datetime1">
               <a:rPr lang="en-US" smtClean="0"/>
-              <a:t>7/17/2024</a:t>
+              <a:t>7/20/2024</a:t>
             </a:fld>
             <a:endParaRPr lang="en-US" dirty="0"/>
           </a:p>
@@ -1707,7 +1795,7 @@
           <a:p>
             <a:fld id="{21EB90AC-71BD-4C7F-8ACA-7B3F18292E63}" type="datetime1">
               <a:rPr lang="en-US" smtClean="0"/>
-              <a:t>7/17/2024</a:t>
+              <a:t>7/20/2024</a:t>
             </a:fld>
             <a:endParaRPr lang="en-US" dirty="0"/>
           </a:p>
@@ -2143,7 +2231,7 @@
           <a:p>
             <a:fld id="{4E6EFC2C-8905-46F0-B443-CE905B76BA01}" type="datetime1">
               <a:rPr lang="en-US" smtClean="0"/>
-              <a:t>7/17/2024</a:t>
+              <a:t>7/20/2024</a:t>
             </a:fld>
             <a:endParaRPr lang="en-US" dirty="0"/>
           </a:p>
@@ -2680,7 +2768,7 @@
           <a:p>
             <a:fld id="{D9079DC3-C9B5-499E-9140-0DC28B7074E2}" type="datetime1">
               <a:rPr lang="en-US" smtClean="0"/>
-              <a:t>7/17/2024</a:t>
+              <a:t>7/20/2024</a:t>
             </a:fld>
             <a:endParaRPr lang="en-US" dirty="0"/>
           </a:p>
@@ -3562,7 +3650,7 @@
           <a:p>
             <a:fld id="{30BB33EA-E472-4D22-9C03-A9C14AA21CED}" type="datetime1">
               <a:rPr lang="en-US" smtClean="0"/>
-              <a:t>7/17/2024</a:t>
+              <a:t>7/20/2024</a:t>
             </a:fld>
             <a:endParaRPr lang="en-US" dirty="0"/>
           </a:p>
@@ -3732,7 +3820,7 @@
           <a:p>
             <a:fld id="{73C55A3C-5767-4844-A0A3-83778C2E5409}" type="datetime1">
               <a:rPr lang="en-US" smtClean="0"/>
-              <a:t>7/17/2024</a:t>
+              <a:t>7/20/2024</a:t>
             </a:fld>
             <a:endParaRPr lang="en-US" dirty="0"/>
           </a:p>
@@ -3976,7 +4064,7 @@
           <a:p>
             <a:fld id="{CAE507A8-A5CF-4D38-AB86-7EDDA87A85D4}" type="datetime1">
               <a:rPr lang="en-US" smtClean="0"/>
-              <a:t>7/17/2024</a:t>
+              <a:t>7/20/2024</a:t>
             </a:fld>
             <a:endParaRPr lang="en-US" dirty="0"/>
           </a:p>
@@ -4218,7 +4306,7 @@
           <a:p>
             <a:fld id="{BDFCD27C-8599-43EF-BA1D-14DDC1946E06}" type="datetime1">
               <a:rPr lang="en-US" smtClean="0"/>
-              <a:t>7/17/2024</a:t>
+              <a:t>7/20/2024</a:t>
             </a:fld>
             <a:endParaRPr lang="en-US" dirty="0"/>
           </a:p>
@@ -4701,7 +4789,7 @@
           <a:p>
             <a:fld id="{49343D99-809A-49C0-96E5-4250D0B498EE}" type="datetime1">
               <a:rPr lang="en-US" smtClean="0"/>
-              <a:t>7/17/2024</a:t>
+              <a:t>7/20/2024</a:t>
             </a:fld>
             <a:endParaRPr lang="en-US" dirty="0"/>
           </a:p>
@@ -4819,7 +4907,7 @@
           <a:p>
             <a:fld id="{A143DE9B-B678-4EFB-BB7D-A4370204A0B0}" type="datetime1">
               <a:rPr lang="en-US" smtClean="0"/>
-              <a:t>7/17/2024</a:t>
+              <a:t>7/20/2024</a:t>
             </a:fld>
             <a:endParaRPr lang="en-US" dirty="0"/>
           </a:p>
@@ -4914,7 +5002,7 @@
           <a:p>
             <a:fld id="{E68812DA-F765-4142-A6A3-A8ED7235E082}" type="datetime1">
               <a:rPr lang="en-US" smtClean="0"/>
-              <a:t>7/17/2024</a:t>
+              <a:t>7/20/2024</a:t>
             </a:fld>
             <a:endParaRPr lang="en-US" dirty="0"/>
           </a:p>
@@ -5169,7 +5257,7 @@
           <a:p>
             <a:fld id="{3E0277FD-7DE6-41D4-930D-AC99F5AFE54E}" type="datetime1">
               <a:rPr lang="en-US" smtClean="0"/>
-              <a:t>7/17/2024</a:t>
+              <a:t>7/20/2024</a:t>
             </a:fld>
             <a:endParaRPr lang="en-US" dirty="0"/>
           </a:p>
@@ -5476,7 +5564,7 @@
           <a:p>
             <a:fld id="{9EA15526-7079-4B7B-987C-1B5FAE11A0FF}" type="datetime1">
               <a:rPr lang="en-US" smtClean="0"/>
-              <a:t>7/17/2024</a:t>
+              <a:t>7/20/2024</a:t>
             </a:fld>
             <a:endParaRPr lang="en-US" dirty="0"/>
           </a:p>
@@ -5711,7 +5799,7 @@
           <a:p>
             <a:fld id="{073ED0CC-082F-4160-86E5-0D6041F12778}" type="datetime1">
               <a:rPr lang="en-US" smtClean="0"/>
-              <a:t>7/17/2024</a:t>
+              <a:t>7/20/2024</a:t>
             </a:fld>
             <a:endParaRPr lang="en-US" dirty="0"/>
           </a:p>
@@ -6749,7 +6837,7 @@
             <a:pPr algn="l"/>
             <a:r>
               <a:rPr lang="en-US" dirty="0"/>
-              <a:t>Confirming published site selection variables and identifying un-reported selection variables using demographics from the U.S. Census Bureau</a:t>
+              <a:t>Confirming published site selection guidelines and identifying un-reported selection variables using demographics from the U.S. Census Bureau</a:t>
             </a:r>
             <a:endParaRPr lang="en-US" sz="2300" dirty="0"/>
           </a:p>
@@ -6924,6 +7012,2927 @@
 </p:sld>
 </file>
 
+<file path=ppt/slides/slide10.xml><?xml version="1.0" encoding="utf-8"?>
+<p:sld xmlns:a="http://schemas.openxmlformats.org/drawingml/2006/main" xmlns:r="http://schemas.openxmlformats.org/officeDocument/2006/relationships" xmlns:p="http://schemas.openxmlformats.org/presentationml/2006/main">
+  <p:cSld>
+    <p:spTree>
+      <p:nvGrpSpPr>
+        <p:cNvPr id="1" name=""/>
+        <p:cNvGrpSpPr/>
+        <p:nvPr/>
+      </p:nvGrpSpPr>
+      <p:grpSpPr>
+        <a:xfrm>
+          <a:off x="0" y="0"/>
+          <a:ext cx="0" cy="0"/>
+          <a:chOff x="0" y="0"/>
+          <a:chExt cx="0" cy="0"/>
+        </a:xfrm>
+      </p:grpSpPr>
+      <p:sp>
+        <p:nvSpPr>
+          <p:cNvPr id="2" name="Title 1">
+            <a:extLst>
+              <a:ext uri="{FF2B5EF4-FFF2-40B4-BE49-F238E27FC236}">
+                <a16:creationId xmlns:a16="http://schemas.microsoft.com/office/drawing/2014/main" id="{C5F6753B-E03D-46E4-0B7D-DC4D876F6E4E}"/>
+              </a:ext>
+            </a:extLst>
+          </p:cNvPr>
+          <p:cNvSpPr>
+            <a:spLocks noGrp="1"/>
+          </p:cNvSpPr>
+          <p:nvPr>
+            <p:ph type="title"/>
+          </p:nvPr>
+        </p:nvSpPr>
+        <p:spPr/>
+        <p:txBody>
+          <a:bodyPr>
+            <a:normAutofit fontScale="90000"/>
+          </a:bodyPr>
+          <a:lstStyle/>
+          <a:p>
+            <a:r>
+              <a:rPr lang="en-US" dirty="0"/>
+              <a:t>Q1: </a:t>
+            </a:r>
+            <a:r>
+              <a:rPr lang="en-US" sz="4800" dirty="0"/>
+              <a:t>Does the Census Data confirm the published site selection methodology?</a:t>
+            </a:r>
+            <a:endParaRPr lang="en-US" dirty="0"/>
+          </a:p>
+        </p:txBody>
+      </p:sp>
+      <p:grpSp>
+        <p:nvGrpSpPr>
+          <p:cNvPr id="10" name="Group 9">
+            <a:extLst>
+              <a:ext uri="{FF2B5EF4-FFF2-40B4-BE49-F238E27FC236}">
+                <a16:creationId xmlns:a16="http://schemas.microsoft.com/office/drawing/2014/main" id="{515A40F3-CB92-8B8A-F065-9B1C2578D60A}"/>
+              </a:ext>
+            </a:extLst>
+          </p:cNvPr>
+          <p:cNvGrpSpPr/>
+          <p:nvPr/>
+        </p:nvGrpSpPr>
+        <p:grpSpPr>
+          <a:xfrm>
+            <a:off x="3514556" y="1907458"/>
+            <a:ext cx="8677444" cy="4950542"/>
+            <a:chOff x="1751954" y="1907458"/>
+            <a:chExt cx="8677444" cy="4950542"/>
+          </a:xfrm>
+        </p:grpSpPr>
+        <p:pic>
+          <p:nvPicPr>
+            <p:cNvPr id="6" name="Picture 5">
+              <a:extLst>
+                <a:ext uri="{FF2B5EF4-FFF2-40B4-BE49-F238E27FC236}">
+                  <a16:creationId xmlns:a16="http://schemas.microsoft.com/office/drawing/2014/main" id="{75CE9968-AF8E-D8EF-000A-3214683D5849}"/>
+                </a:ext>
+              </a:extLst>
+            </p:cNvPr>
+            <p:cNvPicPr>
+              <a:picLocks noChangeAspect="1"/>
+            </p:cNvPicPr>
+            <p:nvPr/>
+          </p:nvPicPr>
+          <p:blipFill>
+            <a:blip r:embed="rId2"/>
+            <a:stretch>
+              <a:fillRect/>
+            </a:stretch>
+          </p:blipFill>
+          <p:spPr>
+            <a:xfrm>
+              <a:off x="1751954" y="1907458"/>
+              <a:ext cx="8677444" cy="4950542"/>
+            </a:xfrm>
+            <a:prstGeom prst="rect">
+              <a:avLst/>
+            </a:prstGeom>
+          </p:spPr>
+        </p:pic>
+        <p:sp>
+          <p:nvSpPr>
+            <p:cNvPr id="8" name="Oval 7">
+              <a:extLst>
+                <a:ext uri="{FF2B5EF4-FFF2-40B4-BE49-F238E27FC236}">
+                  <a16:creationId xmlns:a16="http://schemas.microsoft.com/office/drawing/2014/main" id="{23FB68FA-9576-6059-994E-5413BA331D5E}"/>
+                </a:ext>
+              </a:extLst>
+            </p:cNvPr>
+            <p:cNvSpPr/>
+            <p:nvPr/>
+          </p:nvSpPr>
+          <p:spPr>
+            <a:xfrm rot="1494150">
+              <a:off x="2152649" y="2435942"/>
+              <a:ext cx="3248025" cy="4202983"/>
+            </a:xfrm>
+            <a:prstGeom prst="ellipse">
+              <a:avLst/>
+            </a:prstGeom>
+            <a:noFill/>
+            <a:ln w="28575">
+              <a:solidFill>
+                <a:srgbClr val="00B050"/>
+              </a:solidFill>
+            </a:ln>
+          </p:spPr>
+          <p:style>
+            <a:lnRef idx="2">
+              <a:schemeClr val="accent1">
+                <a:shade val="15000"/>
+              </a:schemeClr>
+            </a:lnRef>
+            <a:fillRef idx="1">
+              <a:schemeClr val="accent1"/>
+            </a:fillRef>
+            <a:effectRef idx="0">
+              <a:schemeClr val="accent1"/>
+            </a:effectRef>
+            <a:fontRef idx="minor">
+              <a:schemeClr val="lt1"/>
+            </a:fontRef>
+          </p:style>
+          <p:txBody>
+            <a:bodyPr rtlCol="0" anchor="ctr"/>
+            <a:lstStyle/>
+            <a:p>
+              <a:pPr algn="ctr"/>
+              <a:endParaRPr lang="en-US"/>
+            </a:p>
+          </p:txBody>
+        </p:sp>
+        <p:sp>
+          <p:nvSpPr>
+            <p:cNvPr id="9" name="Oval 8">
+              <a:extLst>
+                <a:ext uri="{FF2B5EF4-FFF2-40B4-BE49-F238E27FC236}">
+                  <a16:creationId xmlns:a16="http://schemas.microsoft.com/office/drawing/2014/main" id="{A7A40DBD-E9EB-EE99-A0B8-DE79FDD4CF6C}"/>
+                </a:ext>
+              </a:extLst>
+            </p:cNvPr>
+            <p:cNvSpPr/>
+            <p:nvPr/>
+          </p:nvSpPr>
+          <p:spPr>
+            <a:xfrm rot="5137479">
+              <a:off x="6440388" y="3513082"/>
+              <a:ext cx="1241075" cy="4906605"/>
+            </a:xfrm>
+            <a:prstGeom prst="ellipse">
+              <a:avLst/>
+            </a:prstGeom>
+            <a:noFill/>
+            <a:ln w="28575">
+              <a:solidFill>
+                <a:srgbClr val="C00000"/>
+              </a:solidFill>
+            </a:ln>
+          </p:spPr>
+          <p:style>
+            <a:lnRef idx="2">
+              <a:schemeClr val="accent1">
+                <a:shade val="15000"/>
+              </a:schemeClr>
+            </a:lnRef>
+            <a:fillRef idx="1">
+              <a:schemeClr val="accent1"/>
+            </a:fillRef>
+            <a:effectRef idx="0">
+              <a:schemeClr val="accent1"/>
+            </a:effectRef>
+            <a:fontRef idx="minor">
+              <a:schemeClr val="lt1"/>
+            </a:fontRef>
+          </p:style>
+          <p:txBody>
+            <a:bodyPr rtlCol="0" anchor="ctr"/>
+            <a:lstStyle/>
+            <a:p>
+              <a:pPr algn="ctr"/>
+              <a:endParaRPr lang="en-US"/>
+            </a:p>
+          </p:txBody>
+        </p:sp>
+      </p:grpSp>
+      <p:sp>
+        <p:nvSpPr>
+          <p:cNvPr id="12" name="Content Placeholder 2">
+            <a:extLst>
+              <a:ext uri="{FF2B5EF4-FFF2-40B4-BE49-F238E27FC236}">
+                <a16:creationId xmlns:a16="http://schemas.microsoft.com/office/drawing/2014/main" id="{9686433C-D0FC-EAB1-7A0C-1A251B37BACE}"/>
+              </a:ext>
+            </a:extLst>
+          </p:cNvPr>
+          <p:cNvSpPr>
+            <a:spLocks noGrp="1"/>
+          </p:cNvSpPr>
+          <p:nvPr>
+            <p:ph idx="1"/>
+          </p:nvPr>
+        </p:nvSpPr>
+        <p:spPr>
+          <a:xfrm>
+            <a:off x="84872" y="1866900"/>
+            <a:ext cx="3210778" cy="4799371"/>
+          </a:xfrm>
+        </p:spPr>
+        <p:txBody>
+          <a:bodyPr>
+            <a:normAutofit fontScale="92500"/>
+          </a:bodyPr>
+          <a:lstStyle/>
+          <a:p>
+            <a:r>
+              <a:rPr lang="en-US" dirty="0"/>
+              <a:t>Expressing the variables of the highest and lowest correlation as the axes on scatter plot illustrates the site selection strategy</a:t>
+            </a:r>
+          </a:p>
+          <a:p>
+            <a:r>
+              <a:rPr lang="en-US" dirty="0"/>
+              <a:t>Census tract clusters with more than 500 people with graduate degrees and fewer than 1000 people with only high school diplomas may be attractive expansion opportunities </a:t>
+            </a:r>
+          </a:p>
+        </p:txBody>
+      </p:sp>
+    </p:spTree>
+    <p:extLst>
+      <p:ext uri="{BB962C8B-B14F-4D97-AF65-F5344CB8AC3E}">
+        <p14:creationId xmlns:p14="http://schemas.microsoft.com/office/powerpoint/2010/main" val="1281811622"/>
+      </p:ext>
+    </p:extLst>
+  </p:cSld>
+  <p:clrMapOvr>
+    <a:masterClrMapping/>
+  </p:clrMapOvr>
+</p:sld>
+</file>
+
+<file path=ppt/slides/slide11.xml><?xml version="1.0" encoding="utf-8"?>
+<p:sld xmlns:a="http://schemas.openxmlformats.org/drawingml/2006/main" xmlns:r="http://schemas.openxmlformats.org/officeDocument/2006/relationships" xmlns:p="http://schemas.openxmlformats.org/presentationml/2006/main">
+  <p:cSld>
+    <p:spTree>
+      <p:nvGrpSpPr>
+        <p:cNvPr id="1" name=""/>
+        <p:cNvGrpSpPr/>
+        <p:nvPr/>
+      </p:nvGrpSpPr>
+      <p:grpSpPr>
+        <a:xfrm>
+          <a:off x="0" y="0"/>
+          <a:ext cx="0" cy="0"/>
+          <a:chOff x="0" y="0"/>
+          <a:chExt cx="0" cy="0"/>
+        </a:xfrm>
+      </p:grpSpPr>
+      <p:sp>
+        <p:nvSpPr>
+          <p:cNvPr id="2" name="Title 1">
+            <a:extLst>
+              <a:ext uri="{FF2B5EF4-FFF2-40B4-BE49-F238E27FC236}">
+                <a16:creationId xmlns:a16="http://schemas.microsoft.com/office/drawing/2014/main" id="{C5F6753B-E03D-46E4-0B7D-DC4D876F6E4E}"/>
+              </a:ext>
+            </a:extLst>
+          </p:cNvPr>
+          <p:cNvSpPr>
+            <a:spLocks noGrp="1"/>
+          </p:cNvSpPr>
+          <p:nvPr>
+            <p:ph type="title"/>
+          </p:nvPr>
+        </p:nvSpPr>
+        <p:spPr>
+          <a:xfrm>
+            <a:off x="0" y="609600"/>
+            <a:ext cx="12191999" cy="1257300"/>
+          </a:xfrm>
+        </p:spPr>
+        <p:txBody>
+          <a:bodyPr>
+            <a:normAutofit/>
+          </a:bodyPr>
+          <a:lstStyle/>
+          <a:p>
+            <a:r>
+              <a:rPr lang="en-US" sz="4000" dirty="0"/>
+              <a:t>Q2: Does the Census Data suggest that there are additional variables that Whole Foods uses to select store locations?</a:t>
+            </a:r>
+          </a:p>
+        </p:txBody>
+      </p:sp>
+      <p:pic>
+        <p:nvPicPr>
+          <p:cNvPr id="7" name="Picture 6">
+            <a:extLst>
+              <a:ext uri="{FF2B5EF4-FFF2-40B4-BE49-F238E27FC236}">
+                <a16:creationId xmlns:a16="http://schemas.microsoft.com/office/drawing/2014/main" id="{C73A0ABD-F965-2DA6-EB56-8AD232E4FCE5}"/>
+              </a:ext>
+            </a:extLst>
+          </p:cNvPr>
+          <p:cNvPicPr>
+            <a:picLocks noChangeAspect="1"/>
+          </p:cNvPicPr>
+          <p:nvPr/>
+        </p:nvPicPr>
+        <p:blipFill>
+          <a:blip r:embed="rId2"/>
+          <a:stretch>
+            <a:fillRect/>
+          </a:stretch>
+        </p:blipFill>
+        <p:spPr>
+          <a:xfrm>
+            <a:off x="3304045" y="1866900"/>
+            <a:ext cx="8887955" cy="4991100"/>
+          </a:xfrm>
+          <a:prstGeom prst="rect">
+            <a:avLst/>
+          </a:prstGeom>
+        </p:spPr>
+      </p:pic>
+      <p:sp>
+        <p:nvSpPr>
+          <p:cNvPr id="8" name="Rectangle 7">
+            <a:extLst>
+              <a:ext uri="{FF2B5EF4-FFF2-40B4-BE49-F238E27FC236}">
+                <a16:creationId xmlns:a16="http://schemas.microsoft.com/office/drawing/2014/main" id="{71F4EC20-1A45-E8B3-10C9-398A98AB018F}"/>
+              </a:ext>
+            </a:extLst>
+          </p:cNvPr>
+          <p:cNvSpPr/>
+          <p:nvPr/>
+        </p:nvSpPr>
+        <p:spPr>
+          <a:xfrm>
+            <a:off x="4218658" y="2772687"/>
+            <a:ext cx="231055" cy="4004187"/>
+          </a:xfrm>
+          <a:prstGeom prst="rect">
+            <a:avLst/>
+          </a:prstGeom>
+          <a:solidFill>
+            <a:srgbClr val="C00000">
+              <a:alpha val="20000"/>
+            </a:srgbClr>
+          </a:solidFill>
+          <a:ln>
+            <a:solidFill>
+              <a:srgbClr val="C00000"/>
+            </a:solidFill>
+          </a:ln>
+        </p:spPr>
+        <p:style>
+          <a:lnRef idx="2">
+            <a:schemeClr val="accent1">
+              <a:shade val="15000"/>
+            </a:schemeClr>
+          </a:lnRef>
+          <a:fillRef idx="1">
+            <a:schemeClr val="accent1"/>
+          </a:fillRef>
+          <a:effectRef idx="0">
+            <a:schemeClr val="accent1"/>
+          </a:effectRef>
+          <a:fontRef idx="minor">
+            <a:schemeClr val="lt1"/>
+          </a:fontRef>
+        </p:style>
+        <p:txBody>
+          <a:bodyPr rtlCol="0" anchor="ctr"/>
+          <a:lstStyle/>
+          <a:p>
+            <a:pPr algn="ctr"/>
+            <a:endParaRPr lang="en-US"/>
+          </a:p>
+        </p:txBody>
+      </p:sp>
+      <p:sp>
+        <p:nvSpPr>
+          <p:cNvPr id="9" name="Rectangle 8">
+            <a:extLst>
+              <a:ext uri="{FF2B5EF4-FFF2-40B4-BE49-F238E27FC236}">
+                <a16:creationId xmlns:a16="http://schemas.microsoft.com/office/drawing/2014/main" id="{E0EEBD1A-8F7E-F658-0503-659E52AEC829}"/>
+              </a:ext>
+            </a:extLst>
+          </p:cNvPr>
+          <p:cNvSpPr/>
+          <p:nvPr/>
+        </p:nvSpPr>
+        <p:spPr>
+          <a:xfrm>
+            <a:off x="4444595" y="2772688"/>
+            <a:ext cx="231055" cy="4004187"/>
+          </a:xfrm>
+          <a:prstGeom prst="rect">
+            <a:avLst/>
+          </a:prstGeom>
+          <a:solidFill>
+            <a:srgbClr val="C00000">
+              <a:alpha val="20000"/>
+            </a:srgbClr>
+          </a:solidFill>
+          <a:ln>
+            <a:solidFill>
+              <a:srgbClr val="C00000"/>
+            </a:solidFill>
+          </a:ln>
+        </p:spPr>
+        <p:style>
+          <a:lnRef idx="2">
+            <a:schemeClr val="accent1">
+              <a:shade val="15000"/>
+            </a:schemeClr>
+          </a:lnRef>
+          <a:fillRef idx="1">
+            <a:schemeClr val="accent1"/>
+          </a:fillRef>
+          <a:effectRef idx="0">
+            <a:schemeClr val="accent1"/>
+          </a:effectRef>
+          <a:fontRef idx="minor">
+            <a:schemeClr val="lt1"/>
+          </a:fontRef>
+        </p:style>
+        <p:txBody>
+          <a:bodyPr rtlCol="0" anchor="ctr"/>
+          <a:lstStyle/>
+          <a:p>
+            <a:pPr algn="ctr"/>
+            <a:endParaRPr lang="en-US"/>
+          </a:p>
+        </p:txBody>
+      </p:sp>
+      <p:sp>
+        <p:nvSpPr>
+          <p:cNvPr id="10" name="Rectangle 9">
+            <a:extLst>
+              <a:ext uri="{FF2B5EF4-FFF2-40B4-BE49-F238E27FC236}">
+                <a16:creationId xmlns:a16="http://schemas.microsoft.com/office/drawing/2014/main" id="{46448670-EA51-2E72-87D1-D6B01D4FEAB1}"/>
+              </a:ext>
+            </a:extLst>
+          </p:cNvPr>
+          <p:cNvSpPr/>
+          <p:nvPr/>
+        </p:nvSpPr>
+        <p:spPr>
+          <a:xfrm>
+            <a:off x="4904460" y="2772687"/>
+            <a:ext cx="231055" cy="4004187"/>
+          </a:xfrm>
+          <a:prstGeom prst="rect">
+            <a:avLst/>
+          </a:prstGeom>
+          <a:solidFill>
+            <a:srgbClr val="C00000">
+              <a:alpha val="20000"/>
+            </a:srgbClr>
+          </a:solidFill>
+          <a:ln>
+            <a:solidFill>
+              <a:srgbClr val="C00000"/>
+            </a:solidFill>
+          </a:ln>
+        </p:spPr>
+        <p:style>
+          <a:lnRef idx="2">
+            <a:schemeClr val="accent1">
+              <a:shade val="15000"/>
+            </a:schemeClr>
+          </a:lnRef>
+          <a:fillRef idx="1">
+            <a:schemeClr val="accent1"/>
+          </a:fillRef>
+          <a:effectRef idx="0">
+            <a:schemeClr val="accent1"/>
+          </a:effectRef>
+          <a:fontRef idx="minor">
+            <a:schemeClr val="lt1"/>
+          </a:fontRef>
+        </p:style>
+        <p:txBody>
+          <a:bodyPr rtlCol="0" anchor="ctr"/>
+          <a:lstStyle/>
+          <a:p>
+            <a:pPr algn="ctr"/>
+            <a:endParaRPr lang="en-US"/>
+          </a:p>
+        </p:txBody>
+      </p:sp>
+      <p:sp>
+        <p:nvSpPr>
+          <p:cNvPr id="12" name="Rectangle 11">
+            <a:extLst>
+              <a:ext uri="{FF2B5EF4-FFF2-40B4-BE49-F238E27FC236}">
+                <a16:creationId xmlns:a16="http://schemas.microsoft.com/office/drawing/2014/main" id="{3B695385-DA88-1D3F-8E16-762957E301EF}"/>
+              </a:ext>
+            </a:extLst>
+          </p:cNvPr>
+          <p:cNvSpPr/>
+          <p:nvPr/>
+        </p:nvSpPr>
+        <p:spPr>
+          <a:xfrm>
+            <a:off x="10298588" y="2772688"/>
+            <a:ext cx="231055" cy="4004187"/>
+          </a:xfrm>
+          <a:prstGeom prst="rect">
+            <a:avLst/>
+          </a:prstGeom>
+          <a:solidFill>
+            <a:srgbClr val="92D050">
+              <a:alpha val="20000"/>
+            </a:srgbClr>
+          </a:solidFill>
+          <a:ln>
+            <a:solidFill>
+              <a:srgbClr val="00B050"/>
+            </a:solidFill>
+          </a:ln>
+        </p:spPr>
+        <p:style>
+          <a:lnRef idx="2">
+            <a:schemeClr val="accent1">
+              <a:shade val="15000"/>
+            </a:schemeClr>
+          </a:lnRef>
+          <a:fillRef idx="1">
+            <a:schemeClr val="accent1"/>
+          </a:fillRef>
+          <a:effectRef idx="0">
+            <a:schemeClr val="accent1"/>
+          </a:effectRef>
+          <a:fontRef idx="minor">
+            <a:schemeClr val="lt1"/>
+          </a:fontRef>
+        </p:style>
+        <p:txBody>
+          <a:bodyPr rtlCol="0" anchor="ctr"/>
+          <a:lstStyle/>
+          <a:p>
+            <a:pPr algn="ctr"/>
+            <a:endParaRPr lang="en-US"/>
+          </a:p>
+        </p:txBody>
+      </p:sp>
+      <p:sp>
+        <p:nvSpPr>
+          <p:cNvPr id="14" name="Content Placeholder 2">
+            <a:extLst>
+              <a:ext uri="{FF2B5EF4-FFF2-40B4-BE49-F238E27FC236}">
+                <a16:creationId xmlns:a16="http://schemas.microsoft.com/office/drawing/2014/main" id="{4DBE6690-88B1-CE0D-CFC9-AD4CB0EC8559}"/>
+              </a:ext>
+            </a:extLst>
+          </p:cNvPr>
+          <p:cNvSpPr>
+            <a:spLocks noGrp="1"/>
+          </p:cNvSpPr>
+          <p:nvPr>
+            <p:ph idx="1"/>
+          </p:nvPr>
+        </p:nvSpPr>
+        <p:spPr>
+          <a:xfrm>
+            <a:off x="84872" y="1866900"/>
+            <a:ext cx="3055190" cy="4991100"/>
+          </a:xfrm>
+        </p:spPr>
+        <p:txBody>
+          <a:bodyPr>
+            <a:normAutofit fontScale="92500" lnSpcReduction="20000"/>
+          </a:bodyPr>
+          <a:lstStyle/>
+          <a:p>
+            <a:r>
+              <a:rPr lang="en-US" dirty="0"/>
+              <a:t>Income Levels</a:t>
+            </a:r>
+          </a:p>
+          <a:p>
+            <a:pPr marL="574675" lvl="1" indent="-228600">
+              <a:lnSpc>
+                <a:spcPct val="120000"/>
+              </a:lnSpc>
+              <a:buFont typeface="+mj-lt"/>
+              <a:buAutoNum type="alphaUcPeriod"/>
+            </a:pPr>
+            <a:r>
+              <a:rPr lang="en-US" sz="1100" b="0" i="0" dirty="0">
+                <a:solidFill>
+                  <a:srgbClr val="CCCCCC"/>
+                </a:solidFill>
+                <a:effectLst/>
+                <a:latin typeface="Courier New" panose="02070309020205020404" pitchFamily="49" charset="0"/>
+                <a:cs typeface="Courier New" panose="02070309020205020404" pitchFamily="49" charset="0"/>
+              </a:rPr>
+              <a:t>B06010_006E: </a:t>
+            </a:r>
+            <a:br>
+              <a:rPr lang="en-US" sz="1100" b="0" i="0" dirty="0">
+                <a:solidFill>
+                  <a:srgbClr val="CCCCCC"/>
+                </a:solidFill>
+                <a:effectLst/>
+                <a:latin typeface="Courier New" panose="02070309020205020404" pitchFamily="49" charset="0"/>
+                <a:cs typeface="Courier New" panose="02070309020205020404" pitchFamily="49" charset="0"/>
+              </a:rPr>
+            </a:br>
+            <a:r>
+              <a:rPr lang="en-US" sz="1100" b="1" i="0" u="sng" dirty="0">
+                <a:solidFill>
+                  <a:srgbClr val="CCCCCC"/>
+                </a:solidFill>
+                <a:effectLst/>
+                <a:latin typeface="Courier New" panose="02070309020205020404" pitchFamily="49" charset="0"/>
+                <a:cs typeface="Courier New" panose="02070309020205020404" pitchFamily="49" charset="0"/>
+              </a:rPr>
+              <a:t>$15,000 to $24,999                                                                            </a:t>
+            </a:r>
+            <a:r>
+              <a:rPr lang="en-US" sz="1100" b="0" i="0" dirty="0">
+                <a:solidFill>
+                  <a:srgbClr val="CCCCCC"/>
+                </a:solidFill>
+                <a:effectLst/>
+                <a:latin typeface="Courier New" panose="02070309020205020404" pitchFamily="49" charset="0"/>
+                <a:cs typeface="Courier New" panose="02070309020205020404" pitchFamily="49" charset="0"/>
+              </a:rPr>
+              <a:t>-0.175441</a:t>
+            </a:r>
+          </a:p>
+          <a:p>
+            <a:pPr marL="574675" lvl="1" indent="-228600">
+              <a:lnSpc>
+                <a:spcPct val="120000"/>
+              </a:lnSpc>
+              <a:buFont typeface="+mj-lt"/>
+              <a:buAutoNum type="alphaUcPeriod"/>
+            </a:pPr>
+            <a:r>
+              <a:rPr lang="en-US" sz="1100" b="0" i="0" dirty="0">
+                <a:solidFill>
+                  <a:srgbClr val="CCCCCC"/>
+                </a:solidFill>
+                <a:effectLst/>
+                <a:latin typeface="Courier New" panose="02070309020205020404" pitchFamily="49" charset="0"/>
+                <a:cs typeface="Courier New" panose="02070309020205020404" pitchFamily="49" charset="0"/>
+              </a:rPr>
+              <a:t>B06010_007E: </a:t>
+            </a:r>
+            <a:br>
+              <a:rPr lang="en-US" sz="1100" b="0" i="0" dirty="0">
+                <a:solidFill>
+                  <a:srgbClr val="CCCCCC"/>
+                </a:solidFill>
+                <a:effectLst/>
+                <a:latin typeface="Courier New" panose="02070309020205020404" pitchFamily="49" charset="0"/>
+                <a:cs typeface="Courier New" panose="02070309020205020404" pitchFamily="49" charset="0"/>
+              </a:rPr>
+            </a:br>
+            <a:r>
+              <a:rPr lang="en-US" sz="1100" b="1" i="0" u="sng" dirty="0">
+                <a:solidFill>
+                  <a:srgbClr val="CCCCCC"/>
+                </a:solidFill>
+                <a:effectLst/>
+                <a:latin typeface="Courier New" panose="02070309020205020404" pitchFamily="49" charset="0"/>
+                <a:cs typeface="Courier New" panose="02070309020205020404" pitchFamily="49" charset="0"/>
+              </a:rPr>
+              <a:t>$25,000 to $34,999                                                                            </a:t>
+            </a:r>
+            <a:r>
+              <a:rPr lang="en-US" sz="1100" b="0" i="0" dirty="0">
+                <a:solidFill>
+                  <a:srgbClr val="CCCCCC"/>
+                </a:solidFill>
+                <a:effectLst/>
+                <a:latin typeface="Courier New" panose="02070309020205020404" pitchFamily="49" charset="0"/>
+                <a:cs typeface="Courier New" panose="02070309020205020404" pitchFamily="49" charset="0"/>
+              </a:rPr>
+              <a:t>-0.167236</a:t>
+            </a:r>
+          </a:p>
+          <a:p>
+            <a:pPr marL="574675" lvl="1" indent="-228600">
+              <a:lnSpc>
+                <a:spcPct val="120000"/>
+              </a:lnSpc>
+              <a:buFont typeface="+mj-lt"/>
+              <a:buAutoNum type="alphaUcPeriod"/>
+            </a:pPr>
+            <a:r>
+              <a:rPr lang="en-US" sz="1100" b="0" i="1" dirty="0">
+                <a:solidFill>
+                  <a:srgbClr val="CCCCCC"/>
+                </a:solidFill>
+                <a:effectLst/>
+                <a:latin typeface="Courier New" panose="02070309020205020404" pitchFamily="49" charset="0"/>
+                <a:cs typeface="Courier New" panose="02070309020205020404" pitchFamily="49" charset="0"/>
+              </a:rPr>
+              <a:t>B06010_008E: </a:t>
+            </a:r>
+            <a:br>
+              <a:rPr lang="en-US" sz="1100" b="0" i="1" dirty="0">
+                <a:solidFill>
+                  <a:srgbClr val="CCCCCC"/>
+                </a:solidFill>
+                <a:effectLst/>
+                <a:latin typeface="Courier New" panose="02070309020205020404" pitchFamily="49" charset="0"/>
+                <a:cs typeface="Courier New" panose="02070309020205020404" pitchFamily="49" charset="0"/>
+              </a:rPr>
+            </a:br>
+            <a:r>
+              <a:rPr lang="en-US" sz="1100" b="1" i="1" u="sng" dirty="0">
+                <a:solidFill>
+                  <a:srgbClr val="CCCCCC"/>
+                </a:solidFill>
+                <a:effectLst/>
+                <a:latin typeface="Courier New" panose="02070309020205020404" pitchFamily="49" charset="0"/>
+                <a:cs typeface="Courier New" panose="02070309020205020404" pitchFamily="49" charset="0"/>
+              </a:rPr>
+              <a:t>$35,000 to $49,999                                                                            </a:t>
+            </a:r>
+            <a:r>
+              <a:rPr lang="en-US" sz="1100" b="0" i="1" dirty="0">
+                <a:solidFill>
+                  <a:srgbClr val="CCCCCC"/>
+                </a:solidFill>
+                <a:effectLst/>
+                <a:latin typeface="Courier New" panose="02070309020205020404" pitchFamily="49" charset="0"/>
+                <a:cs typeface="Courier New" panose="02070309020205020404" pitchFamily="49" charset="0"/>
+              </a:rPr>
+              <a:t>-0.144412</a:t>
+            </a:r>
+          </a:p>
+          <a:p>
+            <a:pPr marL="574675" lvl="1" indent="-228600">
+              <a:lnSpc>
+                <a:spcPct val="120000"/>
+              </a:lnSpc>
+              <a:buFont typeface="+mj-lt"/>
+              <a:buAutoNum type="alphaUcPeriod"/>
+            </a:pPr>
+            <a:r>
+              <a:rPr lang="en-US" sz="1100" b="0" i="0" dirty="0">
+                <a:solidFill>
+                  <a:srgbClr val="CCCCCC"/>
+                </a:solidFill>
+                <a:effectLst/>
+                <a:latin typeface="Courier New" panose="02070309020205020404" pitchFamily="49" charset="0"/>
+                <a:cs typeface="Courier New" panose="02070309020205020404" pitchFamily="49" charset="0"/>
+              </a:rPr>
+              <a:t>B06010_005E: </a:t>
+            </a:r>
+            <a:br>
+              <a:rPr lang="en-US" sz="1100" b="0" i="0" dirty="0">
+                <a:solidFill>
+                  <a:srgbClr val="CCCCCC"/>
+                </a:solidFill>
+                <a:effectLst/>
+                <a:latin typeface="Courier New" panose="02070309020205020404" pitchFamily="49" charset="0"/>
+                <a:cs typeface="Courier New" panose="02070309020205020404" pitchFamily="49" charset="0"/>
+              </a:rPr>
+            </a:br>
+            <a:r>
+              <a:rPr lang="en-US" sz="1100" b="1" i="0" u="sng" dirty="0">
+                <a:solidFill>
+                  <a:srgbClr val="CCCCCC"/>
+                </a:solidFill>
+                <a:effectLst/>
+                <a:latin typeface="Courier New" panose="02070309020205020404" pitchFamily="49" charset="0"/>
+                <a:cs typeface="Courier New" panose="02070309020205020404" pitchFamily="49" charset="0"/>
+              </a:rPr>
+              <a:t>$10,000 to $14,999                                                                            </a:t>
+            </a:r>
+            <a:r>
+              <a:rPr lang="en-US" sz="1100" b="0" i="0" dirty="0">
+                <a:solidFill>
+                  <a:srgbClr val="CCCCCC"/>
+                </a:solidFill>
+                <a:effectLst/>
+                <a:latin typeface="Courier New" panose="02070309020205020404" pitchFamily="49" charset="0"/>
+                <a:cs typeface="Courier New" panose="02070309020205020404" pitchFamily="49" charset="0"/>
+              </a:rPr>
+              <a:t>-0.128237</a:t>
+            </a:r>
+          </a:p>
+          <a:p>
+            <a:pPr marL="574675" lvl="1" indent="-228600">
+              <a:lnSpc>
+                <a:spcPct val="120000"/>
+              </a:lnSpc>
+              <a:buFont typeface="+mj-lt"/>
+              <a:buAutoNum type="alphaUcPeriod"/>
+            </a:pPr>
+            <a:r>
+              <a:rPr lang="en-US" sz="1100" b="0" i="0" dirty="0">
+                <a:solidFill>
+                  <a:srgbClr val="CCCCCC"/>
+                </a:solidFill>
+                <a:effectLst/>
+                <a:latin typeface="Courier New" panose="02070309020205020404" pitchFamily="49" charset="0"/>
+                <a:cs typeface="Courier New" panose="02070309020205020404" pitchFamily="49" charset="0"/>
+              </a:rPr>
+              <a:t>B06010_009E: </a:t>
+            </a:r>
+            <a:br>
+              <a:rPr lang="en-US" sz="1100" b="0" i="0" dirty="0">
+                <a:solidFill>
+                  <a:srgbClr val="CCCCCC"/>
+                </a:solidFill>
+                <a:effectLst/>
+                <a:latin typeface="Courier New" panose="02070309020205020404" pitchFamily="49" charset="0"/>
+                <a:cs typeface="Courier New" panose="02070309020205020404" pitchFamily="49" charset="0"/>
+              </a:rPr>
+            </a:br>
+            <a:r>
+              <a:rPr lang="en-US" sz="1100" b="1" i="0" u="sng" dirty="0">
+                <a:solidFill>
+                  <a:srgbClr val="CCCCCC"/>
+                </a:solidFill>
+                <a:effectLst/>
+                <a:latin typeface="Courier New" panose="02070309020205020404" pitchFamily="49" charset="0"/>
+                <a:cs typeface="Courier New" panose="02070309020205020404" pitchFamily="49" charset="0"/>
+              </a:rPr>
+              <a:t>$50,000 to $64,999                                                                            </a:t>
+            </a:r>
+            <a:r>
+              <a:rPr lang="en-US" sz="1100" b="0" i="0" dirty="0">
+                <a:solidFill>
+                  <a:srgbClr val="CCCCCC"/>
+                </a:solidFill>
+                <a:effectLst/>
+                <a:latin typeface="Courier New" panose="02070309020205020404" pitchFamily="49" charset="0"/>
+                <a:cs typeface="Courier New" panose="02070309020205020404" pitchFamily="49" charset="0"/>
+              </a:rPr>
+              <a:t>-0.093677</a:t>
+            </a:r>
+          </a:p>
+          <a:p>
+            <a:pPr marL="574675" lvl="1" indent="-228600">
+              <a:lnSpc>
+                <a:spcPct val="120000"/>
+              </a:lnSpc>
+              <a:buFont typeface="+mj-lt"/>
+              <a:buAutoNum type="alphaUcPeriod"/>
+            </a:pPr>
+            <a:r>
+              <a:rPr lang="en-US" sz="1100" b="0" i="0" dirty="0">
+                <a:solidFill>
+                  <a:srgbClr val="CCCCCC"/>
+                </a:solidFill>
+                <a:effectLst/>
+                <a:latin typeface="Courier New" panose="02070309020205020404" pitchFamily="49" charset="0"/>
+                <a:cs typeface="Courier New" panose="02070309020205020404" pitchFamily="49" charset="0"/>
+              </a:rPr>
+              <a:t>B06010_010E: </a:t>
+            </a:r>
+            <a:br>
+              <a:rPr lang="en-US" sz="1100" b="0" i="0" dirty="0">
+                <a:solidFill>
+                  <a:srgbClr val="CCCCCC"/>
+                </a:solidFill>
+                <a:effectLst/>
+                <a:latin typeface="Courier New" panose="02070309020205020404" pitchFamily="49" charset="0"/>
+                <a:cs typeface="Courier New" panose="02070309020205020404" pitchFamily="49" charset="0"/>
+              </a:rPr>
+            </a:br>
+            <a:r>
+              <a:rPr lang="en-US" sz="1100" b="1" i="0" u="sng" dirty="0">
+                <a:solidFill>
+                  <a:srgbClr val="CCCCCC"/>
+                </a:solidFill>
+                <a:effectLst/>
+                <a:latin typeface="Courier New" panose="02070309020205020404" pitchFamily="49" charset="0"/>
+                <a:cs typeface="Courier New" panose="02070309020205020404" pitchFamily="49" charset="0"/>
+              </a:rPr>
+              <a:t>$65,000 to $74,999                                                                            </a:t>
+            </a:r>
+            <a:r>
+              <a:rPr lang="en-US" sz="1100" b="0" i="0" dirty="0">
+                <a:solidFill>
+                  <a:srgbClr val="CCCCCC"/>
+                </a:solidFill>
+                <a:effectLst/>
+                <a:latin typeface="Courier New" panose="02070309020205020404" pitchFamily="49" charset="0"/>
+                <a:cs typeface="Courier New" panose="02070309020205020404" pitchFamily="49" charset="0"/>
+              </a:rPr>
+              <a:t>-0.063824</a:t>
+            </a:r>
+          </a:p>
+          <a:p>
+            <a:pPr marL="574675" lvl="1" indent="-228600">
+              <a:lnSpc>
+                <a:spcPct val="120000"/>
+              </a:lnSpc>
+              <a:buFont typeface="+mj-lt"/>
+              <a:buAutoNum type="alphaUcPeriod"/>
+            </a:pPr>
+            <a:r>
+              <a:rPr lang="en-US" sz="1100" b="0" i="0" dirty="0">
+                <a:solidFill>
+                  <a:srgbClr val="CCCCCC"/>
+                </a:solidFill>
+                <a:effectLst/>
+                <a:latin typeface="Courier New" panose="02070309020205020404" pitchFamily="49" charset="0"/>
+                <a:cs typeface="Courier New" panose="02070309020205020404" pitchFamily="49" charset="0"/>
+              </a:rPr>
+              <a:t>B06010_004E: </a:t>
+            </a:r>
+            <a:br>
+              <a:rPr lang="en-US" sz="1100" b="0" i="0" dirty="0">
+                <a:solidFill>
+                  <a:srgbClr val="CCCCCC"/>
+                </a:solidFill>
+                <a:effectLst/>
+                <a:latin typeface="Courier New" panose="02070309020205020404" pitchFamily="49" charset="0"/>
+                <a:cs typeface="Courier New" panose="02070309020205020404" pitchFamily="49" charset="0"/>
+              </a:rPr>
+            </a:br>
+            <a:r>
+              <a:rPr lang="en-US" sz="1100" b="1" i="0" u="sng" dirty="0">
+                <a:solidFill>
+                  <a:srgbClr val="CCCCCC"/>
+                </a:solidFill>
+                <a:effectLst/>
+                <a:latin typeface="Courier New" panose="02070309020205020404" pitchFamily="49" charset="0"/>
+                <a:cs typeface="Courier New" panose="02070309020205020404" pitchFamily="49" charset="0"/>
+              </a:rPr>
+              <a:t>$1 to $9,999 or loss                                                                          </a:t>
+            </a:r>
+            <a:r>
+              <a:rPr lang="en-US" sz="1100" b="0" i="0" dirty="0">
+                <a:solidFill>
+                  <a:srgbClr val="CCCCCC"/>
+                </a:solidFill>
+                <a:effectLst/>
+                <a:latin typeface="Courier New" panose="02070309020205020404" pitchFamily="49" charset="0"/>
+                <a:cs typeface="Courier New" panose="02070309020205020404" pitchFamily="49" charset="0"/>
+              </a:rPr>
+              <a:t>-0.045621</a:t>
+            </a:r>
+          </a:p>
+          <a:p>
+            <a:pPr marL="574675" lvl="1" indent="-228600">
+              <a:lnSpc>
+                <a:spcPct val="120000"/>
+              </a:lnSpc>
+              <a:buFont typeface="+mj-lt"/>
+              <a:buAutoNum type="alphaUcPeriod"/>
+            </a:pPr>
+            <a:r>
+              <a:rPr lang="en-US" sz="1100" dirty="0">
+                <a:solidFill>
+                  <a:srgbClr val="CCCCCC"/>
+                </a:solidFill>
+                <a:effectLst/>
+                <a:latin typeface="Courier New" panose="02070309020205020404" pitchFamily="49" charset="0"/>
+                <a:cs typeface="Courier New" panose="02070309020205020404" pitchFamily="49" charset="0"/>
+              </a:rPr>
+              <a:t>B06010_011E: </a:t>
+            </a:r>
+            <a:br>
+              <a:rPr lang="en-US" sz="1100" dirty="0">
+                <a:solidFill>
+                  <a:srgbClr val="CCCCCC"/>
+                </a:solidFill>
+                <a:effectLst/>
+                <a:latin typeface="Courier New" panose="02070309020205020404" pitchFamily="49" charset="0"/>
+                <a:cs typeface="Courier New" panose="02070309020205020404" pitchFamily="49" charset="0"/>
+              </a:rPr>
+            </a:br>
+            <a:r>
+              <a:rPr lang="en-US" sz="1100" b="1" u="sng" dirty="0">
+                <a:solidFill>
+                  <a:srgbClr val="CCCCCC"/>
+                </a:solidFill>
+                <a:effectLst/>
+                <a:latin typeface="Courier New" panose="02070309020205020404" pitchFamily="49" charset="0"/>
+                <a:cs typeface="Courier New" panose="02070309020205020404" pitchFamily="49" charset="0"/>
+              </a:rPr>
+              <a:t>$75,000 or more                                                                                </a:t>
+            </a:r>
+            <a:r>
+              <a:rPr lang="en-US" sz="1100" dirty="0">
+                <a:solidFill>
+                  <a:srgbClr val="CCCCCC"/>
+                </a:solidFill>
+                <a:effectLst/>
+                <a:latin typeface="Courier New" panose="02070309020205020404" pitchFamily="49" charset="0"/>
+                <a:cs typeface="Courier New" panose="02070309020205020404" pitchFamily="49" charset="0"/>
+              </a:rPr>
+              <a:t>0.047975</a:t>
+            </a:r>
+          </a:p>
+        </p:txBody>
+      </p:sp>
+      <p:sp>
+        <p:nvSpPr>
+          <p:cNvPr id="15" name="Rectangle 14">
+            <a:extLst>
+              <a:ext uri="{FF2B5EF4-FFF2-40B4-BE49-F238E27FC236}">
+                <a16:creationId xmlns:a16="http://schemas.microsoft.com/office/drawing/2014/main" id="{8D039E49-A1F0-C04C-21B7-83CF310536B6}"/>
+              </a:ext>
+            </a:extLst>
+          </p:cNvPr>
+          <p:cNvSpPr/>
+          <p:nvPr/>
+        </p:nvSpPr>
+        <p:spPr>
+          <a:xfrm>
+            <a:off x="5620111" y="2772686"/>
+            <a:ext cx="231055" cy="4004187"/>
+          </a:xfrm>
+          <a:prstGeom prst="rect">
+            <a:avLst/>
+          </a:prstGeom>
+          <a:solidFill>
+            <a:srgbClr val="C00000">
+              <a:alpha val="20000"/>
+            </a:srgbClr>
+          </a:solidFill>
+          <a:ln>
+            <a:solidFill>
+              <a:srgbClr val="C00000"/>
+            </a:solidFill>
+          </a:ln>
+        </p:spPr>
+        <p:style>
+          <a:lnRef idx="2">
+            <a:schemeClr val="accent1">
+              <a:shade val="15000"/>
+            </a:schemeClr>
+          </a:lnRef>
+          <a:fillRef idx="1">
+            <a:schemeClr val="accent1"/>
+          </a:fillRef>
+          <a:effectRef idx="0">
+            <a:schemeClr val="accent1"/>
+          </a:effectRef>
+          <a:fontRef idx="minor">
+            <a:schemeClr val="lt1"/>
+          </a:fontRef>
+        </p:style>
+        <p:txBody>
+          <a:bodyPr rtlCol="0" anchor="ctr"/>
+          <a:lstStyle/>
+          <a:p>
+            <a:pPr algn="ctr"/>
+            <a:endParaRPr lang="en-US"/>
+          </a:p>
+        </p:txBody>
+      </p:sp>
+      <p:sp>
+        <p:nvSpPr>
+          <p:cNvPr id="16" name="Rectangle 15">
+            <a:extLst>
+              <a:ext uri="{FF2B5EF4-FFF2-40B4-BE49-F238E27FC236}">
+                <a16:creationId xmlns:a16="http://schemas.microsoft.com/office/drawing/2014/main" id="{043537DB-E63B-03FD-900C-2AE9FF8679E9}"/>
+              </a:ext>
+            </a:extLst>
+          </p:cNvPr>
+          <p:cNvSpPr/>
+          <p:nvPr/>
+        </p:nvSpPr>
+        <p:spPr>
+          <a:xfrm>
+            <a:off x="8653625" y="2772685"/>
+            <a:ext cx="231055" cy="4004187"/>
+          </a:xfrm>
+          <a:prstGeom prst="rect">
+            <a:avLst/>
+          </a:prstGeom>
+          <a:solidFill>
+            <a:srgbClr val="C00000">
+              <a:alpha val="20000"/>
+            </a:srgbClr>
+          </a:solidFill>
+          <a:ln>
+            <a:solidFill>
+              <a:srgbClr val="C00000"/>
+            </a:solidFill>
+          </a:ln>
+        </p:spPr>
+        <p:style>
+          <a:lnRef idx="2">
+            <a:schemeClr val="accent1">
+              <a:shade val="15000"/>
+            </a:schemeClr>
+          </a:lnRef>
+          <a:fillRef idx="1">
+            <a:schemeClr val="accent1"/>
+          </a:fillRef>
+          <a:effectRef idx="0">
+            <a:schemeClr val="accent1"/>
+          </a:effectRef>
+          <a:fontRef idx="minor">
+            <a:schemeClr val="lt1"/>
+          </a:fontRef>
+        </p:style>
+        <p:txBody>
+          <a:bodyPr rtlCol="0" anchor="ctr"/>
+          <a:lstStyle/>
+          <a:p>
+            <a:pPr algn="ctr"/>
+            <a:endParaRPr lang="en-US"/>
+          </a:p>
+        </p:txBody>
+      </p:sp>
+      <p:sp>
+        <p:nvSpPr>
+          <p:cNvPr id="17" name="Rectangle 16">
+            <a:extLst>
+              <a:ext uri="{FF2B5EF4-FFF2-40B4-BE49-F238E27FC236}">
+                <a16:creationId xmlns:a16="http://schemas.microsoft.com/office/drawing/2014/main" id="{B80F5537-6C38-C9B1-9BE2-4EA83601B5D8}"/>
+              </a:ext>
+            </a:extLst>
+          </p:cNvPr>
+          <p:cNvSpPr/>
+          <p:nvPr/>
+        </p:nvSpPr>
+        <p:spPr>
+          <a:xfrm>
+            <a:off x="8884680" y="2772686"/>
+            <a:ext cx="231055" cy="4004187"/>
+          </a:xfrm>
+          <a:prstGeom prst="rect">
+            <a:avLst/>
+          </a:prstGeom>
+          <a:solidFill>
+            <a:srgbClr val="C00000">
+              <a:alpha val="20000"/>
+            </a:srgbClr>
+          </a:solidFill>
+          <a:ln>
+            <a:solidFill>
+              <a:srgbClr val="C00000"/>
+            </a:solidFill>
+          </a:ln>
+        </p:spPr>
+        <p:style>
+          <a:lnRef idx="2">
+            <a:schemeClr val="accent1">
+              <a:shade val="15000"/>
+            </a:schemeClr>
+          </a:lnRef>
+          <a:fillRef idx="1">
+            <a:schemeClr val="accent1"/>
+          </a:fillRef>
+          <a:effectRef idx="0">
+            <a:schemeClr val="accent1"/>
+          </a:effectRef>
+          <a:fontRef idx="minor">
+            <a:schemeClr val="lt1"/>
+          </a:fontRef>
+        </p:style>
+        <p:txBody>
+          <a:bodyPr rtlCol="0" anchor="ctr"/>
+          <a:lstStyle/>
+          <a:p>
+            <a:pPr algn="ctr"/>
+            <a:endParaRPr lang="en-US"/>
+          </a:p>
+        </p:txBody>
+      </p:sp>
+      <p:sp>
+        <p:nvSpPr>
+          <p:cNvPr id="18" name="Rectangle 17">
+            <a:extLst>
+              <a:ext uri="{FF2B5EF4-FFF2-40B4-BE49-F238E27FC236}">
+                <a16:creationId xmlns:a16="http://schemas.microsoft.com/office/drawing/2014/main" id="{1B66DF83-DDA4-4565-6105-C45FE7C2E776}"/>
+              </a:ext>
+            </a:extLst>
+          </p:cNvPr>
+          <p:cNvSpPr/>
+          <p:nvPr/>
+        </p:nvSpPr>
+        <p:spPr>
+          <a:xfrm>
+            <a:off x="7718769" y="2772686"/>
+            <a:ext cx="231055" cy="4004187"/>
+          </a:xfrm>
+          <a:prstGeom prst="rect">
+            <a:avLst/>
+          </a:prstGeom>
+          <a:solidFill>
+            <a:srgbClr val="C00000">
+              <a:alpha val="20000"/>
+            </a:srgbClr>
+          </a:solidFill>
+          <a:ln>
+            <a:solidFill>
+              <a:srgbClr val="C00000"/>
+            </a:solidFill>
+          </a:ln>
+        </p:spPr>
+        <p:style>
+          <a:lnRef idx="2">
+            <a:schemeClr val="accent1">
+              <a:shade val="15000"/>
+            </a:schemeClr>
+          </a:lnRef>
+          <a:fillRef idx="1">
+            <a:schemeClr val="accent1"/>
+          </a:fillRef>
+          <a:effectRef idx="0">
+            <a:schemeClr val="accent1"/>
+          </a:effectRef>
+          <a:fontRef idx="minor">
+            <a:schemeClr val="lt1"/>
+          </a:fontRef>
+        </p:style>
+        <p:txBody>
+          <a:bodyPr rtlCol="0" anchor="ctr"/>
+          <a:lstStyle/>
+          <a:p>
+            <a:pPr algn="ctr"/>
+            <a:endParaRPr lang="en-US"/>
+          </a:p>
+        </p:txBody>
+      </p:sp>
+    </p:spTree>
+    <p:extLst>
+      <p:ext uri="{BB962C8B-B14F-4D97-AF65-F5344CB8AC3E}">
+        <p14:creationId xmlns:p14="http://schemas.microsoft.com/office/powerpoint/2010/main" val="4208430275"/>
+      </p:ext>
+    </p:extLst>
+  </p:cSld>
+  <p:clrMapOvr>
+    <a:masterClrMapping/>
+  </p:clrMapOvr>
+</p:sld>
+</file>
+
+<file path=ppt/slides/slide12.xml><?xml version="1.0" encoding="utf-8"?>
+<p:sld xmlns:a="http://schemas.openxmlformats.org/drawingml/2006/main" xmlns:r="http://schemas.openxmlformats.org/officeDocument/2006/relationships" xmlns:p="http://schemas.openxmlformats.org/presentationml/2006/main">
+  <p:cSld>
+    <p:spTree>
+      <p:nvGrpSpPr>
+        <p:cNvPr id="1" name=""/>
+        <p:cNvGrpSpPr/>
+        <p:nvPr/>
+      </p:nvGrpSpPr>
+      <p:grpSpPr>
+        <a:xfrm>
+          <a:off x="0" y="0"/>
+          <a:ext cx="0" cy="0"/>
+          <a:chOff x="0" y="0"/>
+          <a:chExt cx="0" cy="0"/>
+        </a:xfrm>
+      </p:grpSpPr>
+      <p:sp>
+        <p:nvSpPr>
+          <p:cNvPr id="2" name="Title 1">
+            <a:extLst>
+              <a:ext uri="{FF2B5EF4-FFF2-40B4-BE49-F238E27FC236}">
+                <a16:creationId xmlns:a16="http://schemas.microsoft.com/office/drawing/2014/main" id="{C5F6753B-E03D-46E4-0B7D-DC4D876F6E4E}"/>
+              </a:ext>
+            </a:extLst>
+          </p:cNvPr>
+          <p:cNvSpPr>
+            <a:spLocks noGrp="1"/>
+          </p:cNvSpPr>
+          <p:nvPr>
+            <p:ph type="title"/>
+          </p:nvPr>
+        </p:nvSpPr>
+        <p:spPr>
+          <a:xfrm>
+            <a:off x="0" y="609600"/>
+            <a:ext cx="12191999" cy="1257300"/>
+          </a:xfrm>
+        </p:spPr>
+        <p:txBody>
+          <a:bodyPr>
+            <a:normAutofit/>
+          </a:bodyPr>
+          <a:lstStyle/>
+          <a:p>
+            <a:r>
+              <a:rPr lang="en-US" sz="4000" dirty="0"/>
+              <a:t>Q2: Does the Census Data suggest that there are additional variables that Whole Foods uses to select store locations?</a:t>
+            </a:r>
+          </a:p>
+        </p:txBody>
+      </p:sp>
+      <p:pic>
+        <p:nvPicPr>
+          <p:cNvPr id="7" name="Picture 6">
+            <a:extLst>
+              <a:ext uri="{FF2B5EF4-FFF2-40B4-BE49-F238E27FC236}">
+                <a16:creationId xmlns:a16="http://schemas.microsoft.com/office/drawing/2014/main" id="{C73A0ABD-F965-2DA6-EB56-8AD232E4FCE5}"/>
+              </a:ext>
+            </a:extLst>
+          </p:cNvPr>
+          <p:cNvPicPr>
+            <a:picLocks noChangeAspect="1"/>
+          </p:cNvPicPr>
+          <p:nvPr/>
+        </p:nvPicPr>
+        <p:blipFill>
+          <a:blip r:embed="rId2"/>
+          <a:stretch>
+            <a:fillRect/>
+          </a:stretch>
+        </p:blipFill>
+        <p:spPr>
+          <a:xfrm>
+            <a:off x="3304045" y="1866900"/>
+            <a:ext cx="8887955" cy="4991100"/>
+          </a:xfrm>
+          <a:prstGeom prst="rect">
+            <a:avLst/>
+          </a:prstGeom>
+        </p:spPr>
+      </p:pic>
+      <p:sp>
+        <p:nvSpPr>
+          <p:cNvPr id="8" name="Rectangle 7">
+            <a:extLst>
+              <a:ext uri="{FF2B5EF4-FFF2-40B4-BE49-F238E27FC236}">
+                <a16:creationId xmlns:a16="http://schemas.microsoft.com/office/drawing/2014/main" id="{71F4EC20-1A45-E8B3-10C9-398A98AB018F}"/>
+              </a:ext>
+            </a:extLst>
+          </p:cNvPr>
+          <p:cNvSpPr/>
+          <p:nvPr/>
+        </p:nvSpPr>
+        <p:spPr>
+          <a:xfrm>
+            <a:off x="4218658" y="2772687"/>
+            <a:ext cx="231055" cy="4004187"/>
+          </a:xfrm>
+          <a:prstGeom prst="rect">
+            <a:avLst/>
+          </a:prstGeom>
+          <a:solidFill>
+            <a:srgbClr val="C00000">
+              <a:alpha val="20000"/>
+            </a:srgbClr>
+          </a:solidFill>
+          <a:ln>
+            <a:solidFill>
+              <a:srgbClr val="C00000"/>
+            </a:solidFill>
+          </a:ln>
+        </p:spPr>
+        <p:style>
+          <a:lnRef idx="2">
+            <a:schemeClr val="accent1">
+              <a:shade val="15000"/>
+            </a:schemeClr>
+          </a:lnRef>
+          <a:fillRef idx="1">
+            <a:schemeClr val="accent1"/>
+          </a:fillRef>
+          <a:effectRef idx="0">
+            <a:schemeClr val="accent1"/>
+          </a:effectRef>
+          <a:fontRef idx="minor">
+            <a:schemeClr val="lt1"/>
+          </a:fontRef>
+        </p:style>
+        <p:txBody>
+          <a:bodyPr rtlCol="0" anchor="ctr"/>
+          <a:lstStyle/>
+          <a:p>
+            <a:pPr algn="ctr"/>
+            <a:endParaRPr lang="en-US"/>
+          </a:p>
+        </p:txBody>
+      </p:sp>
+      <p:sp>
+        <p:nvSpPr>
+          <p:cNvPr id="9" name="Rectangle 8">
+            <a:extLst>
+              <a:ext uri="{FF2B5EF4-FFF2-40B4-BE49-F238E27FC236}">
+                <a16:creationId xmlns:a16="http://schemas.microsoft.com/office/drawing/2014/main" id="{E0EEBD1A-8F7E-F658-0503-659E52AEC829}"/>
+              </a:ext>
+            </a:extLst>
+          </p:cNvPr>
+          <p:cNvSpPr/>
+          <p:nvPr/>
+        </p:nvSpPr>
+        <p:spPr>
+          <a:xfrm>
+            <a:off x="4444595" y="2772688"/>
+            <a:ext cx="231055" cy="4004187"/>
+          </a:xfrm>
+          <a:prstGeom prst="rect">
+            <a:avLst/>
+          </a:prstGeom>
+          <a:solidFill>
+            <a:srgbClr val="C00000">
+              <a:alpha val="20000"/>
+            </a:srgbClr>
+          </a:solidFill>
+          <a:ln>
+            <a:solidFill>
+              <a:srgbClr val="C00000"/>
+            </a:solidFill>
+          </a:ln>
+        </p:spPr>
+        <p:style>
+          <a:lnRef idx="2">
+            <a:schemeClr val="accent1">
+              <a:shade val="15000"/>
+            </a:schemeClr>
+          </a:lnRef>
+          <a:fillRef idx="1">
+            <a:schemeClr val="accent1"/>
+          </a:fillRef>
+          <a:effectRef idx="0">
+            <a:schemeClr val="accent1"/>
+          </a:effectRef>
+          <a:fontRef idx="minor">
+            <a:schemeClr val="lt1"/>
+          </a:fontRef>
+        </p:style>
+        <p:txBody>
+          <a:bodyPr rtlCol="0" anchor="ctr"/>
+          <a:lstStyle/>
+          <a:p>
+            <a:pPr algn="ctr"/>
+            <a:endParaRPr lang="en-US"/>
+          </a:p>
+        </p:txBody>
+      </p:sp>
+      <p:sp>
+        <p:nvSpPr>
+          <p:cNvPr id="10" name="Rectangle 9">
+            <a:extLst>
+              <a:ext uri="{FF2B5EF4-FFF2-40B4-BE49-F238E27FC236}">
+                <a16:creationId xmlns:a16="http://schemas.microsoft.com/office/drawing/2014/main" id="{46448670-EA51-2E72-87D1-D6B01D4FEAB1}"/>
+              </a:ext>
+            </a:extLst>
+          </p:cNvPr>
+          <p:cNvSpPr/>
+          <p:nvPr/>
+        </p:nvSpPr>
+        <p:spPr>
+          <a:xfrm>
+            <a:off x="4904460" y="2772687"/>
+            <a:ext cx="231055" cy="4004187"/>
+          </a:xfrm>
+          <a:prstGeom prst="rect">
+            <a:avLst/>
+          </a:prstGeom>
+          <a:solidFill>
+            <a:srgbClr val="C00000">
+              <a:alpha val="20000"/>
+            </a:srgbClr>
+          </a:solidFill>
+          <a:ln>
+            <a:solidFill>
+              <a:srgbClr val="C00000"/>
+            </a:solidFill>
+          </a:ln>
+        </p:spPr>
+        <p:style>
+          <a:lnRef idx="2">
+            <a:schemeClr val="accent1">
+              <a:shade val="15000"/>
+            </a:schemeClr>
+          </a:lnRef>
+          <a:fillRef idx="1">
+            <a:schemeClr val="accent1"/>
+          </a:fillRef>
+          <a:effectRef idx="0">
+            <a:schemeClr val="accent1"/>
+          </a:effectRef>
+          <a:fontRef idx="minor">
+            <a:schemeClr val="lt1"/>
+          </a:fontRef>
+        </p:style>
+        <p:txBody>
+          <a:bodyPr rtlCol="0" anchor="ctr"/>
+          <a:lstStyle/>
+          <a:p>
+            <a:pPr algn="ctr"/>
+            <a:endParaRPr lang="en-US"/>
+          </a:p>
+        </p:txBody>
+      </p:sp>
+      <p:sp>
+        <p:nvSpPr>
+          <p:cNvPr id="12" name="Rectangle 11">
+            <a:extLst>
+              <a:ext uri="{FF2B5EF4-FFF2-40B4-BE49-F238E27FC236}">
+                <a16:creationId xmlns:a16="http://schemas.microsoft.com/office/drawing/2014/main" id="{3B695385-DA88-1D3F-8E16-762957E301EF}"/>
+              </a:ext>
+            </a:extLst>
+          </p:cNvPr>
+          <p:cNvSpPr/>
+          <p:nvPr/>
+        </p:nvSpPr>
+        <p:spPr>
+          <a:xfrm>
+            <a:off x="10298588" y="2772688"/>
+            <a:ext cx="231055" cy="4004187"/>
+          </a:xfrm>
+          <a:prstGeom prst="rect">
+            <a:avLst/>
+          </a:prstGeom>
+          <a:solidFill>
+            <a:srgbClr val="92D050">
+              <a:alpha val="20000"/>
+            </a:srgbClr>
+          </a:solidFill>
+          <a:ln>
+            <a:solidFill>
+              <a:srgbClr val="00B050"/>
+            </a:solidFill>
+          </a:ln>
+        </p:spPr>
+        <p:style>
+          <a:lnRef idx="2">
+            <a:schemeClr val="accent1">
+              <a:shade val="15000"/>
+            </a:schemeClr>
+          </a:lnRef>
+          <a:fillRef idx="1">
+            <a:schemeClr val="accent1"/>
+          </a:fillRef>
+          <a:effectRef idx="0">
+            <a:schemeClr val="accent1"/>
+          </a:effectRef>
+          <a:fontRef idx="minor">
+            <a:schemeClr val="lt1"/>
+          </a:fontRef>
+        </p:style>
+        <p:txBody>
+          <a:bodyPr rtlCol="0" anchor="ctr"/>
+          <a:lstStyle/>
+          <a:p>
+            <a:pPr algn="ctr"/>
+            <a:endParaRPr lang="en-US"/>
+          </a:p>
+        </p:txBody>
+      </p:sp>
+      <p:sp>
+        <p:nvSpPr>
+          <p:cNvPr id="14" name="Content Placeholder 2">
+            <a:extLst>
+              <a:ext uri="{FF2B5EF4-FFF2-40B4-BE49-F238E27FC236}">
+                <a16:creationId xmlns:a16="http://schemas.microsoft.com/office/drawing/2014/main" id="{4DBE6690-88B1-CE0D-CFC9-AD4CB0EC8559}"/>
+              </a:ext>
+            </a:extLst>
+          </p:cNvPr>
+          <p:cNvSpPr>
+            <a:spLocks noGrp="1"/>
+          </p:cNvSpPr>
+          <p:nvPr>
+            <p:ph idx="1"/>
+          </p:nvPr>
+        </p:nvSpPr>
+        <p:spPr>
+          <a:xfrm>
+            <a:off x="84872" y="1866900"/>
+            <a:ext cx="3055190" cy="4991100"/>
+          </a:xfrm>
+        </p:spPr>
+        <p:txBody>
+          <a:bodyPr>
+            <a:normAutofit fontScale="92500" lnSpcReduction="20000"/>
+          </a:bodyPr>
+          <a:lstStyle/>
+          <a:p>
+            <a:r>
+              <a:rPr lang="en-US" dirty="0"/>
+              <a:t>Income Levels</a:t>
+            </a:r>
+          </a:p>
+          <a:p>
+            <a:pPr marL="574675" lvl="1" indent="-228600">
+              <a:lnSpc>
+                <a:spcPct val="120000"/>
+              </a:lnSpc>
+              <a:buFont typeface="+mj-lt"/>
+              <a:buAutoNum type="alphaUcPeriod"/>
+            </a:pPr>
+            <a:r>
+              <a:rPr lang="en-US" sz="1100" b="0" i="0" dirty="0">
+                <a:solidFill>
+                  <a:srgbClr val="CCCCCC"/>
+                </a:solidFill>
+                <a:effectLst/>
+                <a:latin typeface="Courier New" panose="02070309020205020404" pitchFamily="49" charset="0"/>
+                <a:cs typeface="Courier New" panose="02070309020205020404" pitchFamily="49" charset="0"/>
+              </a:rPr>
+              <a:t>B06010_006E: </a:t>
+            </a:r>
+            <a:br>
+              <a:rPr lang="en-US" sz="1100" b="0" i="0" dirty="0">
+                <a:solidFill>
+                  <a:srgbClr val="CCCCCC"/>
+                </a:solidFill>
+                <a:effectLst/>
+                <a:latin typeface="Courier New" panose="02070309020205020404" pitchFamily="49" charset="0"/>
+                <a:cs typeface="Courier New" panose="02070309020205020404" pitchFamily="49" charset="0"/>
+              </a:rPr>
+            </a:br>
+            <a:r>
+              <a:rPr lang="en-US" sz="1100" b="1" i="0" u="sng" dirty="0">
+                <a:solidFill>
+                  <a:srgbClr val="CCCCCC"/>
+                </a:solidFill>
+                <a:effectLst/>
+                <a:latin typeface="Courier New" panose="02070309020205020404" pitchFamily="49" charset="0"/>
+                <a:cs typeface="Courier New" panose="02070309020205020404" pitchFamily="49" charset="0"/>
+              </a:rPr>
+              <a:t>$15,000 to $24,999                                                                            </a:t>
+            </a:r>
+            <a:r>
+              <a:rPr lang="en-US" sz="1100" b="0" i="0" dirty="0">
+                <a:solidFill>
+                  <a:srgbClr val="CCCCCC"/>
+                </a:solidFill>
+                <a:effectLst/>
+                <a:latin typeface="Courier New" panose="02070309020205020404" pitchFamily="49" charset="0"/>
+                <a:cs typeface="Courier New" panose="02070309020205020404" pitchFamily="49" charset="0"/>
+              </a:rPr>
+              <a:t>-0.175441</a:t>
+            </a:r>
+          </a:p>
+          <a:p>
+            <a:pPr marL="574675" lvl="1" indent="-228600">
+              <a:lnSpc>
+                <a:spcPct val="120000"/>
+              </a:lnSpc>
+              <a:buFont typeface="+mj-lt"/>
+              <a:buAutoNum type="alphaUcPeriod"/>
+            </a:pPr>
+            <a:r>
+              <a:rPr lang="en-US" sz="1100" b="0" i="0" dirty="0">
+                <a:solidFill>
+                  <a:srgbClr val="CCCCCC"/>
+                </a:solidFill>
+                <a:effectLst/>
+                <a:latin typeface="Courier New" panose="02070309020205020404" pitchFamily="49" charset="0"/>
+                <a:cs typeface="Courier New" panose="02070309020205020404" pitchFamily="49" charset="0"/>
+              </a:rPr>
+              <a:t>B06010_007E: </a:t>
+            </a:r>
+            <a:br>
+              <a:rPr lang="en-US" sz="1100" b="0" i="0" dirty="0">
+                <a:solidFill>
+                  <a:srgbClr val="CCCCCC"/>
+                </a:solidFill>
+                <a:effectLst/>
+                <a:latin typeface="Courier New" panose="02070309020205020404" pitchFamily="49" charset="0"/>
+                <a:cs typeface="Courier New" panose="02070309020205020404" pitchFamily="49" charset="0"/>
+              </a:rPr>
+            </a:br>
+            <a:r>
+              <a:rPr lang="en-US" sz="1100" b="1" i="0" u="sng" dirty="0">
+                <a:solidFill>
+                  <a:srgbClr val="CCCCCC"/>
+                </a:solidFill>
+                <a:effectLst/>
+                <a:latin typeface="Courier New" panose="02070309020205020404" pitchFamily="49" charset="0"/>
+                <a:cs typeface="Courier New" panose="02070309020205020404" pitchFamily="49" charset="0"/>
+              </a:rPr>
+              <a:t>$25,000 to $34,999                                                                            </a:t>
+            </a:r>
+            <a:r>
+              <a:rPr lang="en-US" sz="1100" b="0" i="0" dirty="0">
+                <a:solidFill>
+                  <a:srgbClr val="CCCCCC"/>
+                </a:solidFill>
+                <a:effectLst/>
+                <a:latin typeface="Courier New" panose="02070309020205020404" pitchFamily="49" charset="0"/>
+                <a:cs typeface="Courier New" panose="02070309020205020404" pitchFamily="49" charset="0"/>
+              </a:rPr>
+              <a:t>-0.167236</a:t>
+            </a:r>
+          </a:p>
+          <a:p>
+            <a:pPr marL="574675" lvl="1" indent="-228600">
+              <a:lnSpc>
+                <a:spcPct val="120000"/>
+              </a:lnSpc>
+              <a:buFont typeface="+mj-lt"/>
+              <a:buAutoNum type="alphaUcPeriod"/>
+            </a:pPr>
+            <a:r>
+              <a:rPr lang="en-US" sz="1100" b="0" i="1" dirty="0">
+                <a:solidFill>
+                  <a:srgbClr val="CCCCCC"/>
+                </a:solidFill>
+                <a:effectLst/>
+                <a:latin typeface="Courier New" panose="02070309020205020404" pitchFamily="49" charset="0"/>
+                <a:cs typeface="Courier New" panose="02070309020205020404" pitchFamily="49" charset="0"/>
+              </a:rPr>
+              <a:t>B06010_008E: </a:t>
+            </a:r>
+            <a:br>
+              <a:rPr lang="en-US" sz="1100" b="0" i="1" dirty="0">
+                <a:solidFill>
+                  <a:srgbClr val="CCCCCC"/>
+                </a:solidFill>
+                <a:effectLst/>
+                <a:latin typeface="Courier New" panose="02070309020205020404" pitchFamily="49" charset="0"/>
+                <a:cs typeface="Courier New" panose="02070309020205020404" pitchFamily="49" charset="0"/>
+              </a:rPr>
+            </a:br>
+            <a:r>
+              <a:rPr lang="en-US" sz="1100" b="1" i="1" u="sng" dirty="0">
+                <a:solidFill>
+                  <a:srgbClr val="CCCCCC"/>
+                </a:solidFill>
+                <a:effectLst/>
+                <a:latin typeface="Courier New" panose="02070309020205020404" pitchFamily="49" charset="0"/>
+                <a:cs typeface="Courier New" panose="02070309020205020404" pitchFamily="49" charset="0"/>
+              </a:rPr>
+              <a:t>$35,000 to $49,999                                                                            </a:t>
+            </a:r>
+            <a:r>
+              <a:rPr lang="en-US" sz="1100" b="0" i="1" dirty="0">
+                <a:solidFill>
+                  <a:srgbClr val="CCCCCC"/>
+                </a:solidFill>
+                <a:effectLst/>
+                <a:latin typeface="Courier New" panose="02070309020205020404" pitchFamily="49" charset="0"/>
+                <a:cs typeface="Courier New" panose="02070309020205020404" pitchFamily="49" charset="0"/>
+              </a:rPr>
+              <a:t>-0.144412</a:t>
+            </a:r>
+          </a:p>
+          <a:p>
+            <a:pPr marL="574675" lvl="1" indent="-228600">
+              <a:lnSpc>
+                <a:spcPct val="120000"/>
+              </a:lnSpc>
+              <a:buFont typeface="+mj-lt"/>
+              <a:buAutoNum type="alphaUcPeriod"/>
+            </a:pPr>
+            <a:r>
+              <a:rPr lang="en-US" sz="1100" b="0" i="0" dirty="0">
+                <a:solidFill>
+                  <a:srgbClr val="CCCCCC"/>
+                </a:solidFill>
+                <a:effectLst/>
+                <a:latin typeface="Courier New" panose="02070309020205020404" pitchFamily="49" charset="0"/>
+                <a:cs typeface="Courier New" panose="02070309020205020404" pitchFamily="49" charset="0"/>
+              </a:rPr>
+              <a:t>B06010_005E: </a:t>
+            </a:r>
+            <a:br>
+              <a:rPr lang="en-US" sz="1100" b="0" i="0" dirty="0">
+                <a:solidFill>
+                  <a:srgbClr val="CCCCCC"/>
+                </a:solidFill>
+                <a:effectLst/>
+                <a:latin typeface="Courier New" panose="02070309020205020404" pitchFamily="49" charset="0"/>
+                <a:cs typeface="Courier New" panose="02070309020205020404" pitchFamily="49" charset="0"/>
+              </a:rPr>
+            </a:br>
+            <a:r>
+              <a:rPr lang="en-US" sz="1100" b="1" i="0" u="sng" dirty="0">
+                <a:solidFill>
+                  <a:srgbClr val="CCCCCC"/>
+                </a:solidFill>
+                <a:effectLst/>
+                <a:latin typeface="Courier New" panose="02070309020205020404" pitchFamily="49" charset="0"/>
+                <a:cs typeface="Courier New" panose="02070309020205020404" pitchFamily="49" charset="0"/>
+              </a:rPr>
+              <a:t>$10,000 to $14,999                                                                            </a:t>
+            </a:r>
+            <a:r>
+              <a:rPr lang="en-US" sz="1100" b="0" i="0" dirty="0">
+                <a:solidFill>
+                  <a:srgbClr val="CCCCCC"/>
+                </a:solidFill>
+                <a:effectLst/>
+                <a:latin typeface="Courier New" panose="02070309020205020404" pitchFamily="49" charset="0"/>
+                <a:cs typeface="Courier New" panose="02070309020205020404" pitchFamily="49" charset="0"/>
+              </a:rPr>
+              <a:t>-0.128237</a:t>
+            </a:r>
+          </a:p>
+          <a:p>
+            <a:pPr marL="574675" lvl="1" indent="-228600">
+              <a:lnSpc>
+                <a:spcPct val="120000"/>
+              </a:lnSpc>
+              <a:buFont typeface="+mj-lt"/>
+              <a:buAutoNum type="alphaUcPeriod"/>
+            </a:pPr>
+            <a:r>
+              <a:rPr lang="en-US" sz="1100" b="0" i="0" dirty="0">
+                <a:solidFill>
+                  <a:srgbClr val="CCCCCC"/>
+                </a:solidFill>
+                <a:effectLst/>
+                <a:latin typeface="Courier New" panose="02070309020205020404" pitchFamily="49" charset="0"/>
+                <a:cs typeface="Courier New" panose="02070309020205020404" pitchFamily="49" charset="0"/>
+              </a:rPr>
+              <a:t>B06010_009E: </a:t>
+            </a:r>
+            <a:br>
+              <a:rPr lang="en-US" sz="1100" b="0" i="0" dirty="0">
+                <a:solidFill>
+                  <a:srgbClr val="CCCCCC"/>
+                </a:solidFill>
+                <a:effectLst/>
+                <a:latin typeface="Courier New" panose="02070309020205020404" pitchFamily="49" charset="0"/>
+                <a:cs typeface="Courier New" panose="02070309020205020404" pitchFamily="49" charset="0"/>
+              </a:rPr>
+            </a:br>
+            <a:r>
+              <a:rPr lang="en-US" sz="1100" b="1" i="0" u="sng" dirty="0">
+                <a:solidFill>
+                  <a:srgbClr val="CCCCCC"/>
+                </a:solidFill>
+                <a:effectLst/>
+                <a:latin typeface="Courier New" panose="02070309020205020404" pitchFamily="49" charset="0"/>
+                <a:cs typeface="Courier New" panose="02070309020205020404" pitchFamily="49" charset="0"/>
+              </a:rPr>
+              <a:t>$50,000 to $64,999                                                                            </a:t>
+            </a:r>
+            <a:r>
+              <a:rPr lang="en-US" sz="1100" b="0" i="0" dirty="0">
+                <a:solidFill>
+                  <a:srgbClr val="CCCCCC"/>
+                </a:solidFill>
+                <a:effectLst/>
+                <a:latin typeface="Courier New" panose="02070309020205020404" pitchFamily="49" charset="0"/>
+                <a:cs typeface="Courier New" panose="02070309020205020404" pitchFamily="49" charset="0"/>
+              </a:rPr>
+              <a:t>-0.093677</a:t>
+            </a:r>
+          </a:p>
+          <a:p>
+            <a:pPr marL="574675" lvl="1" indent="-228600">
+              <a:lnSpc>
+                <a:spcPct val="120000"/>
+              </a:lnSpc>
+              <a:buFont typeface="+mj-lt"/>
+              <a:buAutoNum type="alphaUcPeriod"/>
+            </a:pPr>
+            <a:r>
+              <a:rPr lang="en-US" sz="1100" b="0" i="0" dirty="0">
+                <a:solidFill>
+                  <a:srgbClr val="CCCCCC"/>
+                </a:solidFill>
+                <a:effectLst/>
+                <a:latin typeface="Courier New" panose="02070309020205020404" pitchFamily="49" charset="0"/>
+                <a:cs typeface="Courier New" panose="02070309020205020404" pitchFamily="49" charset="0"/>
+              </a:rPr>
+              <a:t>B06010_010E: </a:t>
+            </a:r>
+            <a:br>
+              <a:rPr lang="en-US" sz="1100" b="0" i="0" dirty="0">
+                <a:solidFill>
+                  <a:srgbClr val="CCCCCC"/>
+                </a:solidFill>
+                <a:effectLst/>
+                <a:latin typeface="Courier New" panose="02070309020205020404" pitchFamily="49" charset="0"/>
+                <a:cs typeface="Courier New" panose="02070309020205020404" pitchFamily="49" charset="0"/>
+              </a:rPr>
+            </a:br>
+            <a:r>
+              <a:rPr lang="en-US" sz="1100" b="1" i="0" u="sng" dirty="0">
+                <a:solidFill>
+                  <a:srgbClr val="CCCCCC"/>
+                </a:solidFill>
+                <a:effectLst/>
+                <a:latin typeface="Courier New" panose="02070309020205020404" pitchFamily="49" charset="0"/>
+                <a:cs typeface="Courier New" panose="02070309020205020404" pitchFamily="49" charset="0"/>
+              </a:rPr>
+              <a:t>$65,000 to $74,999                                                                            </a:t>
+            </a:r>
+            <a:r>
+              <a:rPr lang="en-US" sz="1100" b="0" i="0" dirty="0">
+                <a:solidFill>
+                  <a:srgbClr val="CCCCCC"/>
+                </a:solidFill>
+                <a:effectLst/>
+                <a:latin typeface="Courier New" panose="02070309020205020404" pitchFamily="49" charset="0"/>
+                <a:cs typeface="Courier New" panose="02070309020205020404" pitchFamily="49" charset="0"/>
+              </a:rPr>
+              <a:t>-0.063824</a:t>
+            </a:r>
+          </a:p>
+          <a:p>
+            <a:pPr marL="574675" lvl="1" indent="-228600">
+              <a:lnSpc>
+                <a:spcPct val="120000"/>
+              </a:lnSpc>
+              <a:buFont typeface="+mj-lt"/>
+              <a:buAutoNum type="alphaUcPeriod"/>
+            </a:pPr>
+            <a:r>
+              <a:rPr lang="en-US" sz="1100" b="0" i="0" dirty="0">
+                <a:solidFill>
+                  <a:srgbClr val="CCCCCC"/>
+                </a:solidFill>
+                <a:effectLst/>
+                <a:latin typeface="Courier New" panose="02070309020205020404" pitchFamily="49" charset="0"/>
+                <a:cs typeface="Courier New" panose="02070309020205020404" pitchFamily="49" charset="0"/>
+              </a:rPr>
+              <a:t>B06010_004E: </a:t>
+            </a:r>
+            <a:br>
+              <a:rPr lang="en-US" sz="1100" b="0" i="0" dirty="0">
+                <a:solidFill>
+                  <a:srgbClr val="CCCCCC"/>
+                </a:solidFill>
+                <a:effectLst/>
+                <a:latin typeface="Courier New" panose="02070309020205020404" pitchFamily="49" charset="0"/>
+                <a:cs typeface="Courier New" panose="02070309020205020404" pitchFamily="49" charset="0"/>
+              </a:rPr>
+            </a:br>
+            <a:r>
+              <a:rPr lang="en-US" sz="1100" b="1" i="0" u="sng" dirty="0">
+                <a:solidFill>
+                  <a:srgbClr val="CCCCCC"/>
+                </a:solidFill>
+                <a:effectLst/>
+                <a:latin typeface="Courier New" panose="02070309020205020404" pitchFamily="49" charset="0"/>
+                <a:cs typeface="Courier New" panose="02070309020205020404" pitchFamily="49" charset="0"/>
+              </a:rPr>
+              <a:t>$1 to $9,999 or loss                                                                          </a:t>
+            </a:r>
+            <a:r>
+              <a:rPr lang="en-US" sz="1100" b="0" i="0" dirty="0">
+                <a:solidFill>
+                  <a:srgbClr val="CCCCCC"/>
+                </a:solidFill>
+                <a:effectLst/>
+                <a:latin typeface="Courier New" panose="02070309020205020404" pitchFamily="49" charset="0"/>
+                <a:cs typeface="Courier New" panose="02070309020205020404" pitchFamily="49" charset="0"/>
+              </a:rPr>
+              <a:t>-0.045621</a:t>
+            </a:r>
+          </a:p>
+          <a:p>
+            <a:pPr marL="574675" lvl="1" indent="-228600">
+              <a:lnSpc>
+                <a:spcPct val="120000"/>
+              </a:lnSpc>
+              <a:buFont typeface="+mj-lt"/>
+              <a:buAutoNum type="alphaUcPeriod"/>
+            </a:pPr>
+            <a:r>
+              <a:rPr lang="en-US" sz="1100" dirty="0">
+                <a:solidFill>
+                  <a:srgbClr val="CCCCCC"/>
+                </a:solidFill>
+                <a:effectLst/>
+                <a:latin typeface="Courier New" panose="02070309020205020404" pitchFamily="49" charset="0"/>
+                <a:cs typeface="Courier New" panose="02070309020205020404" pitchFamily="49" charset="0"/>
+              </a:rPr>
+              <a:t>B06010_011E: </a:t>
+            </a:r>
+            <a:br>
+              <a:rPr lang="en-US" sz="1100" dirty="0">
+                <a:solidFill>
+                  <a:srgbClr val="CCCCCC"/>
+                </a:solidFill>
+                <a:effectLst/>
+                <a:latin typeface="Courier New" panose="02070309020205020404" pitchFamily="49" charset="0"/>
+                <a:cs typeface="Courier New" panose="02070309020205020404" pitchFamily="49" charset="0"/>
+              </a:rPr>
+            </a:br>
+            <a:r>
+              <a:rPr lang="en-US" sz="1100" b="1" u="sng" dirty="0">
+                <a:solidFill>
+                  <a:srgbClr val="CCCCCC"/>
+                </a:solidFill>
+                <a:effectLst/>
+                <a:latin typeface="Courier New" panose="02070309020205020404" pitchFamily="49" charset="0"/>
+                <a:cs typeface="Courier New" panose="02070309020205020404" pitchFamily="49" charset="0"/>
+              </a:rPr>
+              <a:t>$75,000 or more                                                                                </a:t>
+            </a:r>
+            <a:r>
+              <a:rPr lang="en-US" sz="1100" dirty="0">
+                <a:solidFill>
+                  <a:srgbClr val="CCCCCC"/>
+                </a:solidFill>
+                <a:effectLst/>
+                <a:latin typeface="Courier New" panose="02070309020205020404" pitchFamily="49" charset="0"/>
+                <a:cs typeface="Courier New" panose="02070309020205020404" pitchFamily="49" charset="0"/>
+              </a:rPr>
+              <a:t>0.047975</a:t>
+            </a:r>
+          </a:p>
+        </p:txBody>
+      </p:sp>
+      <p:sp>
+        <p:nvSpPr>
+          <p:cNvPr id="15" name="Rectangle 14">
+            <a:extLst>
+              <a:ext uri="{FF2B5EF4-FFF2-40B4-BE49-F238E27FC236}">
+                <a16:creationId xmlns:a16="http://schemas.microsoft.com/office/drawing/2014/main" id="{8D039E49-A1F0-C04C-21B7-83CF310536B6}"/>
+              </a:ext>
+            </a:extLst>
+          </p:cNvPr>
+          <p:cNvSpPr/>
+          <p:nvPr/>
+        </p:nvSpPr>
+        <p:spPr>
+          <a:xfrm>
+            <a:off x="5620111" y="2772686"/>
+            <a:ext cx="231055" cy="4004187"/>
+          </a:xfrm>
+          <a:prstGeom prst="rect">
+            <a:avLst/>
+          </a:prstGeom>
+          <a:solidFill>
+            <a:srgbClr val="C00000">
+              <a:alpha val="20000"/>
+            </a:srgbClr>
+          </a:solidFill>
+          <a:ln>
+            <a:solidFill>
+              <a:srgbClr val="C00000"/>
+            </a:solidFill>
+          </a:ln>
+        </p:spPr>
+        <p:style>
+          <a:lnRef idx="2">
+            <a:schemeClr val="accent1">
+              <a:shade val="15000"/>
+            </a:schemeClr>
+          </a:lnRef>
+          <a:fillRef idx="1">
+            <a:schemeClr val="accent1"/>
+          </a:fillRef>
+          <a:effectRef idx="0">
+            <a:schemeClr val="accent1"/>
+          </a:effectRef>
+          <a:fontRef idx="minor">
+            <a:schemeClr val="lt1"/>
+          </a:fontRef>
+        </p:style>
+        <p:txBody>
+          <a:bodyPr rtlCol="0" anchor="ctr"/>
+          <a:lstStyle/>
+          <a:p>
+            <a:pPr algn="ctr"/>
+            <a:endParaRPr lang="en-US"/>
+          </a:p>
+        </p:txBody>
+      </p:sp>
+      <p:sp>
+        <p:nvSpPr>
+          <p:cNvPr id="16" name="Rectangle 15">
+            <a:extLst>
+              <a:ext uri="{FF2B5EF4-FFF2-40B4-BE49-F238E27FC236}">
+                <a16:creationId xmlns:a16="http://schemas.microsoft.com/office/drawing/2014/main" id="{043537DB-E63B-03FD-900C-2AE9FF8679E9}"/>
+              </a:ext>
+            </a:extLst>
+          </p:cNvPr>
+          <p:cNvSpPr/>
+          <p:nvPr/>
+        </p:nvSpPr>
+        <p:spPr>
+          <a:xfrm>
+            <a:off x="8653625" y="2772685"/>
+            <a:ext cx="231055" cy="4004187"/>
+          </a:xfrm>
+          <a:prstGeom prst="rect">
+            <a:avLst/>
+          </a:prstGeom>
+          <a:solidFill>
+            <a:srgbClr val="C00000">
+              <a:alpha val="20000"/>
+            </a:srgbClr>
+          </a:solidFill>
+          <a:ln>
+            <a:solidFill>
+              <a:srgbClr val="C00000"/>
+            </a:solidFill>
+          </a:ln>
+        </p:spPr>
+        <p:style>
+          <a:lnRef idx="2">
+            <a:schemeClr val="accent1">
+              <a:shade val="15000"/>
+            </a:schemeClr>
+          </a:lnRef>
+          <a:fillRef idx="1">
+            <a:schemeClr val="accent1"/>
+          </a:fillRef>
+          <a:effectRef idx="0">
+            <a:schemeClr val="accent1"/>
+          </a:effectRef>
+          <a:fontRef idx="minor">
+            <a:schemeClr val="lt1"/>
+          </a:fontRef>
+        </p:style>
+        <p:txBody>
+          <a:bodyPr rtlCol="0" anchor="ctr"/>
+          <a:lstStyle/>
+          <a:p>
+            <a:pPr algn="ctr"/>
+            <a:endParaRPr lang="en-US"/>
+          </a:p>
+        </p:txBody>
+      </p:sp>
+      <p:sp>
+        <p:nvSpPr>
+          <p:cNvPr id="17" name="Rectangle 16">
+            <a:extLst>
+              <a:ext uri="{FF2B5EF4-FFF2-40B4-BE49-F238E27FC236}">
+                <a16:creationId xmlns:a16="http://schemas.microsoft.com/office/drawing/2014/main" id="{B80F5537-6C38-C9B1-9BE2-4EA83601B5D8}"/>
+              </a:ext>
+            </a:extLst>
+          </p:cNvPr>
+          <p:cNvSpPr/>
+          <p:nvPr/>
+        </p:nvSpPr>
+        <p:spPr>
+          <a:xfrm>
+            <a:off x="8884680" y="2772686"/>
+            <a:ext cx="231055" cy="4004187"/>
+          </a:xfrm>
+          <a:prstGeom prst="rect">
+            <a:avLst/>
+          </a:prstGeom>
+          <a:solidFill>
+            <a:srgbClr val="C00000">
+              <a:alpha val="20000"/>
+            </a:srgbClr>
+          </a:solidFill>
+          <a:ln>
+            <a:solidFill>
+              <a:srgbClr val="C00000"/>
+            </a:solidFill>
+          </a:ln>
+        </p:spPr>
+        <p:style>
+          <a:lnRef idx="2">
+            <a:schemeClr val="accent1">
+              <a:shade val="15000"/>
+            </a:schemeClr>
+          </a:lnRef>
+          <a:fillRef idx="1">
+            <a:schemeClr val="accent1"/>
+          </a:fillRef>
+          <a:effectRef idx="0">
+            <a:schemeClr val="accent1"/>
+          </a:effectRef>
+          <a:fontRef idx="minor">
+            <a:schemeClr val="lt1"/>
+          </a:fontRef>
+        </p:style>
+        <p:txBody>
+          <a:bodyPr rtlCol="0" anchor="ctr"/>
+          <a:lstStyle/>
+          <a:p>
+            <a:pPr algn="ctr"/>
+            <a:endParaRPr lang="en-US"/>
+          </a:p>
+        </p:txBody>
+      </p:sp>
+      <p:sp>
+        <p:nvSpPr>
+          <p:cNvPr id="18" name="Rectangle 17">
+            <a:extLst>
+              <a:ext uri="{FF2B5EF4-FFF2-40B4-BE49-F238E27FC236}">
+                <a16:creationId xmlns:a16="http://schemas.microsoft.com/office/drawing/2014/main" id="{1B66DF83-DDA4-4565-6105-C45FE7C2E776}"/>
+              </a:ext>
+            </a:extLst>
+          </p:cNvPr>
+          <p:cNvSpPr/>
+          <p:nvPr/>
+        </p:nvSpPr>
+        <p:spPr>
+          <a:xfrm>
+            <a:off x="7718769" y="2772686"/>
+            <a:ext cx="231055" cy="4004187"/>
+          </a:xfrm>
+          <a:prstGeom prst="rect">
+            <a:avLst/>
+          </a:prstGeom>
+          <a:solidFill>
+            <a:srgbClr val="C00000">
+              <a:alpha val="20000"/>
+            </a:srgbClr>
+          </a:solidFill>
+          <a:ln>
+            <a:solidFill>
+              <a:srgbClr val="C00000"/>
+            </a:solidFill>
+          </a:ln>
+        </p:spPr>
+        <p:style>
+          <a:lnRef idx="2">
+            <a:schemeClr val="accent1">
+              <a:shade val="15000"/>
+            </a:schemeClr>
+          </a:lnRef>
+          <a:fillRef idx="1">
+            <a:schemeClr val="accent1"/>
+          </a:fillRef>
+          <a:effectRef idx="0">
+            <a:schemeClr val="accent1"/>
+          </a:effectRef>
+          <a:fontRef idx="minor">
+            <a:schemeClr val="lt1"/>
+          </a:fontRef>
+        </p:style>
+        <p:txBody>
+          <a:bodyPr rtlCol="0" anchor="ctr"/>
+          <a:lstStyle/>
+          <a:p>
+            <a:pPr algn="ctr"/>
+            <a:endParaRPr lang="en-US"/>
+          </a:p>
+        </p:txBody>
+      </p:sp>
+      <p:sp>
+        <p:nvSpPr>
+          <p:cNvPr id="4" name="TextBox 3">
+            <a:extLst>
+              <a:ext uri="{FF2B5EF4-FFF2-40B4-BE49-F238E27FC236}">
+                <a16:creationId xmlns:a16="http://schemas.microsoft.com/office/drawing/2014/main" id="{EB0A743E-E1F4-FEB2-8263-71EA333E7FF6}"/>
+              </a:ext>
+            </a:extLst>
+          </p:cNvPr>
+          <p:cNvSpPr txBox="1"/>
+          <p:nvPr/>
+        </p:nvSpPr>
+        <p:spPr>
+          <a:xfrm>
+            <a:off x="9305928" y="2076883"/>
+            <a:ext cx="2476500" cy="338554"/>
+          </a:xfrm>
+          <a:prstGeom prst="rect">
+            <a:avLst/>
+          </a:prstGeom>
+          <a:noFill/>
+        </p:spPr>
+        <p:txBody>
+          <a:bodyPr wrap="square">
+            <a:spAutoFit/>
+          </a:bodyPr>
+          <a:lstStyle/>
+          <a:p>
+            <a:pPr algn="r"/>
+            <a:r>
+              <a:rPr lang="en-US" sz="800" b="0" i="0" dirty="0">
+                <a:solidFill>
+                  <a:schemeClr val="bg1">
+                    <a:lumMod val="65000"/>
+                    <a:lumOff val="35000"/>
+                  </a:schemeClr>
+                </a:solidFill>
+                <a:effectLst/>
+                <a:latin typeface="Courier New" panose="02070309020205020404" pitchFamily="49" charset="0"/>
+                <a:cs typeface="Courier New" panose="02070309020205020404" pitchFamily="49" charset="0"/>
+              </a:rPr>
+              <a:t>Correlation Between B06010_011E &amp; S1501_C01_013E = 0.882824</a:t>
+            </a:r>
+            <a:endParaRPr lang="en-US" sz="800" dirty="0">
+              <a:solidFill>
+                <a:schemeClr val="bg1">
+                  <a:lumMod val="65000"/>
+                  <a:lumOff val="35000"/>
+                </a:schemeClr>
+              </a:solidFill>
+              <a:latin typeface="Courier New" panose="02070309020205020404" pitchFamily="49" charset="0"/>
+              <a:cs typeface="Courier New" panose="02070309020205020404" pitchFamily="49" charset="0"/>
+            </a:endParaRPr>
+          </a:p>
+        </p:txBody>
+      </p:sp>
+      <p:sp>
+        <p:nvSpPr>
+          <p:cNvPr id="11" name="Right Bracket 10">
+            <a:extLst>
+              <a:ext uri="{FF2B5EF4-FFF2-40B4-BE49-F238E27FC236}">
+                <a16:creationId xmlns:a16="http://schemas.microsoft.com/office/drawing/2014/main" id="{04DAFF68-51C0-70B1-23FE-12DBD6509B29}"/>
+              </a:ext>
+            </a:extLst>
+          </p:cNvPr>
+          <p:cNvSpPr/>
+          <p:nvPr/>
+        </p:nvSpPr>
+        <p:spPr>
+          <a:xfrm rot="16200000">
+            <a:off x="10929081" y="1895366"/>
+            <a:ext cx="338382" cy="1368312"/>
+          </a:xfrm>
+          <a:prstGeom prst="rightBracket">
+            <a:avLst>
+              <a:gd name="adj" fmla="val 50556"/>
+            </a:avLst>
+          </a:prstGeom>
+          <a:ln>
+            <a:solidFill>
+              <a:schemeClr val="bg1">
+                <a:lumMod val="50000"/>
+                <a:lumOff val="50000"/>
+              </a:schemeClr>
+            </a:solidFill>
+          </a:ln>
+        </p:spPr>
+        <p:style>
+          <a:lnRef idx="1">
+            <a:schemeClr val="accent1"/>
+          </a:lnRef>
+          <a:fillRef idx="0">
+            <a:schemeClr val="accent1"/>
+          </a:fillRef>
+          <a:effectRef idx="0">
+            <a:schemeClr val="accent1"/>
+          </a:effectRef>
+          <a:fontRef idx="minor">
+            <a:schemeClr val="tx1"/>
+          </a:fontRef>
+        </p:style>
+        <p:txBody>
+          <a:bodyPr rtlCol="0" anchor="ctr"/>
+          <a:lstStyle/>
+          <a:p>
+            <a:pPr algn="ctr"/>
+            <a:endParaRPr lang="en-US"/>
+          </a:p>
+        </p:txBody>
+      </p:sp>
+    </p:spTree>
+    <p:extLst>
+      <p:ext uri="{BB962C8B-B14F-4D97-AF65-F5344CB8AC3E}">
+        <p14:creationId xmlns:p14="http://schemas.microsoft.com/office/powerpoint/2010/main" val="2019159888"/>
+      </p:ext>
+    </p:extLst>
+  </p:cSld>
+  <p:clrMapOvr>
+    <a:masterClrMapping/>
+  </p:clrMapOvr>
+</p:sld>
+</file>
+
+<file path=ppt/slides/slide13.xml><?xml version="1.0" encoding="utf-8"?>
+<p:sld xmlns:a="http://schemas.openxmlformats.org/drawingml/2006/main" xmlns:r="http://schemas.openxmlformats.org/officeDocument/2006/relationships" xmlns:p="http://schemas.openxmlformats.org/presentationml/2006/main">
+  <p:cSld>
+    <p:spTree>
+      <p:nvGrpSpPr>
+        <p:cNvPr id="1" name=""/>
+        <p:cNvGrpSpPr/>
+        <p:nvPr/>
+      </p:nvGrpSpPr>
+      <p:grpSpPr>
+        <a:xfrm>
+          <a:off x="0" y="0"/>
+          <a:ext cx="0" cy="0"/>
+          <a:chOff x="0" y="0"/>
+          <a:chExt cx="0" cy="0"/>
+        </a:xfrm>
+      </p:grpSpPr>
+      <p:sp>
+        <p:nvSpPr>
+          <p:cNvPr id="2" name="Title 1">
+            <a:extLst>
+              <a:ext uri="{FF2B5EF4-FFF2-40B4-BE49-F238E27FC236}">
+                <a16:creationId xmlns:a16="http://schemas.microsoft.com/office/drawing/2014/main" id="{C5F6753B-E03D-46E4-0B7D-DC4D876F6E4E}"/>
+              </a:ext>
+            </a:extLst>
+          </p:cNvPr>
+          <p:cNvSpPr>
+            <a:spLocks noGrp="1"/>
+          </p:cNvSpPr>
+          <p:nvPr>
+            <p:ph type="title"/>
+          </p:nvPr>
+        </p:nvSpPr>
+        <p:spPr>
+          <a:xfrm>
+            <a:off x="0" y="609600"/>
+            <a:ext cx="12191999" cy="1257300"/>
+          </a:xfrm>
+        </p:spPr>
+        <p:txBody>
+          <a:bodyPr>
+            <a:normAutofit/>
+          </a:bodyPr>
+          <a:lstStyle/>
+          <a:p>
+            <a:r>
+              <a:rPr lang="en-US" sz="4000" dirty="0"/>
+              <a:t>Q2: Does the Census Data suggest that there are additional variables that Whole Foods uses to select store locations?</a:t>
+            </a:r>
+          </a:p>
+        </p:txBody>
+      </p:sp>
+      <p:pic>
+        <p:nvPicPr>
+          <p:cNvPr id="7" name="Picture 6">
+            <a:extLst>
+              <a:ext uri="{FF2B5EF4-FFF2-40B4-BE49-F238E27FC236}">
+                <a16:creationId xmlns:a16="http://schemas.microsoft.com/office/drawing/2014/main" id="{C73A0ABD-F965-2DA6-EB56-8AD232E4FCE5}"/>
+              </a:ext>
+            </a:extLst>
+          </p:cNvPr>
+          <p:cNvPicPr>
+            <a:picLocks noChangeAspect="1"/>
+          </p:cNvPicPr>
+          <p:nvPr/>
+        </p:nvPicPr>
+        <p:blipFill>
+          <a:blip r:embed="rId3"/>
+          <a:stretch>
+            <a:fillRect/>
+          </a:stretch>
+        </p:blipFill>
+        <p:spPr>
+          <a:xfrm>
+            <a:off x="3304045" y="1866900"/>
+            <a:ext cx="8887955" cy="4991100"/>
+          </a:xfrm>
+          <a:prstGeom prst="rect">
+            <a:avLst/>
+          </a:prstGeom>
+        </p:spPr>
+      </p:pic>
+      <p:sp>
+        <p:nvSpPr>
+          <p:cNvPr id="12" name="Rectangle 11">
+            <a:extLst>
+              <a:ext uri="{FF2B5EF4-FFF2-40B4-BE49-F238E27FC236}">
+                <a16:creationId xmlns:a16="http://schemas.microsoft.com/office/drawing/2014/main" id="{3B695385-DA88-1D3F-8E16-762957E301EF}"/>
+              </a:ext>
+            </a:extLst>
+          </p:cNvPr>
+          <p:cNvSpPr/>
+          <p:nvPr/>
+        </p:nvSpPr>
+        <p:spPr>
+          <a:xfrm>
+            <a:off x="11002784" y="2772684"/>
+            <a:ext cx="231055" cy="4004187"/>
+          </a:xfrm>
+          <a:prstGeom prst="rect">
+            <a:avLst/>
+          </a:prstGeom>
+          <a:solidFill>
+            <a:srgbClr val="92D050">
+              <a:alpha val="20000"/>
+            </a:srgbClr>
+          </a:solidFill>
+          <a:ln>
+            <a:solidFill>
+              <a:srgbClr val="00B050"/>
+            </a:solidFill>
+          </a:ln>
+        </p:spPr>
+        <p:style>
+          <a:lnRef idx="2">
+            <a:schemeClr val="accent1">
+              <a:shade val="15000"/>
+            </a:schemeClr>
+          </a:lnRef>
+          <a:fillRef idx="1">
+            <a:schemeClr val="accent1"/>
+          </a:fillRef>
+          <a:effectRef idx="0">
+            <a:schemeClr val="accent1"/>
+          </a:effectRef>
+          <a:fontRef idx="minor">
+            <a:schemeClr val="lt1"/>
+          </a:fontRef>
+        </p:style>
+        <p:txBody>
+          <a:bodyPr rtlCol="0" anchor="ctr"/>
+          <a:lstStyle/>
+          <a:p>
+            <a:pPr algn="ctr"/>
+            <a:endParaRPr lang="en-US"/>
+          </a:p>
+        </p:txBody>
+      </p:sp>
+      <p:sp>
+        <p:nvSpPr>
+          <p:cNvPr id="14" name="Content Placeholder 2">
+            <a:extLst>
+              <a:ext uri="{FF2B5EF4-FFF2-40B4-BE49-F238E27FC236}">
+                <a16:creationId xmlns:a16="http://schemas.microsoft.com/office/drawing/2014/main" id="{4DBE6690-88B1-CE0D-CFC9-AD4CB0EC8559}"/>
+              </a:ext>
+            </a:extLst>
+          </p:cNvPr>
+          <p:cNvSpPr>
+            <a:spLocks noGrp="1"/>
+          </p:cNvSpPr>
+          <p:nvPr>
+            <p:ph idx="1"/>
+          </p:nvPr>
+        </p:nvSpPr>
+        <p:spPr>
+          <a:xfrm>
+            <a:off x="8551" y="1866900"/>
+            <a:ext cx="3157231" cy="4991100"/>
+          </a:xfrm>
+        </p:spPr>
+        <p:txBody>
+          <a:bodyPr>
+            <a:normAutofit/>
+          </a:bodyPr>
+          <a:lstStyle/>
+          <a:p>
+            <a:r>
+              <a:rPr lang="en-US" dirty="0"/>
+              <a:t>Families &amp; Children</a:t>
+            </a:r>
+          </a:p>
+          <a:p>
+            <a:pPr marL="574675" lvl="1" indent="-228600">
+              <a:lnSpc>
+                <a:spcPct val="120000"/>
+              </a:lnSpc>
+              <a:buFont typeface="+mj-lt"/>
+              <a:buAutoNum type="alphaUcPeriod"/>
+            </a:pPr>
+            <a:r>
+              <a:rPr lang="en-US" sz="1100" b="0" i="0" dirty="0">
+                <a:solidFill>
+                  <a:srgbClr val="CCCCCC"/>
+                </a:solidFill>
+                <a:effectLst/>
+                <a:latin typeface="Courier New" panose="02070309020205020404" pitchFamily="49" charset="0"/>
+                <a:cs typeface="Courier New" panose="02070309020205020404" pitchFamily="49" charset="0"/>
+              </a:rPr>
+              <a:t>B11005_012E: </a:t>
+            </a:r>
+            <a:br>
+              <a:rPr lang="en-US" sz="1100" b="0" i="0" dirty="0">
+                <a:solidFill>
+                  <a:srgbClr val="CCCCCC"/>
+                </a:solidFill>
+                <a:effectLst/>
+                <a:latin typeface="Courier New" panose="02070309020205020404" pitchFamily="49" charset="0"/>
+                <a:cs typeface="Courier New" panose="02070309020205020404" pitchFamily="49" charset="0"/>
+              </a:rPr>
+            </a:br>
+            <a:r>
+              <a:rPr lang="en-US" sz="1100" b="1" i="0" u="sng" dirty="0">
+                <a:solidFill>
+                  <a:srgbClr val="CCCCCC"/>
+                </a:solidFill>
+                <a:effectLst/>
+                <a:latin typeface="Courier New" panose="02070309020205020404" pitchFamily="49" charset="0"/>
+                <a:cs typeface="Courier New" panose="02070309020205020404" pitchFamily="49" charset="0"/>
+              </a:rPr>
+              <a:t>Family households without people under 18 years                                               </a:t>
+            </a:r>
+            <a:r>
+              <a:rPr lang="en-US" sz="1100" b="0" i="0" dirty="0">
+                <a:solidFill>
+                  <a:srgbClr val="CCCCCC"/>
+                </a:solidFill>
+                <a:effectLst/>
+                <a:latin typeface="Courier New" panose="02070309020205020404" pitchFamily="49" charset="0"/>
+                <a:cs typeface="Courier New" panose="02070309020205020404" pitchFamily="49" charset="0"/>
+              </a:rPr>
+              <a:t>-0.230345</a:t>
+            </a:r>
+          </a:p>
+          <a:p>
+            <a:pPr marL="574675" lvl="1" indent="-228600">
+              <a:lnSpc>
+                <a:spcPct val="120000"/>
+              </a:lnSpc>
+              <a:buFont typeface="+mj-lt"/>
+              <a:buAutoNum type="alphaUcPeriod"/>
+            </a:pPr>
+            <a:r>
+              <a:rPr lang="en-US" sz="1100" b="0" i="0" dirty="0">
+                <a:solidFill>
+                  <a:srgbClr val="CCCCCC"/>
+                </a:solidFill>
+                <a:effectLst/>
+                <a:latin typeface="Courier New" panose="02070309020205020404" pitchFamily="49" charset="0"/>
+                <a:cs typeface="Courier New" panose="02070309020205020404" pitchFamily="49" charset="0"/>
+              </a:rPr>
+              <a:t>B11005_002E: </a:t>
+            </a:r>
+            <a:br>
+              <a:rPr lang="en-US" sz="1100" b="0" i="0" dirty="0">
+                <a:solidFill>
+                  <a:srgbClr val="CCCCCC"/>
+                </a:solidFill>
+                <a:effectLst/>
+                <a:latin typeface="Courier New" panose="02070309020205020404" pitchFamily="49" charset="0"/>
+                <a:cs typeface="Courier New" panose="02070309020205020404" pitchFamily="49" charset="0"/>
+              </a:rPr>
+            </a:br>
+            <a:r>
+              <a:rPr lang="en-US" sz="1100" b="1" i="0" u="sng" dirty="0">
+                <a:solidFill>
+                  <a:srgbClr val="CCCCCC"/>
+                </a:solidFill>
+                <a:effectLst/>
+                <a:latin typeface="Courier New" panose="02070309020205020404" pitchFamily="49" charset="0"/>
+                <a:cs typeface="Courier New" panose="02070309020205020404" pitchFamily="49" charset="0"/>
+              </a:rPr>
+              <a:t>Households with one or more people under 18 years                                             </a:t>
+            </a:r>
+            <a:r>
+              <a:rPr lang="en-US" sz="1100" b="0" i="0" dirty="0">
+                <a:solidFill>
+                  <a:srgbClr val="CCCCCC"/>
+                </a:solidFill>
+                <a:effectLst/>
+                <a:latin typeface="Courier New" panose="02070309020205020404" pitchFamily="49" charset="0"/>
+                <a:cs typeface="Courier New" panose="02070309020205020404" pitchFamily="49" charset="0"/>
+              </a:rPr>
+              <a:t>-0.096249</a:t>
+            </a:r>
+          </a:p>
+          <a:p>
+            <a:pPr marL="574675" lvl="1" indent="-228600">
+              <a:lnSpc>
+                <a:spcPct val="120000"/>
+              </a:lnSpc>
+              <a:buFont typeface="+mj-lt"/>
+              <a:buAutoNum type="alphaUcPeriod"/>
+            </a:pPr>
+            <a:r>
+              <a:rPr lang="en-US" sz="1100" b="0" i="0" dirty="0">
+                <a:solidFill>
+                  <a:srgbClr val="CCCCCC"/>
+                </a:solidFill>
+                <a:effectLst/>
+                <a:latin typeface="Courier New" panose="02070309020205020404" pitchFamily="49" charset="0"/>
+                <a:cs typeface="Courier New" panose="02070309020205020404" pitchFamily="49" charset="0"/>
+              </a:rPr>
+              <a:t>B11005_001E: </a:t>
+            </a:r>
+            <a:br>
+              <a:rPr lang="en-US" sz="1100" b="0" i="0" dirty="0">
+                <a:solidFill>
+                  <a:srgbClr val="CCCCCC"/>
+                </a:solidFill>
+                <a:effectLst/>
+                <a:latin typeface="Courier New" panose="02070309020205020404" pitchFamily="49" charset="0"/>
+                <a:cs typeface="Courier New" panose="02070309020205020404" pitchFamily="49" charset="0"/>
+              </a:rPr>
+            </a:br>
+            <a:r>
+              <a:rPr lang="en-US" sz="1100" b="1" i="0" u="sng" dirty="0">
+                <a:solidFill>
+                  <a:srgbClr val="CCCCCC"/>
+                </a:solidFill>
+                <a:effectLst/>
+                <a:latin typeface="Courier New" panose="02070309020205020404" pitchFamily="49" charset="0"/>
+                <a:cs typeface="Courier New" panose="02070309020205020404" pitchFamily="49" charset="0"/>
+              </a:rPr>
+              <a:t>Total Households                                                                              </a:t>
+            </a:r>
+            <a:r>
+              <a:rPr lang="en-US" sz="1100" b="0" i="0" dirty="0">
+                <a:solidFill>
+                  <a:srgbClr val="CCCCCC"/>
+                </a:solidFill>
+                <a:effectLst/>
+                <a:latin typeface="Courier New" panose="02070309020205020404" pitchFamily="49" charset="0"/>
+                <a:cs typeface="Courier New" panose="02070309020205020404" pitchFamily="49" charset="0"/>
+              </a:rPr>
+              <a:t>-0.064691</a:t>
+            </a:r>
+          </a:p>
+          <a:p>
+            <a:pPr marL="574675" lvl="1" indent="-228600">
+              <a:lnSpc>
+                <a:spcPct val="120000"/>
+              </a:lnSpc>
+              <a:buFont typeface="+mj-lt"/>
+              <a:buAutoNum type="alphaUcPeriod"/>
+            </a:pPr>
+            <a:r>
+              <a:rPr lang="en-US" sz="1100" b="0" i="0" dirty="0">
+                <a:solidFill>
+                  <a:srgbClr val="CCCCCC"/>
+                </a:solidFill>
+                <a:effectLst/>
+                <a:latin typeface="Courier New" panose="02070309020205020404" pitchFamily="49" charset="0"/>
+                <a:cs typeface="Courier New" panose="02070309020205020404" pitchFamily="49" charset="0"/>
+              </a:rPr>
+              <a:t>B11005_017E: </a:t>
+            </a:r>
+            <a:br>
+              <a:rPr lang="en-US" sz="1100" b="0" i="0" dirty="0">
+                <a:solidFill>
+                  <a:srgbClr val="CCCCCC"/>
+                </a:solidFill>
+                <a:effectLst/>
+                <a:latin typeface="Courier New" panose="02070309020205020404" pitchFamily="49" charset="0"/>
+                <a:cs typeface="Courier New" panose="02070309020205020404" pitchFamily="49" charset="0"/>
+              </a:rPr>
+            </a:br>
+            <a:r>
+              <a:rPr lang="en-US" sz="1100" b="1" i="0" u="sng" dirty="0">
+                <a:solidFill>
+                  <a:srgbClr val="CCCCCC"/>
+                </a:solidFill>
+                <a:effectLst/>
+                <a:latin typeface="Courier New" panose="02070309020205020404" pitchFamily="49" charset="0"/>
+                <a:cs typeface="Courier New" panose="02070309020205020404" pitchFamily="49" charset="0"/>
+              </a:rPr>
+              <a:t>Nonfamily households without people under 18 years                                             </a:t>
+            </a:r>
+            <a:r>
+              <a:rPr lang="en-US" sz="1100" b="0" i="0" dirty="0">
+                <a:solidFill>
+                  <a:srgbClr val="CCCCCC"/>
+                </a:solidFill>
+                <a:effectLst/>
+                <a:latin typeface="Courier New" panose="02070309020205020404" pitchFamily="49" charset="0"/>
+                <a:cs typeface="Courier New" panose="02070309020205020404" pitchFamily="49" charset="0"/>
+              </a:rPr>
+              <a:t>0.148082</a:t>
+            </a:r>
+          </a:p>
+        </p:txBody>
+      </p:sp>
+      <p:sp>
+        <p:nvSpPr>
+          <p:cNvPr id="16" name="Rectangle 15">
+            <a:extLst>
+              <a:ext uri="{FF2B5EF4-FFF2-40B4-BE49-F238E27FC236}">
+                <a16:creationId xmlns:a16="http://schemas.microsoft.com/office/drawing/2014/main" id="{043537DB-E63B-03FD-900C-2AE9FF8679E9}"/>
+              </a:ext>
+            </a:extLst>
+          </p:cNvPr>
+          <p:cNvSpPr/>
+          <p:nvPr/>
+        </p:nvSpPr>
+        <p:spPr>
+          <a:xfrm>
+            <a:off x="7486851" y="2772683"/>
+            <a:ext cx="231055" cy="4004187"/>
+          </a:xfrm>
+          <a:prstGeom prst="rect">
+            <a:avLst/>
+          </a:prstGeom>
+          <a:solidFill>
+            <a:srgbClr val="C00000">
+              <a:alpha val="20000"/>
+            </a:srgbClr>
+          </a:solidFill>
+          <a:ln>
+            <a:solidFill>
+              <a:srgbClr val="C00000"/>
+            </a:solidFill>
+          </a:ln>
+        </p:spPr>
+        <p:style>
+          <a:lnRef idx="2">
+            <a:schemeClr val="accent1">
+              <a:shade val="15000"/>
+            </a:schemeClr>
+          </a:lnRef>
+          <a:fillRef idx="1">
+            <a:schemeClr val="accent1"/>
+          </a:fillRef>
+          <a:effectRef idx="0">
+            <a:schemeClr val="accent1"/>
+          </a:effectRef>
+          <a:fontRef idx="minor">
+            <a:schemeClr val="lt1"/>
+          </a:fontRef>
+        </p:style>
+        <p:txBody>
+          <a:bodyPr rtlCol="0" anchor="ctr"/>
+          <a:lstStyle/>
+          <a:p>
+            <a:pPr algn="ctr"/>
+            <a:endParaRPr lang="en-US"/>
+          </a:p>
+        </p:txBody>
+      </p:sp>
+      <p:sp>
+        <p:nvSpPr>
+          <p:cNvPr id="17" name="Rectangle 16">
+            <a:extLst>
+              <a:ext uri="{FF2B5EF4-FFF2-40B4-BE49-F238E27FC236}">
+                <a16:creationId xmlns:a16="http://schemas.microsoft.com/office/drawing/2014/main" id="{B80F5537-6C38-C9B1-9BE2-4EA83601B5D8}"/>
+              </a:ext>
+            </a:extLst>
+          </p:cNvPr>
+          <p:cNvSpPr/>
+          <p:nvPr/>
+        </p:nvSpPr>
+        <p:spPr>
+          <a:xfrm>
+            <a:off x="8422570" y="2772683"/>
+            <a:ext cx="231055" cy="4004187"/>
+          </a:xfrm>
+          <a:prstGeom prst="rect">
+            <a:avLst/>
+          </a:prstGeom>
+          <a:solidFill>
+            <a:srgbClr val="C00000">
+              <a:alpha val="20000"/>
+            </a:srgbClr>
+          </a:solidFill>
+          <a:ln>
+            <a:solidFill>
+              <a:srgbClr val="C00000"/>
+            </a:solidFill>
+          </a:ln>
+        </p:spPr>
+        <p:style>
+          <a:lnRef idx="2">
+            <a:schemeClr val="accent1">
+              <a:shade val="15000"/>
+            </a:schemeClr>
+          </a:lnRef>
+          <a:fillRef idx="1">
+            <a:schemeClr val="accent1"/>
+          </a:fillRef>
+          <a:effectRef idx="0">
+            <a:schemeClr val="accent1"/>
+          </a:effectRef>
+          <a:fontRef idx="minor">
+            <a:schemeClr val="lt1"/>
+          </a:fontRef>
+        </p:style>
+        <p:txBody>
+          <a:bodyPr rtlCol="0" anchor="ctr"/>
+          <a:lstStyle/>
+          <a:p>
+            <a:pPr algn="ctr"/>
+            <a:endParaRPr lang="en-US"/>
+          </a:p>
+        </p:txBody>
+      </p:sp>
+      <p:sp>
+        <p:nvSpPr>
+          <p:cNvPr id="18" name="Rectangle 17">
+            <a:extLst>
+              <a:ext uri="{FF2B5EF4-FFF2-40B4-BE49-F238E27FC236}">
+                <a16:creationId xmlns:a16="http://schemas.microsoft.com/office/drawing/2014/main" id="{1B66DF83-DDA4-4565-6105-C45FE7C2E776}"/>
+              </a:ext>
+            </a:extLst>
+          </p:cNvPr>
+          <p:cNvSpPr/>
+          <p:nvPr/>
+        </p:nvSpPr>
+        <p:spPr>
+          <a:xfrm>
+            <a:off x="3745393" y="2772684"/>
+            <a:ext cx="231055" cy="4004187"/>
+          </a:xfrm>
+          <a:prstGeom prst="rect">
+            <a:avLst/>
+          </a:prstGeom>
+          <a:solidFill>
+            <a:srgbClr val="C00000">
+              <a:alpha val="20000"/>
+            </a:srgbClr>
+          </a:solidFill>
+          <a:ln>
+            <a:solidFill>
+              <a:srgbClr val="C00000"/>
+            </a:solidFill>
+          </a:ln>
+        </p:spPr>
+        <p:style>
+          <a:lnRef idx="2">
+            <a:schemeClr val="accent1">
+              <a:shade val="15000"/>
+            </a:schemeClr>
+          </a:lnRef>
+          <a:fillRef idx="1">
+            <a:schemeClr val="accent1"/>
+          </a:fillRef>
+          <a:effectRef idx="0">
+            <a:schemeClr val="accent1"/>
+          </a:effectRef>
+          <a:fontRef idx="minor">
+            <a:schemeClr val="lt1"/>
+          </a:fontRef>
+        </p:style>
+        <p:txBody>
+          <a:bodyPr rtlCol="0" anchor="ctr"/>
+          <a:lstStyle/>
+          <a:p>
+            <a:pPr algn="ctr"/>
+            <a:endParaRPr lang="en-US"/>
+          </a:p>
+        </p:txBody>
+      </p:sp>
+    </p:spTree>
+    <p:extLst>
+      <p:ext uri="{BB962C8B-B14F-4D97-AF65-F5344CB8AC3E}">
+        <p14:creationId xmlns:p14="http://schemas.microsoft.com/office/powerpoint/2010/main" val="405550293"/>
+      </p:ext>
+    </p:extLst>
+  </p:cSld>
+  <p:clrMapOvr>
+    <a:masterClrMapping/>
+  </p:clrMapOvr>
+</p:sld>
+</file>
+
 <file path=ppt/slides/slide2.xml><?xml version="1.0" encoding="utf-8"?>
 <p:sld xmlns:a="http://schemas.openxmlformats.org/drawingml/2006/main" xmlns:r="http://schemas.openxmlformats.org/officeDocument/2006/relationships" xmlns:p="http://schemas.openxmlformats.org/presentationml/2006/main">
   <p:cSld>
@@ -7191,7 +10200,7 @@
         </p:spPr>
         <p:txBody>
           <a:bodyPr anchor="t">
-            <a:normAutofit lnSpcReduction="10000"/>
+            <a:normAutofit/>
           </a:bodyPr>
           <a:lstStyle/>
           <a:p>
@@ -7204,12 +10213,6 @@
             <a:r>
               <a:rPr lang="en-US" sz="2400" dirty="0"/>
               <a:t>Does the Census Data suggest that there are additional variables that Whole Foods uses to select store locations?</a:t>
-            </a:r>
-          </a:p>
-          <a:p>
-            <a:r>
-              <a:rPr lang="en-US" sz="2400" dirty="0"/>
-              <a:t>Does the data suggest attractive future sites for Whole Foods locations?</a:t>
             </a:r>
           </a:p>
         </p:txBody>
@@ -7439,21 +10442,153 @@
             <p:ph idx="1"/>
           </p:nvPr>
         </p:nvSpPr>
-        <p:spPr/>
-        <p:txBody>
-          <a:bodyPr/>
+        <p:spPr>
+          <a:xfrm>
+            <a:off x="913795" y="1695450"/>
+            <a:ext cx="10353762" cy="4857750"/>
+          </a:xfrm>
+        </p:spPr>
+        <p:txBody>
+          <a:bodyPr>
+            <a:normAutofit fontScale="92500" lnSpcReduction="10000"/>
+          </a:bodyPr>
           <a:lstStyle/>
           <a:p>
             <a:r>
               <a:rPr lang="en-US" dirty="0"/>
-              <a:t>Overview</a:t>
-            </a:r>
-          </a:p>
-          <a:p>
-            <a:r>
-              <a:rPr lang="en-US" dirty="0"/>
-              <a:t>Published Site Selection Criteria</a:t>
-            </a:r>
+              <a:t>Whole Foods has published site selection guidelines for commercial property owners, as follows:</a:t>
+            </a:r>
+          </a:p>
+          <a:p>
+            <a:pPr marL="907200" lvl="1" indent="-457200">
+              <a:buFont typeface="+mj-lt"/>
+              <a:buAutoNum type="arabicPeriod"/>
+            </a:pPr>
+            <a:r>
+              <a:rPr lang="en-US" sz="1900" b="1" u="sng" dirty="0">
+                <a:latin typeface="Courier New" panose="02070309020205020404" pitchFamily="49" charset="0"/>
+                <a:cs typeface="Courier New" panose="02070309020205020404" pitchFamily="49" charset="0"/>
+              </a:rPr>
+              <a:t>Typically, 200,000 people or more in a 20-minute drive time</a:t>
+            </a:r>
+          </a:p>
+          <a:p>
+            <a:pPr marL="907200" lvl="1" indent="-457200">
+              <a:buFont typeface="+mj-lt"/>
+              <a:buAutoNum type="arabicPeriod"/>
+            </a:pPr>
+            <a:r>
+              <a:rPr lang="en-US" sz="1900" dirty="0">
+                <a:latin typeface="Courier New" panose="02070309020205020404" pitchFamily="49" charset="0"/>
+                <a:cs typeface="Courier New" panose="02070309020205020404" pitchFamily="49" charset="0"/>
+              </a:rPr>
+              <a:t>25,000-50,000 Square Feet</a:t>
+            </a:r>
+          </a:p>
+          <a:p>
+            <a:pPr marL="907200" lvl="1" indent="-457200">
+              <a:buFont typeface="+mj-lt"/>
+              <a:buAutoNum type="arabicPeriod"/>
+            </a:pPr>
+            <a:r>
+              <a:rPr lang="en-US" sz="1900" b="1" u="sng" dirty="0">
+                <a:latin typeface="Courier New" panose="02070309020205020404" pitchFamily="49" charset="0"/>
+                <a:cs typeface="Courier New" panose="02070309020205020404" pitchFamily="49" charset="0"/>
+              </a:rPr>
+              <a:t>Large number of college-educated residents</a:t>
+            </a:r>
+          </a:p>
+          <a:p>
+            <a:pPr marL="907200" lvl="1" indent="-457200">
+              <a:buFont typeface="+mj-lt"/>
+              <a:buAutoNum type="arabicPeriod"/>
+            </a:pPr>
+            <a:r>
+              <a:rPr lang="en-US" sz="1900" dirty="0">
+                <a:latin typeface="Courier New" panose="02070309020205020404" pitchFamily="49" charset="0"/>
+                <a:cs typeface="Courier New" panose="02070309020205020404" pitchFamily="49" charset="0"/>
+              </a:rPr>
+              <a:t>Abundant parking available for our exclusive use</a:t>
+            </a:r>
+          </a:p>
+          <a:p>
+            <a:pPr marL="907200" lvl="1" indent="-457200">
+              <a:buFont typeface="+mj-lt"/>
+              <a:buAutoNum type="arabicPeriod"/>
+            </a:pPr>
+            <a:r>
+              <a:rPr lang="en-US" sz="1900" dirty="0">
+                <a:latin typeface="Courier New" panose="02070309020205020404" pitchFamily="49" charset="0"/>
+                <a:cs typeface="Courier New" panose="02070309020205020404" pitchFamily="49" charset="0"/>
+              </a:rPr>
+              <a:t>Stand alone preferred, would consider complementary</a:t>
+            </a:r>
+          </a:p>
+          <a:p>
+            <a:pPr marL="907200" lvl="1" indent="-457200">
+              <a:buFont typeface="+mj-lt"/>
+              <a:buAutoNum type="arabicPeriod"/>
+            </a:pPr>
+            <a:r>
+              <a:rPr lang="en-US" sz="1900" dirty="0">
+                <a:latin typeface="Courier New" panose="02070309020205020404" pitchFamily="49" charset="0"/>
+                <a:cs typeface="Courier New" panose="02070309020205020404" pitchFamily="49" charset="0"/>
+              </a:rPr>
+              <a:t>Easy access from roadways, lighted intersection</a:t>
+            </a:r>
+          </a:p>
+          <a:p>
+            <a:pPr marL="907200" lvl="1" indent="-457200">
+              <a:buFont typeface="+mj-lt"/>
+              <a:buAutoNum type="arabicPeriod"/>
+            </a:pPr>
+            <a:r>
+              <a:rPr lang="en-US" sz="1900" dirty="0">
+                <a:latin typeface="Courier New" panose="02070309020205020404" pitchFamily="49" charset="0"/>
+                <a:cs typeface="Courier New" panose="02070309020205020404" pitchFamily="49" charset="0"/>
+              </a:rPr>
+              <a:t>Excellent visibility, directly off of the street</a:t>
+            </a:r>
+          </a:p>
+          <a:p>
+            <a:pPr marL="907200" lvl="1" indent="-457200">
+              <a:buFont typeface="+mj-lt"/>
+              <a:buAutoNum type="arabicPeriod"/>
+            </a:pPr>
+            <a:r>
+              <a:rPr lang="en-US" sz="1900" dirty="0">
+                <a:latin typeface="Courier New" panose="02070309020205020404" pitchFamily="49" charset="0"/>
+                <a:cs typeface="Courier New" panose="02070309020205020404" pitchFamily="49" charset="0"/>
+              </a:rPr>
+              <a:t>Must be located in a high traffic area (foot and/or vehicle)</a:t>
+            </a:r>
+          </a:p>
+          <a:p>
+            <a:endParaRPr lang="en-US" dirty="0"/>
+          </a:p>
+          <a:p>
+            <a:pPr marL="36900" indent="0">
+              <a:buNone/>
+            </a:pPr>
+            <a:r>
+              <a:rPr lang="en-US" sz="1500" dirty="0"/>
+              <a:t>		</a:t>
+            </a:r>
+            <a:r>
+              <a:rPr lang="en-US" sz="1500" dirty="0">
+                <a:solidFill>
+                  <a:srgbClr val="00B0F0"/>
+                </a:solidFill>
+                <a:effectLst/>
+              </a:rPr>
+              <a:t>https://www.wholefoodsmarket.com/company-info/real-estate</a:t>
+            </a:r>
+          </a:p>
+          <a:p>
+            <a:pPr marL="36900" indent="0">
+              <a:buNone/>
+            </a:pPr>
+            <a:endParaRPr lang="en-US" dirty="0"/>
           </a:p>
         </p:txBody>
       </p:sp>
@@ -7486,8 +10621,8 @@
         </p:blipFill>
         <p:spPr bwMode="auto">
           <a:xfrm>
-            <a:off x="8816535" y="4578072"/>
-            <a:ext cx="4368142" cy="2845353"/>
+            <a:off x="9163049" y="4803788"/>
+            <a:ext cx="4021627" cy="2619637"/>
           </a:xfrm>
           <a:prstGeom prst="rect">
             <a:avLst/>
@@ -7507,7 +10642,7 @@
     </p:spTree>
     <p:extLst>
       <p:ext uri="{BB962C8B-B14F-4D97-AF65-F5344CB8AC3E}">
-        <p14:creationId xmlns:p14="http://schemas.microsoft.com/office/powerpoint/2010/main" val="739049865"/>
+        <p14:creationId xmlns:p14="http://schemas.microsoft.com/office/powerpoint/2010/main" val="2569718665"/>
       </p:ext>
     </p:extLst>
   </p:cSld>
@@ -7683,19 +10818,25 @@
           <a:p>
             <a:r>
               <a:rPr lang="en-US" dirty="0"/>
-              <a:t>Purpose</a:t>
+              <a:t>Census data for Ohio was gathered from the American Community Survey (ACS - 2020) at the tract level to identify population, educational attainment, income levels and household status (presence of families &amp; children)</a:t>
             </a:r>
           </a:p>
           <a:p>
             <a:r>
               <a:rPr lang="en-US" dirty="0"/>
-              <a:t>Approach</a:t>
+              <a:t>Educational attainment is available as a special ACS table S1501 </a:t>
             </a:r>
           </a:p>
           <a:p>
             <a:r>
               <a:rPr lang="en-US" dirty="0"/>
-              <a:t>Outcomes</a:t>
+              <a:t>Population, income and household status are on the ACS 5-year Detailed Tables </a:t>
+            </a:r>
+          </a:p>
+          <a:p>
+            <a:r>
+              <a:rPr lang="en-US" dirty="0"/>
+              <a:t>The data was merged at the tract level and further joined with an indicator of the presence of a Whole Foods within a 20-minute drive</a:t>
             </a:r>
           </a:p>
         </p:txBody>
@@ -7781,14 +10922,233 @@
             <p:ph idx="1"/>
           </p:nvPr>
         </p:nvSpPr>
-        <p:spPr/>
-        <p:txBody>
-          <a:bodyPr/>
+        <p:spPr>
+          <a:xfrm>
+            <a:off x="913794" y="2076450"/>
+            <a:ext cx="10353761" cy="3714749"/>
+          </a:xfrm>
+        </p:spPr>
+        <p:txBody>
+          <a:bodyPr>
+            <a:normAutofit/>
+          </a:bodyPr>
           <a:lstStyle/>
           <a:p>
             <a:r>
               <a:rPr lang="en-US" dirty="0"/>
-              <a:t>Observations</a:t>
+              <a:t>The census data for tracts that are within a 20-minute drive time versus those that are outside of the drive time perimeter supports the hypothesis that Whole Foods is targeting areas of high educational attainment.</a:t>
+            </a:r>
+          </a:p>
+          <a:p>
+            <a:r>
+              <a:rPr lang="en-US" dirty="0"/>
+              <a:t>The five highest correlations to the presence of a Whole Foods store:</a:t>
+            </a:r>
+          </a:p>
+          <a:p>
+            <a:pPr lvl="1"/>
+            <a:r>
+              <a:rPr lang="en-US" sz="1100" b="0" i="0" dirty="0">
+                <a:solidFill>
+                  <a:srgbClr val="CCCCCC"/>
+                </a:solidFill>
+                <a:effectLst/>
+                <a:latin typeface="Courier New" panose="02070309020205020404" pitchFamily="49" charset="0"/>
+                <a:cs typeface="Courier New" panose="02070309020205020404" pitchFamily="49" charset="0"/>
+              </a:rPr>
+              <a:t>S1501_C01_013E: Population 25 years and over - </a:t>
+            </a:r>
+            <a:r>
+              <a:rPr lang="en-US" sz="1100" b="1" i="0" u="sng" dirty="0">
+                <a:solidFill>
+                  <a:srgbClr val="CCCCCC"/>
+                </a:solidFill>
+                <a:effectLst/>
+                <a:latin typeface="Courier New" panose="02070309020205020404" pitchFamily="49" charset="0"/>
+                <a:cs typeface="Courier New" panose="02070309020205020404" pitchFamily="49" charset="0"/>
+              </a:rPr>
+              <a:t>Graduate or professional degree</a:t>
+            </a:r>
+            <a:r>
+              <a:rPr lang="en-US" sz="1100" b="1" i="0" dirty="0">
+                <a:solidFill>
+                  <a:srgbClr val="CCCCCC"/>
+                </a:solidFill>
+                <a:effectLst/>
+                <a:latin typeface="Courier New" panose="02070309020205020404" pitchFamily="49" charset="0"/>
+                <a:cs typeface="Courier New" panose="02070309020205020404" pitchFamily="49" charset="0"/>
+              </a:rPr>
+              <a:t> </a:t>
+            </a:r>
+            <a:r>
+              <a:rPr lang="en-US" sz="1100" b="0" i="0" dirty="0">
+                <a:solidFill>
+                  <a:srgbClr val="CCCCCC"/>
+                </a:solidFill>
+                <a:effectLst/>
+                <a:latin typeface="Courier New" panose="02070309020205020404" pitchFamily="49" charset="0"/>
+                <a:cs typeface="Courier New" panose="02070309020205020404" pitchFamily="49" charset="0"/>
+              </a:rPr>
+              <a:t>	0.183959</a:t>
+            </a:r>
+            <a:endParaRPr lang="en-US" sz="1100" dirty="0">
+              <a:latin typeface="Courier New" panose="02070309020205020404" pitchFamily="49" charset="0"/>
+              <a:cs typeface="Courier New" panose="02070309020205020404" pitchFamily="49" charset="0"/>
+            </a:endParaRPr>
+          </a:p>
+          <a:p>
+            <a:pPr lvl="1"/>
+            <a:r>
+              <a:rPr lang="en-US" sz="1100" b="0" i="0" dirty="0">
+                <a:solidFill>
+                  <a:srgbClr val="CCCCCC"/>
+                </a:solidFill>
+                <a:effectLst/>
+                <a:latin typeface="Courier New" panose="02070309020205020404" pitchFamily="49" charset="0"/>
+                <a:cs typeface="Courier New" panose="02070309020205020404" pitchFamily="49" charset="0"/>
+              </a:rPr>
+              <a:t>S1501_C01_005E: Population 18 to 24 years - </a:t>
+            </a:r>
+            <a:r>
+              <a:rPr lang="en-US" sz="1100" b="1" i="0" u="sng" dirty="0">
+                <a:solidFill>
+                  <a:srgbClr val="CCCCCC"/>
+                </a:solidFill>
+                <a:effectLst/>
+                <a:latin typeface="Courier New" panose="02070309020205020404" pitchFamily="49" charset="0"/>
+                <a:cs typeface="Courier New" panose="02070309020205020404" pitchFamily="49" charset="0"/>
+              </a:rPr>
+              <a:t>Bachelor's degree or higher</a:t>
+            </a:r>
+            <a:r>
+              <a:rPr lang="en-US" sz="1100" b="1" i="0" dirty="0">
+                <a:solidFill>
+                  <a:srgbClr val="CCCCCC"/>
+                </a:solidFill>
+                <a:effectLst/>
+                <a:latin typeface="Courier New" panose="02070309020205020404" pitchFamily="49" charset="0"/>
+                <a:cs typeface="Courier New" panose="02070309020205020404" pitchFamily="49" charset="0"/>
+              </a:rPr>
+              <a:t> </a:t>
+            </a:r>
+            <a:r>
+              <a:rPr lang="en-US" sz="1100" b="0" i="0" dirty="0">
+                <a:solidFill>
+                  <a:srgbClr val="CCCCCC"/>
+                </a:solidFill>
+                <a:effectLst/>
+                <a:latin typeface="Courier New" panose="02070309020205020404" pitchFamily="49" charset="0"/>
+                <a:cs typeface="Courier New" panose="02070309020205020404" pitchFamily="49" charset="0"/>
+              </a:rPr>
+              <a:t>			0.180090 </a:t>
+            </a:r>
+          </a:p>
+          <a:p>
+            <a:pPr lvl="1"/>
+            <a:r>
+              <a:rPr lang="en-US" sz="1100" b="0" i="0" dirty="0">
+                <a:solidFill>
+                  <a:srgbClr val="CCCCCC"/>
+                </a:solidFill>
+                <a:effectLst/>
+                <a:latin typeface="Courier New" panose="02070309020205020404" pitchFamily="49" charset="0"/>
+                <a:cs typeface="Courier New" panose="02070309020205020404" pitchFamily="49" charset="0"/>
+              </a:rPr>
+              <a:t>S1501_C01_015E: Population 25 years and over - </a:t>
+            </a:r>
+            <a:r>
+              <a:rPr lang="en-US" sz="1100" b="1" i="0" u="sng" dirty="0">
+                <a:solidFill>
+                  <a:srgbClr val="CCCCCC"/>
+                </a:solidFill>
+                <a:effectLst/>
+                <a:latin typeface="Courier New" panose="02070309020205020404" pitchFamily="49" charset="0"/>
+                <a:cs typeface="Courier New" panose="02070309020205020404" pitchFamily="49" charset="0"/>
+              </a:rPr>
+              <a:t>Bachelor's degree or higher</a:t>
+            </a:r>
+            <a:r>
+              <a:rPr lang="en-US" sz="1100" b="1" i="0" dirty="0">
+                <a:solidFill>
+                  <a:srgbClr val="CCCCCC"/>
+                </a:solidFill>
+                <a:effectLst/>
+                <a:latin typeface="Courier New" panose="02070309020205020404" pitchFamily="49" charset="0"/>
+                <a:cs typeface="Courier New" panose="02070309020205020404" pitchFamily="49" charset="0"/>
+              </a:rPr>
+              <a:t> </a:t>
+            </a:r>
+            <a:r>
+              <a:rPr lang="en-US" sz="1100" b="0" i="0" dirty="0">
+                <a:solidFill>
+                  <a:srgbClr val="CCCCCC"/>
+                </a:solidFill>
+                <a:effectLst/>
+                <a:latin typeface="Courier New" panose="02070309020205020404" pitchFamily="49" charset="0"/>
+                <a:cs typeface="Courier New" panose="02070309020205020404" pitchFamily="49" charset="0"/>
+              </a:rPr>
+              <a:t>		0.162479 </a:t>
+            </a:r>
+          </a:p>
+          <a:p>
+            <a:pPr lvl="1"/>
+            <a:r>
+              <a:rPr lang="en-US" sz="1100" b="0" i="0" dirty="0">
+                <a:solidFill>
+                  <a:srgbClr val="CCCCCC"/>
+                </a:solidFill>
+                <a:effectLst/>
+                <a:latin typeface="Courier New" panose="02070309020205020404" pitchFamily="49" charset="0"/>
+                <a:cs typeface="Courier New" panose="02070309020205020404" pitchFamily="49" charset="0"/>
+              </a:rPr>
+              <a:t>B11005_017E: Nonfamily households without people under 18 years 				0.148082 </a:t>
+            </a:r>
+          </a:p>
+          <a:p>
+            <a:pPr lvl="1"/>
+            <a:r>
+              <a:rPr lang="en-US" sz="1100" b="0" i="0" dirty="0">
+                <a:solidFill>
+                  <a:srgbClr val="CCCCCC"/>
+                </a:solidFill>
+                <a:effectLst/>
+                <a:latin typeface="Courier New" panose="02070309020205020404" pitchFamily="49" charset="0"/>
+                <a:cs typeface="Courier New" panose="02070309020205020404" pitchFamily="49" charset="0"/>
+              </a:rPr>
+              <a:t>S1501_C01_012E: Population 25 years and over - </a:t>
+            </a:r>
+            <a:r>
+              <a:rPr lang="en-US" sz="1100" b="1" i="0" u="sng" dirty="0">
+                <a:solidFill>
+                  <a:srgbClr val="CCCCCC"/>
+                </a:solidFill>
+                <a:effectLst/>
+                <a:latin typeface="Courier New" panose="02070309020205020404" pitchFamily="49" charset="0"/>
+                <a:cs typeface="Courier New" panose="02070309020205020404" pitchFamily="49" charset="0"/>
+              </a:rPr>
+              <a:t>Bachelor's degree</a:t>
+            </a:r>
+            <a:r>
+              <a:rPr lang="en-US" sz="1100" b="1" i="0" dirty="0">
+                <a:solidFill>
+                  <a:srgbClr val="CCCCCC"/>
+                </a:solidFill>
+                <a:effectLst/>
+                <a:latin typeface="Courier New" panose="02070309020205020404" pitchFamily="49" charset="0"/>
+                <a:cs typeface="Courier New" panose="02070309020205020404" pitchFamily="49" charset="0"/>
+              </a:rPr>
+              <a:t> </a:t>
+            </a:r>
+            <a:r>
+              <a:rPr lang="en-US" sz="1100" b="0" i="0" dirty="0">
+                <a:solidFill>
+                  <a:srgbClr val="CCCCCC"/>
+                </a:solidFill>
+                <a:effectLst/>
+                <a:latin typeface="Courier New" panose="02070309020205020404" pitchFamily="49" charset="0"/>
+                <a:cs typeface="Courier New" panose="02070309020205020404" pitchFamily="49" charset="0"/>
+              </a:rPr>
+              <a:t>				0.134333 </a:t>
             </a:r>
           </a:p>
         </p:txBody>
@@ -7839,31 +11199,61 @@
             <p:ph type="title"/>
           </p:nvPr>
         </p:nvSpPr>
-        <p:spPr/>
+        <p:spPr>
+          <a:xfrm>
+            <a:off x="187402" y="122489"/>
+            <a:ext cx="4786251" cy="2347245"/>
+          </a:xfrm>
+        </p:spPr>
         <p:txBody>
           <a:bodyPr>
-            <a:normAutofit fontScale="90000"/>
+            <a:noAutofit/>
           </a:bodyPr>
           <a:lstStyle/>
           <a:p>
             <a:r>
-              <a:rPr lang="en-US" dirty="0"/>
-              <a:t>Q2: </a:t>
-            </a:r>
-            <a:r>
-              <a:rPr lang="en-US" sz="4800" dirty="0"/>
-              <a:t>Does the Census Data suggest that there are additional variables that Whole Foods uses to select store locations?</a:t>
-            </a:r>
-            <a:endParaRPr lang="en-US" dirty="0"/>
-          </a:p>
-        </p:txBody>
-      </p:sp>
-      <p:sp>
-        <p:nvSpPr>
-          <p:cNvPr id="3" name="Content Placeholder 2">
+              <a:rPr lang="en-US" sz="3200" dirty="0"/>
+              <a:t>Q1: Does the Census Data confirm the published site selection methodology?</a:t>
+            </a:r>
+          </a:p>
+        </p:txBody>
+      </p:sp>
+      <p:pic>
+        <p:nvPicPr>
+          <p:cNvPr id="4" name="Picture 3">
             <a:extLst>
               <a:ext uri="{FF2B5EF4-FFF2-40B4-BE49-F238E27FC236}">
-                <a16:creationId xmlns:a16="http://schemas.microsoft.com/office/drawing/2014/main" id="{1B15E622-1B45-AEAE-E3A6-28642D770777}"/>
+                <a16:creationId xmlns:a16="http://schemas.microsoft.com/office/drawing/2014/main" id="{E12922C4-A879-B839-134C-3029EEA50C66}"/>
+              </a:ext>
+            </a:extLst>
+          </p:cNvPr>
+          <p:cNvPicPr>
+            <a:picLocks noChangeAspect="1"/>
+          </p:cNvPicPr>
+          <p:nvPr/>
+        </p:nvPicPr>
+        <p:blipFill>
+          <a:blip r:embed="rId2"/>
+          <a:stretch>
+            <a:fillRect/>
+          </a:stretch>
+        </p:blipFill>
+        <p:spPr>
+          <a:xfrm>
+            <a:off x="5197748" y="0"/>
+            <a:ext cx="6994252" cy="6858000"/>
+          </a:xfrm>
+          <a:prstGeom prst="rect">
+            <a:avLst/>
+          </a:prstGeom>
+        </p:spPr>
+      </p:pic>
+      <p:sp>
+        <p:nvSpPr>
+          <p:cNvPr id="5" name="Content Placeholder 2">
+            <a:extLst>
+              <a:ext uri="{FF2B5EF4-FFF2-40B4-BE49-F238E27FC236}">
+                <a16:creationId xmlns:a16="http://schemas.microsoft.com/office/drawing/2014/main" id="{FC6E88D3-1D37-3AB7-043D-4139A013D263}"/>
               </a:ext>
             </a:extLst>
           </p:cNvPr>
@@ -7874,22 +11264,1261 @@
             <p:ph idx="1"/>
           </p:nvPr>
         </p:nvSpPr>
-        <p:spPr/>
-        <p:txBody>
-          <a:bodyPr/>
+        <p:spPr>
+          <a:xfrm>
+            <a:off x="187401" y="2379209"/>
+            <a:ext cx="4786251" cy="4240666"/>
+          </a:xfrm>
+        </p:spPr>
+        <p:txBody>
+          <a:bodyPr>
+            <a:normAutofit/>
+          </a:bodyPr>
           <a:lstStyle/>
           <a:p>
             <a:r>
               <a:rPr lang="en-US" dirty="0"/>
-              <a:t>Observations</a:t>
-            </a:r>
+              <a:t>The five highest correlations to the presence of a Whole Foods store:</a:t>
+            </a:r>
+          </a:p>
+          <a:p>
+            <a:pPr lvl="1">
+              <a:lnSpc>
+                <a:spcPct val="110000"/>
+              </a:lnSpc>
+              <a:buFont typeface="+mj-lt"/>
+              <a:buAutoNum type="alphaUcPeriod"/>
+            </a:pPr>
+            <a:r>
+              <a:rPr lang="en-US" sz="1100" b="0" i="0" dirty="0">
+                <a:solidFill>
+                  <a:srgbClr val="CCCCCC"/>
+                </a:solidFill>
+                <a:effectLst/>
+                <a:latin typeface="Courier New" panose="02070309020205020404" pitchFamily="49" charset="0"/>
+                <a:cs typeface="Courier New" panose="02070309020205020404" pitchFamily="49" charset="0"/>
+              </a:rPr>
+              <a:t>S1501_C01_013E: Population 25 years and over - </a:t>
+            </a:r>
+            <a:r>
+              <a:rPr lang="en-US" sz="1100" b="1" i="0" u="sng" dirty="0">
+                <a:solidFill>
+                  <a:srgbClr val="CCCCCC"/>
+                </a:solidFill>
+                <a:effectLst/>
+                <a:latin typeface="Courier New" panose="02070309020205020404" pitchFamily="49" charset="0"/>
+                <a:cs typeface="Courier New" panose="02070309020205020404" pitchFamily="49" charset="0"/>
+              </a:rPr>
+              <a:t>Graduate or professional degree</a:t>
+            </a:r>
+            <a:br>
+              <a:rPr lang="en-US" sz="1100" b="1" u="sng" dirty="0">
+                <a:solidFill>
+                  <a:srgbClr val="CCCCCC"/>
+                </a:solidFill>
+                <a:effectLst/>
+                <a:latin typeface="Courier New" panose="02070309020205020404" pitchFamily="49" charset="0"/>
+                <a:cs typeface="Courier New" panose="02070309020205020404" pitchFamily="49" charset="0"/>
+              </a:rPr>
+            </a:br>
+            <a:r>
+              <a:rPr lang="en-US" sz="1100" b="0" i="0" dirty="0">
+                <a:solidFill>
+                  <a:srgbClr val="CCCCCC"/>
+                </a:solidFill>
+                <a:effectLst/>
+                <a:latin typeface="Courier New" panose="02070309020205020404" pitchFamily="49" charset="0"/>
+                <a:cs typeface="Courier New" panose="02070309020205020404" pitchFamily="49" charset="0"/>
+              </a:rPr>
+              <a:t>0.183959</a:t>
+            </a:r>
+            <a:endParaRPr lang="en-US" sz="1100" dirty="0">
+              <a:latin typeface="Courier New" panose="02070309020205020404" pitchFamily="49" charset="0"/>
+              <a:cs typeface="Courier New" panose="02070309020205020404" pitchFamily="49" charset="0"/>
+            </a:endParaRPr>
+          </a:p>
+          <a:p>
+            <a:pPr lvl="1">
+              <a:lnSpc>
+                <a:spcPct val="110000"/>
+              </a:lnSpc>
+              <a:buFont typeface="+mj-lt"/>
+              <a:buAutoNum type="alphaUcPeriod"/>
+            </a:pPr>
+            <a:r>
+              <a:rPr lang="en-US" sz="1100" b="0" i="0" dirty="0">
+                <a:solidFill>
+                  <a:srgbClr val="CCCCCC"/>
+                </a:solidFill>
+                <a:effectLst/>
+                <a:latin typeface="Courier New" panose="02070309020205020404" pitchFamily="49" charset="0"/>
+                <a:cs typeface="Courier New" panose="02070309020205020404" pitchFamily="49" charset="0"/>
+              </a:rPr>
+              <a:t>S1501_C01_005E: Population 18 to 24 years - </a:t>
+            </a:r>
+            <a:r>
+              <a:rPr lang="en-US" sz="1100" b="1" i="0" u="sng" dirty="0">
+                <a:solidFill>
+                  <a:srgbClr val="CCCCCC"/>
+                </a:solidFill>
+                <a:effectLst/>
+                <a:latin typeface="Courier New" panose="02070309020205020404" pitchFamily="49" charset="0"/>
+                <a:cs typeface="Courier New" panose="02070309020205020404" pitchFamily="49" charset="0"/>
+              </a:rPr>
+              <a:t>Bachelor's degree or higher</a:t>
+            </a:r>
+            <a:br>
+              <a:rPr lang="en-US" sz="1100" b="1" u="sng" dirty="0">
+                <a:solidFill>
+                  <a:srgbClr val="CCCCCC"/>
+                </a:solidFill>
+                <a:effectLst/>
+                <a:latin typeface="Courier New" panose="02070309020205020404" pitchFamily="49" charset="0"/>
+                <a:cs typeface="Courier New" panose="02070309020205020404" pitchFamily="49" charset="0"/>
+              </a:rPr>
+            </a:br>
+            <a:r>
+              <a:rPr lang="en-US" sz="1100" b="0" i="0" dirty="0">
+                <a:solidFill>
+                  <a:srgbClr val="CCCCCC"/>
+                </a:solidFill>
+                <a:effectLst/>
+                <a:latin typeface="Courier New" panose="02070309020205020404" pitchFamily="49" charset="0"/>
+                <a:cs typeface="Courier New" panose="02070309020205020404" pitchFamily="49" charset="0"/>
+              </a:rPr>
+              <a:t>0.180090 </a:t>
+            </a:r>
+          </a:p>
+          <a:p>
+            <a:pPr lvl="1">
+              <a:lnSpc>
+                <a:spcPct val="110000"/>
+              </a:lnSpc>
+              <a:buFont typeface="+mj-lt"/>
+              <a:buAutoNum type="alphaUcPeriod"/>
+            </a:pPr>
+            <a:r>
+              <a:rPr lang="en-US" sz="1100" b="0" i="0" dirty="0">
+                <a:solidFill>
+                  <a:srgbClr val="CCCCCC"/>
+                </a:solidFill>
+                <a:effectLst/>
+                <a:latin typeface="Courier New" panose="02070309020205020404" pitchFamily="49" charset="0"/>
+                <a:cs typeface="Courier New" panose="02070309020205020404" pitchFamily="49" charset="0"/>
+              </a:rPr>
+              <a:t>S1501_C01_015E: Population 25 years and over - </a:t>
+            </a:r>
+            <a:r>
+              <a:rPr lang="en-US" sz="1100" b="1" i="0" u="sng" dirty="0">
+                <a:solidFill>
+                  <a:srgbClr val="CCCCCC"/>
+                </a:solidFill>
+                <a:effectLst/>
+                <a:latin typeface="Courier New" panose="02070309020205020404" pitchFamily="49" charset="0"/>
+                <a:cs typeface="Courier New" panose="02070309020205020404" pitchFamily="49" charset="0"/>
+              </a:rPr>
+              <a:t>Bachelor's degree or higher</a:t>
+            </a:r>
+            <a:r>
+              <a:rPr lang="en-US" sz="1100" b="1" i="0" dirty="0">
+                <a:solidFill>
+                  <a:srgbClr val="CCCCCC"/>
+                </a:solidFill>
+                <a:effectLst/>
+                <a:latin typeface="Courier New" panose="02070309020205020404" pitchFamily="49" charset="0"/>
+                <a:cs typeface="Courier New" panose="02070309020205020404" pitchFamily="49" charset="0"/>
+              </a:rPr>
+              <a:t> </a:t>
+            </a:r>
+            <a:br>
+              <a:rPr lang="en-US" sz="1100" b="0" i="0" dirty="0">
+                <a:solidFill>
+                  <a:srgbClr val="CCCCCC"/>
+                </a:solidFill>
+                <a:effectLst/>
+                <a:latin typeface="Courier New" panose="02070309020205020404" pitchFamily="49" charset="0"/>
+                <a:cs typeface="Courier New" panose="02070309020205020404" pitchFamily="49" charset="0"/>
+              </a:rPr>
+            </a:br>
+            <a:r>
+              <a:rPr lang="en-US" sz="1100" b="0" i="0" dirty="0">
+                <a:solidFill>
+                  <a:srgbClr val="CCCCCC"/>
+                </a:solidFill>
+                <a:effectLst/>
+                <a:latin typeface="Courier New" panose="02070309020205020404" pitchFamily="49" charset="0"/>
+                <a:cs typeface="Courier New" panose="02070309020205020404" pitchFamily="49" charset="0"/>
+              </a:rPr>
+              <a:t>0.162479 </a:t>
+            </a:r>
+          </a:p>
+          <a:p>
+            <a:pPr lvl="1">
+              <a:lnSpc>
+                <a:spcPct val="110000"/>
+              </a:lnSpc>
+              <a:buFont typeface="+mj-lt"/>
+              <a:buAutoNum type="alphaUcPeriod"/>
+            </a:pPr>
+            <a:r>
+              <a:rPr lang="en-US" sz="1100" b="0" i="0" dirty="0">
+                <a:solidFill>
+                  <a:srgbClr val="CCCCCC"/>
+                </a:solidFill>
+                <a:effectLst/>
+                <a:latin typeface="Courier New" panose="02070309020205020404" pitchFamily="49" charset="0"/>
+                <a:cs typeface="Courier New" panose="02070309020205020404" pitchFamily="49" charset="0"/>
+              </a:rPr>
+              <a:t>B11005_017E: Nonfamily households without people under 18 years </a:t>
+            </a:r>
+            <a:br>
+              <a:rPr lang="en-US" sz="1100" b="0" i="0" dirty="0">
+                <a:solidFill>
+                  <a:srgbClr val="CCCCCC"/>
+                </a:solidFill>
+                <a:effectLst/>
+                <a:latin typeface="Courier New" panose="02070309020205020404" pitchFamily="49" charset="0"/>
+                <a:cs typeface="Courier New" panose="02070309020205020404" pitchFamily="49" charset="0"/>
+              </a:rPr>
+            </a:br>
+            <a:r>
+              <a:rPr lang="en-US" sz="1100" b="0" i="0" dirty="0">
+                <a:solidFill>
+                  <a:srgbClr val="CCCCCC"/>
+                </a:solidFill>
+                <a:effectLst/>
+                <a:latin typeface="Courier New" panose="02070309020205020404" pitchFamily="49" charset="0"/>
+                <a:cs typeface="Courier New" panose="02070309020205020404" pitchFamily="49" charset="0"/>
+              </a:rPr>
+              <a:t>0.148082 </a:t>
+            </a:r>
+          </a:p>
+          <a:p>
+            <a:pPr lvl="1">
+              <a:lnSpc>
+                <a:spcPct val="110000"/>
+              </a:lnSpc>
+              <a:buFont typeface="+mj-lt"/>
+              <a:buAutoNum type="alphaUcPeriod"/>
+            </a:pPr>
+            <a:r>
+              <a:rPr lang="en-US" sz="1100" b="0" i="0" dirty="0">
+                <a:solidFill>
+                  <a:srgbClr val="CCCCCC"/>
+                </a:solidFill>
+                <a:effectLst/>
+                <a:latin typeface="Courier New" panose="02070309020205020404" pitchFamily="49" charset="0"/>
+                <a:cs typeface="Courier New" panose="02070309020205020404" pitchFamily="49" charset="0"/>
+              </a:rPr>
+              <a:t>S1501_C01_012E: Population 25 years and over - </a:t>
+            </a:r>
+            <a:r>
+              <a:rPr lang="en-US" sz="1100" b="1" i="0" u="sng" dirty="0">
+                <a:solidFill>
+                  <a:srgbClr val="CCCCCC"/>
+                </a:solidFill>
+                <a:effectLst/>
+                <a:latin typeface="Courier New" panose="02070309020205020404" pitchFamily="49" charset="0"/>
+                <a:cs typeface="Courier New" panose="02070309020205020404" pitchFamily="49" charset="0"/>
+              </a:rPr>
+              <a:t>Bachelor's degree</a:t>
+            </a:r>
+            <a:r>
+              <a:rPr lang="en-US" sz="1100" b="1" i="0" dirty="0">
+                <a:solidFill>
+                  <a:srgbClr val="CCCCCC"/>
+                </a:solidFill>
+                <a:effectLst/>
+                <a:latin typeface="Courier New" panose="02070309020205020404" pitchFamily="49" charset="0"/>
+                <a:cs typeface="Courier New" panose="02070309020205020404" pitchFamily="49" charset="0"/>
+              </a:rPr>
+              <a:t> </a:t>
+            </a:r>
+            <a:r>
+              <a:rPr lang="en-US" sz="1100" b="0" i="0" dirty="0">
+                <a:solidFill>
+                  <a:srgbClr val="CCCCCC"/>
+                </a:solidFill>
+                <a:effectLst/>
+                <a:latin typeface="Courier New" panose="02070309020205020404" pitchFamily="49" charset="0"/>
+                <a:cs typeface="Courier New" panose="02070309020205020404" pitchFamily="49" charset="0"/>
+              </a:rPr>
+              <a:t>	</a:t>
+            </a:r>
+            <a:br>
+              <a:rPr lang="en-US" sz="1100" b="0" i="0" dirty="0">
+                <a:solidFill>
+                  <a:srgbClr val="CCCCCC"/>
+                </a:solidFill>
+                <a:effectLst/>
+                <a:latin typeface="Courier New" panose="02070309020205020404" pitchFamily="49" charset="0"/>
+                <a:cs typeface="Courier New" panose="02070309020205020404" pitchFamily="49" charset="0"/>
+              </a:rPr>
+            </a:br>
+            <a:r>
+              <a:rPr lang="en-US" sz="1100" b="0" i="0" dirty="0">
+                <a:solidFill>
+                  <a:srgbClr val="CCCCCC"/>
+                </a:solidFill>
+                <a:effectLst/>
+                <a:latin typeface="Courier New" panose="02070309020205020404" pitchFamily="49" charset="0"/>
+                <a:cs typeface="Courier New" panose="02070309020205020404" pitchFamily="49" charset="0"/>
+              </a:rPr>
+              <a:t>0.134333 </a:t>
+            </a:r>
+          </a:p>
+        </p:txBody>
+      </p:sp>
+      <p:sp>
+        <p:nvSpPr>
+          <p:cNvPr id="6" name="Oval 5">
+            <a:extLst>
+              <a:ext uri="{FF2B5EF4-FFF2-40B4-BE49-F238E27FC236}">
+                <a16:creationId xmlns:a16="http://schemas.microsoft.com/office/drawing/2014/main" id="{03E8CF8D-6F11-DF42-CE2F-451D25C4729D}"/>
+              </a:ext>
+            </a:extLst>
+          </p:cNvPr>
+          <p:cNvSpPr/>
+          <p:nvPr/>
+        </p:nvSpPr>
+        <p:spPr>
+          <a:xfrm>
+            <a:off x="673100" y="3327197"/>
+            <a:ext cx="182880" cy="182880"/>
+          </a:xfrm>
+          <a:prstGeom prst="ellipse">
+            <a:avLst/>
+          </a:prstGeom>
+          <a:noFill/>
+          <a:ln>
+            <a:solidFill>
+              <a:srgbClr val="FF0000"/>
+            </a:solidFill>
+          </a:ln>
+        </p:spPr>
+        <p:style>
+          <a:lnRef idx="2">
+            <a:schemeClr val="accent1">
+              <a:shade val="15000"/>
+            </a:schemeClr>
+          </a:lnRef>
+          <a:fillRef idx="1">
+            <a:schemeClr val="accent1"/>
+          </a:fillRef>
+          <a:effectRef idx="0">
+            <a:schemeClr val="accent1"/>
+          </a:effectRef>
+          <a:fontRef idx="minor">
+            <a:schemeClr val="lt1"/>
+          </a:fontRef>
+        </p:style>
+        <p:txBody>
+          <a:bodyPr rtlCol="0" anchor="ctr"/>
+          <a:lstStyle/>
+          <a:p>
+            <a:pPr algn="ctr"/>
+            <a:endParaRPr lang="en-US"/>
+          </a:p>
+        </p:txBody>
+      </p:sp>
+      <p:sp>
+        <p:nvSpPr>
+          <p:cNvPr id="7" name="Oval 6">
+            <a:extLst>
+              <a:ext uri="{FF2B5EF4-FFF2-40B4-BE49-F238E27FC236}">
+                <a16:creationId xmlns:a16="http://schemas.microsoft.com/office/drawing/2014/main" id="{46DA785D-3F88-D715-C805-228C2B25A2E1}"/>
+              </a:ext>
+            </a:extLst>
+          </p:cNvPr>
+          <p:cNvSpPr/>
+          <p:nvPr/>
+        </p:nvSpPr>
+        <p:spPr>
+          <a:xfrm>
+            <a:off x="673100" y="3989350"/>
+            <a:ext cx="182880" cy="182880"/>
+          </a:xfrm>
+          <a:prstGeom prst="ellipse">
+            <a:avLst/>
+          </a:prstGeom>
+          <a:noFill/>
+          <a:ln>
+            <a:solidFill>
+              <a:srgbClr val="FFC000"/>
+            </a:solidFill>
+          </a:ln>
+        </p:spPr>
+        <p:style>
+          <a:lnRef idx="2">
+            <a:schemeClr val="accent1">
+              <a:shade val="15000"/>
+            </a:schemeClr>
+          </a:lnRef>
+          <a:fillRef idx="1">
+            <a:schemeClr val="accent1"/>
+          </a:fillRef>
+          <a:effectRef idx="0">
+            <a:schemeClr val="accent1"/>
+          </a:effectRef>
+          <a:fontRef idx="minor">
+            <a:schemeClr val="lt1"/>
+          </a:fontRef>
+        </p:style>
+        <p:txBody>
+          <a:bodyPr rtlCol="0" anchor="ctr"/>
+          <a:lstStyle/>
+          <a:p>
+            <a:pPr algn="ctr"/>
+            <a:endParaRPr lang="en-US"/>
+          </a:p>
+        </p:txBody>
+      </p:sp>
+      <p:sp>
+        <p:nvSpPr>
+          <p:cNvPr id="9" name="Oval 8">
+            <a:extLst>
+              <a:ext uri="{FF2B5EF4-FFF2-40B4-BE49-F238E27FC236}">
+                <a16:creationId xmlns:a16="http://schemas.microsoft.com/office/drawing/2014/main" id="{C08866A9-B503-D3E2-1E19-46AC7527DC62}"/>
+              </a:ext>
+            </a:extLst>
+          </p:cNvPr>
+          <p:cNvSpPr/>
+          <p:nvPr/>
+        </p:nvSpPr>
+        <p:spPr>
+          <a:xfrm>
+            <a:off x="673100" y="5969459"/>
+            <a:ext cx="182880" cy="182880"/>
+          </a:xfrm>
+          <a:prstGeom prst="ellipse">
+            <a:avLst/>
+          </a:prstGeom>
+          <a:noFill/>
+          <a:ln>
+            <a:solidFill>
+              <a:srgbClr val="7030A0"/>
+            </a:solidFill>
+          </a:ln>
+        </p:spPr>
+        <p:style>
+          <a:lnRef idx="2">
+            <a:schemeClr val="accent1">
+              <a:shade val="15000"/>
+            </a:schemeClr>
+          </a:lnRef>
+          <a:fillRef idx="1">
+            <a:schemeClr val="accent1"/>
+          </a:fillRef>
+          <a:effectRef idx="0">
+            <a:schemeClr val="accent1"/>
+          </a:effectRef>
+          <a:fontRef idx="minor">
+            <a:schemeClr val="lt1"/>
+          </a:fontRef>
+        </p:style>
+        <p:txBody>
+          <a:bodyPr rtlCol="0" anchor="ctr"/>
+          <a:lstStyle/>
+          <a:p>
+            <a:pPr algn="ctr"/>
+            <a:endParaRPr lang="en-US"/>
+          </a:p>
+        </p:txBody>
+      </p:sp>
+      <p:sp>
+        <p:nvSpPr>
+          <p:cNvPr id="10" name="Oval 9">
+            <a:extLst>
+              <a:ext uri="{FF2B5EF4-FFF2-40B4-BE49-F238E27FC236}">
+                <a16:creationId xmlns:a16="http://schemas.microsoft.com/office/drawing/2014/main" id="{199AD76E-3CDD-2F18-CE0D-4C35B52B7989}"/>
+              </a:ext>
+            </a:extLst>
+          </p:cNvPr>
+          <p:cNvSpPr/>
+          <p:nvPr/>
+        </p:nvSpPr>
+        <p:spPr>
+          <a:xfrm>
+            <a:off x="673100" y="4641978"/>
+            <a:ext cx="182880" cy="182880"/>
+          </a:xfrm>
+          <a:prstGeom prst="ellipse">
+            <a:avLst/>
+          </a:prstGeom>
+          <a:noFill/>
+          <a:ln>
+            <a:solidFill>
+              <a:srgbClr val="00B050"/>
+            </a:solidFill>
+          </a:ln>
+        </p:spPr>
+        <p:style>
+          <a:lnRef idx="2">
+            <a:schemeClr val="accent1">
+              <a:shade val="15000"/>
+            </a:schemeClr>
+          </a:lnRef>
+          <a:fillRef idx="1">
+            <a:schemeClr val="accent1"/>
+          </a:fillRef>
+          <a:effectRef idx="0">
+            <a:schemeClr val="accent1"/>
+          </a:effectRef>
+          <a:fontRef idx="minor">
+            <a:schemeClr val="lt1"/>
+          </a:fontRef>
+        </p:style>
+        <p:txBody>
+          <a:bodyPr rtlCol="0" anchor="ctr"/>
+          <a:lstStyle/>
+          <a:p>
+            <a:pPr algn="ctr"/>
+            <a:endParaRPr lang="en-US"/>
+          </a:p>
+        </p:txBody>
+      </p:sp>
+      <p:sp>
+        <p:nvSpPr>
+          <p:cNvPr id="11" name="Oval 10">
+            <a:extLst>
+              <a:ext uri="{FF2B5EF4-FFF2-40B4-BE49-F238E27FC236}">
+                <a16:creationId xmlns:a16="http://schemas.microsoft.com/office/drawing/2014/main" id="{FFF2DB40-E6FA-76FF-BA49-319B8153AD81}"/>
+              </a:ext>
+            </a:extLst>
+          </p:cNvPr>
+          <p:cNvSpPr/>
+          <p:nvPr/>
+        </p:nvSpPr>
+        <p:spPr>
+          <a:xfrm>
+            <a:off x="673100" y="5316831"/>
+            <a:ext cx="182880" cy="182880"/>
+          </a:xfrm>
+          <a:prstGeom prst="ellipse">
+            <a:avLst/>
+          </a:prstGeom>
+          <a:noFill/>
+          <a:ln>
+            <a:solidFill>
+              <a:srgbClr val="00B0F0"/>
+            </a:solidFill>
+          </a:ln>
+        </p:spPr>
+        <p:style>
+          <a:lnRef idx="2">
+            <a:schemeClr val="accent1">
+              <a:shade val="15000"/>
+            </a:schemeClr>
+          </a:lnRef>
+          <a:fillRef idx="1">
+            <a:schemeClr val="accent1"/>
+          </a:fillRef>
+          <a:effectRef idx="0">
+            <a:schemeClr val="accent1"/>
+          </a:effectRef>
+          <a:fontRef idx="minor">
+            <a:schemeClr val="lt1"/>
+          </a:fontRef>
+        </p:style>
+        <p:txBody>
+          <a:bodyPr rtlCol="0" anchor="ctr"/>
+          <a:lstStyle/>
+          <a:p>
+            <a:pPr algn="ctr"/>
+            <a:endParaRPr lang="en-US"/>
+          </a:p>
+        </p:txBody>
+      </p:sp>
+      <p:sp>
+        <p:nvSpPr>
+          <p:cNvPr id="13" name="Rectangle 12">
+            <a:extLst>
+              <a:ext uri="{FF2B5EF4-FFF2-40B4-BE49-F238E27FC236}">
+                <a16:creationId xmlns:a16="http://schemas.microsoft.com/office/drawing/2014/main" id="{BE745C62-ADDE-4E4E-EBD4-9D7000BED6BB}"/>
+              </a:ext>
+            </a:extLst>
+          </p:cNvPr>
+          <p:cNvSpPr/>
+          <p:nvPr/>
+        </p:nvSpPr>
+        <p:spPr>
+          <a:xfrm>
+            <a:off x="11414188" y="4004340"/>
+            <a:ext cx="91440" cy="91440"/>
+          </a:xfrm>
+          <a:prstGeom prst="rect">
+            <a:avLst/>
+          </a:prstGeom>
+          <a:noFill/>
+          <a:ln w="19050">
+            <a:solidFill>
+              <a:srgbClr val="FFC000"/>
+            </a:solidFill>
+          </a:ln>
+        </p:spPr>
+        <p:style>
+          <a:lnRef idx="2">
+            <a:schemeClr val="accent1">
+              <a:shade val="15000"/>
+            </a:schemeClr>
+          </a:lnRef>
+          <a:fillRef idx="1">
+            <a:schemeClr val="accent1"/>
+          </a:fillRef>
+          <a:effectRef idx="0">
+            <a:schemeClr val="accent1"/>
+          </a:effectRef>
+          <a:fontRef idx="minor">
+            <a:schemeClr val="lt1"/>
+          </a:fontRef>
+        </p:style>
+        <p:txBody>
+          <a:bodyPr rtlCol="0" anchor="ctr"/>
+          <a:lstStyle/>
+          <a:p>
+            <a:pPr algn="ctr"/>
+            <a:endParaRPr lang="en-US"/>
+          </a:p>
+        </p:txBody>
+      </p:sp>
+      <p:sp>
+        <p:nvSpPr>
+          <p:cNvPr id="14" name="Rectangle 13">
+            <a:extLst>
+              <a:ext uri="{FF2B5EF4-FFF2-40B4-BE49-F238E27FC236}">
+                <a16:creationId xmlns:a16="http://schemas.microsoft.com/office/drawing/2014/main" id="{B5A01406-A4F4-FD45-0906-28778B13952C}"/>
+              </a:ext>
+            </a:extLst>
+          </p:cNvPr>
+          <p:cNvSpPr/>
+          <p:nvPr/>
+        </p:nvSpPr>
+        <p:spPr>
+          <a:xfrm>
+            <a:off x="11414188" y="4498534"/>
+            <a:ext cx="91440" cy="91440"/>
+          </a:xfrm>
+          <a:prstGeom prst="rect">
+            <a:avLst/>
+          </a:prstGeom>
+          <a:noFill/>
+          <a:ln w="19050">
+            <a:solidFill>
+              <a:srgbClr val="7030A0"/>
+            </a:solidFill>
+          </a:ln>
+        </p:spPr>
+        <p:style>
+          <a:lnRef idx="2">
+            <a:schemeClr val="accent1">
+              <a:shade val="15000"/>
+            </a:schemeClr>
+          </a:lnRef>
+          <a:fillRef idx="1">
+            <a:schemeClr val="accent1"/>
+          </a:fillRef>
+          <a:effectRef idx="0">
+            <a:schemeClr val="accent1"/>
+          </a:effectRef>
+          <a:fontRef idx="minor">
+            <a:schemeClr val="lt1"/>
+          </a:fontRef>
+        </p:style>
+        <p:txBody>
+          <a:bodyPr rtlCol="0" anchor="ctr"/>
+          <a:lstStyle/>
+          <a:p>
+            <a:pPr algn="ctr"/>
+            <a:endParaRPr lang="en-US"/>
+          </a:p>
+        </p:txBody>
+      </p:sp>
+      <p:sp>
+        <p:nvSpPr>
+          <p:cNvPr id="15" name="Rectangle 14">
+            <a:extLst>
+              <a:ext uri="{FF2B5EF4-FFF2-40B4-BE49-F238E27FC236}">
+                <a16:creationId xmlns:a16="http://schemas.microsoft.com/office/drawing/2014/main" id="{7F899D1A-4BB7-2829-EDE5-26464565C528}"/>
+              </a:ext>
+            </a:extLst>
+          </p:cNvPr>
+          <p:cNvSpPr/>
+          <p:nvPr/>
+        </p:nvSpPr>
+        <p:spPr>
+          <a:xfrm>
+            <a:off x="11418371" y="4723636"/>
+            <a:ext cx="91440" cy="91440"/>
+          </a:xfrm>
+          <a:prstGeom prst="rect">
+            <a:avLst/>
+          </a:prstGeom>
+          <a:noFill/>
+          <a:ln w="19050">
+            <a:solidFill>
+              <a:srgbClr val="00B050"/>
+            </a:solidFill>
+          </a:ln>
+        </p:spPr>
+        <p:style>
+          <a:lnRef idx="2">
+            <a:schemeClr val="accent1">
+              <a:shade val="15000"/>
+            </a:schemeClr>
+          </a:lnRef>
+          <a:fillRef idx="1">
+            <a:schemeClr val="accent1"/>
+          </a:fillRef>
+          <a:effectRef idx="0">
+            <a:schemeClr val="accent1"/>
+          </a:effectRef>
+          <a:fontRef idx="minor">
+            <a:schemeClr val="lt1"/>
+          </a:fontRef>
+        </p:style>
+        <p:txBody>
+          <a:bodyPr rtlCol="0" anchor="ctr"/>
+          <a:lstStyle/>
+          <a:p>
+            <a:pPr algn="ctr"/>
+            <a:endParaRPr lang="en-US"/>
+          </a:p>
+        </p:txBody>
+      </p:sp>
+      <p:sp>
+        <p:nvSpPr>
+          <p:cNvPr id="16" name="Rectangle 15">
+            <a:extLst>
+              <a:ext uri="{FF2B5EF4-FFF2-40B4-BE49-F238E27FC236}">
+                <a16:creationId xmlns:a16="http://schemas.microsoft.com/office/drawing/2014/main" id="{63A8C175-DD15-9310-C6B8-C1F3405ACDB0}"/>
+              </a:ext>
+            </a:extLst>
+          </p:cNvPr>
+          <p:cNvSpPr/>
+          <p:nvPr/>
+        </p:nvSpPr>
+        <p:spPr>
+          <a:xfrm>
+            <a:off x="11405750" y="5534372"/>
+            <a:ext cx="91440" cy="91440"/>
+          </a:xfrm>
+          <a:prstGeom prst="rect">
+            <a:avLst/>
+          </a:prstGeom>
+          <a:noFill/>
+          <a:ln w="19050">
+            <a:solidFill>
+              <a:srgbClr val="00B0F0"/>
+            </a:solidFill>
+          </a:ln>
+        </p:spPr>
+        <p:style>
+          <a:lnRef idx="2">
+            <a:schemeClr val="accent1">
+              <a:shade val="15000"/>
+            </a:schemeClr>
+          </a:lnRef>
+          <a:fillRef idx="1">
+            <a:schemeClr val="accent1"/>
+          </a:fillRef>
+          <a:effectRef idx="0">
+            <a:schemeClr val="accent1"/>
+          </a:effectRef>
+          <a:fontRef idx="minor">
+            <a:schemeClr val="lt1"/>
+          </a:fontRef>
+        </p:style>
+        <p:txBody>
+          <a:bodyPr rtlCol="0" anchor="ctr"/>
+          <a:lstStyle/>
+          <a:p>
+            <a:pPr algn="ctr"/>
+            <a:endParaRPr lang="en-US"/>
+          </a:p>
+        </p:txBody>
+      </p:sp>
+      <p:sp>
+        <p:nvSpPr>
+          <p:cNvPr id="12" name="Rectangle 11">
+            <a:extLst>
+              <a:ext uri="{FF2B5EF4-FFF2-40B4-BE49-F238E27FC236}">
+                <a16:creationId xmlns:a16="http://schemas.microsoft.com/office/drawing/2014/main" id="{EBFD3F48-C1E7-0CCE-2AAB-CE4DACEF354C}"/>
+              </a:ext>
+            </a:extLst>
+          </p:cNvPr>
+          <p:cNvSpPr/>
+          <p:nvPr/>
+        </p:nvSpPr>
+        <p:spPr>
+          <a:xfrm>
+            <a:off x="11414188" y="4593554"/>
+            <a:ext cx="91440" cy="91440"/>
+          </a:xfrm>
+          <a:prstGeom prst="rect">
+            <a:avLst/>
+          </a:prstGeom>
+          <a:noFill/>
+          <a:ln w="19050">
+            <a:solidFill>
+              <a:srgbClr val="FF0000"/>
+            </a:solidFill>
+          </a:ln>
+        </p:spPr>
+        <p:style>
+          <a:lnRef idx="2">
+            <a:schemeClr val="accent1">
+              <a:shade val="15000"/>
+            </a:schemeClr>
+          </a:lnRef>
+          <a:fillRef idx="1">
+            <a:schemeClr val="accent1"/>
+          </a:fillRef>
+          <a:effectRef idx="0">
+            <a:schemeClr val="accent1"/>
+          </a:effectRef>
+          <a:fontRef idx="minor">
+            <a:schemeClr val="lt1"/>
+          </a:fontRef>
+        </p:style>
+        <p:txBody>
+          <a:bodyPr rtlCol="0" anchor="ctr"/>
+          <a:lstStyle/>
+          <a:p>
+            <a:pPr algn="ctr"/>
+            <a:endParaRPr lang="en-US"/>
+          </a:p>
+        </p:txBody>
+      </p:sp>
+      <p:sp>
+        <p:nvSpPr>
+          <p:cNvPr id="17" name="Arrow: Left 16">
+            <a:extLst>
+              <a:ext uri="{FF2B5EF4-FFF2-40B4-BE49-F238E27FC236}">
+                <a16:creationId xmlns:a16="http://schemas.microsoft.com/office/drawing/2014/main" id="{D46FEE3F-F658-3A44-F69A-52209CF4667F}"/>
+              </a:ext>
+            </a:extLst>
+          </p:cNvPr>
+          <p:cNvSpPr/>
+          <p:nvPr/>
+        </p:nvSpPr>
+        <p:spPr>
+          <a:xfrm>
+            <a:off x="11527338" y="4004340"/>
+            <a:ext cx="91440" cy="91440"/>
+          </a:xfrm>
+          <a:prstGeom prst="leftArrow">
+            <a:avLst/>
+          </a:prstGeom>
+          <a:solidFill>
+            <a:srgbClr val="FFC000"/>
+          </a:solidFill>
+          <a:ln w="19050">
+            <a:noFill/>
+          </a:ln>
+        </p:spPr>
+        <p:style>
+          <a:lnRef idx="2">
+            <a:schemeClr val="accent1">
+              <a:shade val="15000"/>
+            </a:schemeClr>
+          </a:lnRef>
+          <a:fillRef idx="1">
+            <a:schemeClr val="accent1"/>
+          </a:fillRef>
+          <a:effectRef idx="0">
+            <a:schemeClr val="accent1"/>
+          </a:effectRef>
+          <a:fontRef idx="minor">
+            <a:schemeClr val="lt1"/>
+          </a:fontRef>
+        </p:style>
+        <p:txBody>
+          <a:bodyPr rtlCol="0" anchor="ctr"/>
+          <a:lstStyle/>
+          <a:p>
+            <a:pPr algn="ctr"/>
+            <a:endParaRPr lang="en-US"/>
+          </a:p>
+        </p:txBody>
+      </p:sp>
+      <p:sp>
+        <p:nvSpPr>
+          <p:cNvPr id="18" name="Arrow: Left 17">
+            <a:extLst>
+              <a:ext uri="{FF2B5EF4-FFF2-40B4-BE49-F238E27FC236}">
+                <a16:creationId xmlns:a16="http://schemas.microsoft.com/office/drawing/2014/main" id="{97AB4850-C282-B47F-3B34-5EF63CFC35CA}"/>
+              </a:ext>
+            </a:extLst>
+          </p:cNvPr>
+          <p:cNvSpPr/>
+          <p:nvPr/>
+        </p:nvSpPr>
+        <p:spPr>
+          <a:xfrm>
+            <a:off x="11527338" y="4498534"/>
+            <a:ext cx="91440" cy="91440"/>
+          </a:xfrm>
+          <a:prstGeom prst="leftArrow">
+            <a:avLst/>
+          </a:prstGeom>
+          <a:solidFill>
+            <a:srgbClr val="7030A0"/>
+          </a:solidFill>
+          <a:ln w="19050">
+            <a:noFill/>
+          </a:ln>
+        </p:spPr>
+        <p:style>
+          <a:lnRef idx="2">
+            <a:schemeClr val="accent1">
+              <a:shade val="15000"/>
+            </a:schemeClr>
+          </a:lnRef>
+          <a:fillRef idx="1">
+            <a:schemeClr val="accent1"/>
+          </a:fillRef>
+          <a:effectRef idx="0">
+            <a:schemeClr val="accent1"/>
+          </a:effectRef>
+          <a:fontRef idx="minor">
+            <a:schemeClr val="lt1"/>
+          </a:fontRef>
+        </p:style>
+        <p:txBody>
+          <a:bodyPr rtlCol="0" anchor="ctr"/>
+          <a:lstStyle/>
+          <a:p>
+            <a:pPr algn="ctr"/>
+            <a:endParaRPr lang="en-US"/>
+          </a:p>
+        </p:txBody>
+      </p:sp>
+      <p:sp>
+        <p:nvSpPr>
+          <p:cNvPr id="19" name="Arrow: Left 18">
+            <a:extLst>
+              <a:ext uri="{FF2B5EF4-FFF2-40B4-BE49-F238E27FC236}">
+                <a16:creationId xmlns:a16="http://schemas.microsoft.com/office/drawing/2014/main" id="{FDBFF610-CA4A-BAA9-0C56-E6F3DAEDC984}"/>
+              </a:ext>
+            </a:extLst>
+          </p:cNvPr>
+          <p:cNvSpPr/>
+          <p:nvPr/>
+        </p:nvSpPr>
+        <p:spPr>
+          <a:xfrm>
+            <a:off x="11531521" y="4723636"/>
+            <a:ext cx="91440" cy="91440"/>
+          </a:xfrm>
+          <a:prstGeom prst="leftArrow">
+            <a:avLst/>
+          </a:prstGeom>
+          <a:solidFill>
+            <a:srgbClr val="00B050"/>
+          </a:solidFill>
+          <a:ln w="19050">
+            <a:noFill/>
+          </a:ln>
+        </p:spPr>
+        <p:style>
+          <a:lnRef idx="2">
+            <a:schemeClr val="accent1">
+              <a:shade val="15000"/>
+            </a:schemeClr>
+          </a:lnRef>
+          <a:fillRef idx="1">
+            <a:schemeClr val="accent1"/>
+          </a:fillRef>
+          <a:effectRef idx="0">
+            <a:schemeClr val="accent1"/>
+          </a:effectRef>
+          <a:fontRef idx="minor">
+            <a:schemeClr val="lt1"/>
+          </a:fontRef>
+        </p:style>
+        <p:txBody>
+          <a:bodyPr rtlCol="0" anchor="ctr"/>
+          <a:lstStyle/>
+          <a:p>
+            <a:pPr algn="ctr"/>
+            <a:endParaRPr lang="en-US"/>
+          </a:p>
+        </p:txBody>
+      </p:sp>
+      <p:sp>
+        <p:nvSpPr>
+          <p:cNvPr id="20" name="Arrow: Left 19">
+            <a:extLst>
+              <a:ext uri="{FF2B5EF4-FFF2-40B4-BE49-F238E27FC236}">
+                <a16:creationId xmlns:a16="http://schemas.microsoft.com/office/drawing/2014/main" id="{C4B445AB-53DB-FE53-B3AF-E7FBD77D2904}"/>
+              </a:ext>
+            </a:extLst>
+          </p:cNvPr>
+          <p:cNvSpPr/>
+          <p:nvPr/>
+        </p:nvSpPr>
+        <p:spPr>
+          <a:xfrm>
+            <a:off x="11518900" y="5534372"/>
+            <a:ext cx="91440" cy="91440"/>
+          </a:xfrm>
+          <a:prstGeom prst="leftArrow">
+            <a:avLst/>
+          </a:prstGeom>
+          <a:solidFill>
+            <a:srgbClr val="00B0F0"/>
+          </a:solidFill>
+          <a:ln w="19050">
+            <a:noFill/>
+          </a:ln>
+        </p:spPr>
+        <p:style>
+          <a:lnRef idx="2">
+            <a:schemeClr val="accent1">
+              <a:shade val="15000"/>
+            </a:schemeClr>
+          </a:lnRef>
+          <a:fillRef idx="1">
+            <a:schemeClr val="accent1"/>
+          </a:fillRef>
+          <a:effectRef idx="0">
+            <a:schemeClr val="accent1"/>
+          </a:effectRef>
+          <a:fontRef idx="minor">
+            <a:schemeClr val="lt1"/>
+          </a:fontRef>
+        </p:style>
+        <p:txBody>
+          <a:bodyPr rtlCol="0" anchor="ctr"/>
+          <a:lstStyle/>
+          <a:p>
+            <a:pPr algn="ctr"/>
+            <a:endParaRPr lang="en-US"/>
+          </a:p>
+        </p:txBody>
+      </p:sp>
+      <p:sp>
+        <p:nvSpPr>
+          <p:cNvPr id="21" name="Arrow: Left 20">
+            <a:extLst>
+              <a:ext uri="{FF2B5EF4-FFF2-40B4-BE49-F238E27FC236}">
+                <a16:creationId xmlns:a16="http://schemas.microsoft.com/office/drawing/2014/main" id="{2FFB72CA-EBEB-2B1E-2738-43709E116737}"/>
+              </a:ext>
+            </a:extLst>
+          </p:cNvPr>
+          <p:cNvSpPr/>
+          <p:nvPr/>
+        </p:nvSpPr>
+        <p:spPr>
+          <a:xfrm>
+            <a:off x="11527338" y="4593554"/>
+            <a:ext cx="91440" cy="91440"/>
+          </a:xfrm>
+          <a:prstGeom prst="leftArrow">
+            <a:avLst/>
+          </a:prstGeom>
+          <a:solidFill>
+            <a:srgbClr val="FF0000"/>
+          </a:solidFill>
+          <a:ln w="19050">
+            <a:noFill/>
+          </a:ln>
+        </p:spPr>
+        <p:style>
+          <a:lnRef idx="2">
+            <a:schemeClr val="accent1">
+              <a:shade val="15000"/>
+            </a:schemeClr>
+          </a:lnRef>
+          <a:fillRef idx="1">
+            <a:schemeClr val="accent1"/>
+          </a:fillRef>
+          <a:effectRef idx="0">
+            <a:schemeClr val="accent1"/>
+          </a:effectRef>
+          <a:fontRef idx="minor">
+            <a:schemeClr val="lt1"/>
+          </a:fontRef>
+        </p:style>
+        <p:txBody>
+          <a:bodyPr rtlCol="0" anchor="ctr"/>
+          <a:lstStyle/>
+          <a:p>
+            <a:pPr algn="ctr"/>
+            <a:endParaRPr lang="en-US"/>
+          </a:p>
+        </p:txBody>
+      </p:sp>
+      <p:sp>
+        <p:nvSpPr>
+          <p:cNvPr id="22" name="Rectangle 21">
+            <a:extLst>
+              <a:ext uri="{FF2B5EF4-FFF2-40B4-BE49-F238E27FC236}">
+                <a16:creationId xmlns:a16="http://schemas.microsoft.com/office/drawing/2014/main" id="{51B12AFA-CCF8-01DB-B6A0-D850B46E5586}"/>
+              </a:ext>
+            </a:extLst>
+          </p:cNvPr>
+          <p:cNvSpPr/>
+          <p:nvPr/>
+        </p:nvSpPr>
+        <p:spPr>
+          <a:xfrm>
+            <a:off x="11654172" y="5361039"/>
+            <a:ext cx="202385" cy="180707"/>
+          </a:xfrm>
+          <a:prstGeom prst="rect">
+            <a:avLst/>
+          </a:prstGeom>
+          <a:noFill/>
+          <a:ln>
+            <a:solidFill>
+              <a:schemeClr val="bg1">
+                <a:lumMod val="50000"/>
+                <a:lumOff val="50000"/>
+              </a:schemeClr>
+            </a:solidFill>
+          </a:ln>
+          <a:effectLst>
+            <a:outerShdw blurRad="50800" dist="38100" dir="2700000" algn="tl" rotWithShape="0">
+              <a:prstClr val="black">
+                <a:alpha val="40000"/>
+              </a:prstClr>
+            </a:outerShdw>
+          </a:effectLst>
+        </p:spPr>
+        <p:style>
+          <a:lnRef idx="2">
+            <a:schemeClr val="accent1">
+              <a:shade val="15000"/>
+            </a:schemeClr>
+          </a:lnRef>
+          <a:fillRef idx="1">
+            <a:schemeClr val="accent1"/>
+          </a:fillRef>
+          <a:effectRef idx="0">
+            <a:schemeClr val="accent1"/>
+          </a:effectRef>
+          <a:fontRef idx="minor">
+            <a:schemeClr val="lt1"/>
+          </a:fontRef>
+        </p:style>
+        <p:txBody>
+          <a:bodyPr rtlCol="0" anchor="ctr"/>
+          <a:lstStyle/>
+          <a:p>
+            <a:pPr algn="ctr"/>
+            <a:endParaRPr lang="en-US"/>
+          </a:p>
+        </p:txBody>
+      </p:sp>
+      <p:sp>
+        <p:nvSpPr>
+          <p:cNvPr id="23" name="Arrow: Left 22">
+            <a:extLst>
+              <a:ext uri="{FF2B5EF4-FFF2-40B4-BE49-F238E27FC236}">
+                <a16:creationId xmlns:a16="http://schemas.microsoft.com/office/drawing/2014/main" id="{39E2AAD4-B391-8B38-AC7B-51BB53CE6A6D}"/>
+              </a:ext>
+            </a:extLst>
+          </p:cNvPr>
+          <p:cNvSpPr/>
+          <p:nvPr/>
+        </p:nvSpPr>
+        <p:spPr>
+          <a:xfrm>
+            <a:off x="11831444" y="5485191"/>
+            <a:ext cx="91440" cy="91440"/>
+          </a:xfrm>
+          <a:prstGeom prst="leftArrow">
+            <a:avLst/>
+          </a:prstGeom>
+          <a:solidFill>
+            <a:srgbClr val="7030A0"/>
+          </a:solidFill>
+          <a:ln w="19050">
+            <a:noFill/>
+          </a:ln>
+        </p:spPr>
+        <p:style>
+          <a:lnRef idx="2">
+            <a:schemeClr val="accent1">
+              <a:shade val="15000"/>
+            </a:schemeClr>
+          </a:lnRef>
+          <a:fillRef idx="1">
+            <a:schemeClr val="accent1"/>
+          </a:fillRef>
+          <a:effectRef idx="0">
+            <a:schemeClr val="accent1"/>
+          </a:effectRef>
+          <a:fontRef idx="minor">
+            <a:schemeClr val="lt1"/>
+          </a:fontRef>
+        </p:style>
+        <p:txBody>
+          <a:bodyPr rtlCol="0" anchor="ctr"/>
+          <a:lstStyle/>
+          <a:p>
+            <a:pPr algn="ctr"/>
+            <a:endParaRPr lang="en-US"/>
+          </a:p>
+        </p:txBody>
+      </p:sp>
+      <p:sp>
+        <p:nvSpPr>
+          <p:cNvPr id="24" name="Arrow: Left 23">
+            <a:extLst>
+              <a:ext uri="{FF2B5EF4-FFF2-40B4-BE49-F238E27FC236}">
+                <a16:creationId xmlns:a16="http://schemas.microsoft.com/office/drawing/2014/main" id="{57AB565C-A2EE-39BF-F999-86F944892D5A}"/>
+              </a:ext>
+            </a:extLst>
+          </p:cNvPr>
+          <p:cNvSpPr/>
+          <p:nvPr/>
+        </p:nvSpPr>
+        <p:spPr>
+          <a:xfrm>
+            <a:off x="11831444" y="5326154"/>
+            <a:ext cx="91440" cy="91440"/>
+          </a:xfrm>
+          <a:prstGeom prst="leftArrow">
+            <a:avLst/>
+          </a:prstGeom>
+          <a:solidFill>
+            <a:srgbClr val="FF0000"/>
+          </a:solidFill>
+          <a:ln w="19050">
+            <a:noFill/>
+          </a:ln>
+        </p:spPr>
+        <p:style>
+          <a:lnRef idx="2">
+            <a:schemeClr val="accent1">
+              <a:shade val="15000"/>
+            </a:schemeClr>
+          </a:lnRef>
+          <a:fillRef idx="1">
+            <a:schemeClr val="accent1"/>
+          </a:fillRef>
+          <a:effectRef idx="0">
+            <a:schemeClr val="accent1"/>
+          </a:effectRef>
+          <a:fontRef idx="minor">
+            <a:schemeClr val="lt1"/>
+          </a:fontRef>
+        </p:style>
+        <p:txBody>
+          <a:bodyPr rtlCol="0" anchor="ctr"/>
+          <a:lstStyle/>
+          <a:p>
+            <a:pPr algn="ctr"/>
+            <a:endParaRPr lang="en-US"/>
           </a:p>
         </p:txBody>
       </p:sp>
     </p:spTree>
     <p:extLst>
       <p:ext uri="{BB962C8B-B14F-4D97-AF65-F5344CB8AC3E}">
-        <p14:creationId xmlns:p14="http://schemas.microsoft.com/office/powerpoint/2010/main" val="4208430275"/>
+        <p14:creationId xmlns:p14="http://schemas.microsoft.com/office/powerpoint/2010/main" val="3841589949"/>
       </p:ext>
     </p:extLst>
   </p:cSld>
@@ -7941,22 +12570,414 @@
           <a:p>
             <a:r>
               <a:rPr lang="en-US" dirty="0"/>
-              <a:t>Q3: </a:t>
+              <a:t>Q1: </a:t>
             </a:r>
             <a:r>
               <a:rPr lang="en-US" sz="4800" dirty="0"/>
-              <a:t>Does the data suggest attractive future sites for Whole Foods locations?</a:t>
+              <a:t>Does the Census Data confirm the published site selection methodology?</a:t>
             </a:r>
             <a:endParaRPr lang="en-US" dirty="0"/>
           </a:p>
         </p:txBody>
       </p:sp>
-      <p:sp>
-        <p:nvSpPr>
-          <p:cNvPr id="3" name="Content Placeholder 2">
+      <p:grpSp>
+        <p:nvGrpSpPr>
+          <p:cNvPr id="19" name="Group 18">
             <a:extLst>
               <a:ext uri="{FF2B5EF4-FFF2-40B4-BE49-F238E27FC236}">
-                <a16:creationId xmlns:a16="http://schemas.microsoft.com/office/drawing/2014/main" id="{1B15E622-1B45-AEAE-E3A6-28642D770777}"/>
+                <a16:creationId xmlns:a16="http://schemas.microsoft.com/office/drawing/2014/main" id="{F93BCF15-D92B-D788-B8E6-CACAF79391B1}"/>
+              </a:ext>
+            </a:extLst>
+          </p:cNvPr>
+          <p:cNvGrpSpPr/>
+          <p:nvPr/>
+        </p:nvGrpSpPr>
+        <p:grpSpPr>
+          <a:xfrm>
+            <a:off x="3304045" y="1866900"/>
+            <a:ext cx="8887955" cy="4991100"/>
+            <a:chOff x="1585860" y="1866900"/>
+            <a:chExt cx="8887955" cy="4991100"/>
+          </a:xfrm>
+        </p:grpSpPr>
+        <p:pic>
+          <p:nvPicPr>
+            <p:cNvPr id="7" name="Picture 6">
+              <a:extLst>
+                <a:ext uri="{FF2B5EF4-FFF2-40B4-BE49-F238E27FC236}">
+                  <a16:creationId xmlns:a16="http://schemas.microsoft.com/office/drawing/2014/main" id="{F2BC5177-AEBF-8B72-F5A2-FABB38A4E72D}"/>
+                </a:ext>
+              </a:extLst>
+            </p:cNvPr>
+            <p:cNvPicPr>
+              <a:picLocks noChangeAspect="1"/>
+            </p:cNvPicPr>
+            <p:nvPr/>
+          </p:nvPicPr>
+          <p:blipFill>
+            <a:blip r:embed="rId2"/>
+            <a:stretch>
+              <a:fillRect/>
+            </a:stretch>
+          </p:blipFill>
+          <p:spPr>
+            <a:xfrm>
+              <a:off x="1585860" y="1866900"/>
+              <a:ext cx="8887955" cy="4991100"/>
+            </a:xfrm>
+            <a:prstGeom prst="rect">
+              <a:avLst/>
+            </a:prstGeom>
+          </p:spPr>
+        </p:pic>
+        <p:sp>
+          <p:nvSpPr>
+            <p:cNvPr id="11" name="Rectangle 10">
+              <a:extLst>
+                <a:ext uri="{FF2B5EF4-FFF2-40B4-BE49-F238E27FC236}">
+                  <a16:creationId xmlns:a16="http://schemas.microsoft.com/office/drawing/2014/main" id="{2825CDEA-C47F-4F6E-B349-15CAFB2CBF33}"/>
+                </a:ext>
+              </a:extLst>
+            </p:cNvPr>
+            <p:cNvSpPr/>
+            <p:nvPr/>
+          </p:nvSpPr>
+          <p:spPr>
+            <a:xfrm>
+              <a:off x="1796847" y="2772695"/>
+              <a:ext cx="231055" cy="4004187"/>
+            </a:xfrm>
+            <a:prstGeom prst="rect">
+              <a:avLst/>
+            </a:prstGeom>
+            <a:solidFill>
+              <a:srgbClr val="C00000">
+                <a:alpha val="20000"/>
+              </a:srgbClr>
+            </a:solidFill>
+            <a:ln>
+              <a:solidFill>
+                <a:srgbClr val="C00000"/>
+              </a:solidFill>
+            </a:ln>
+          </p:spPr>
+          <p:style>
+            <a:lnRef idx="2">
+              <a:schemeClr val="accent1">
+                <a:shade val="15000"/>
+              </a:schemeClr>
+            </a:lnRef>
+            <a:fillRef idx="1">
+              <a:schemeClr val="accent1"/>
+            </a:fillRef>
+            <a:effectRef idx="0">
+              <a:schemeClr val="accent1"/>
+            </a:effectRef>
+            <a:fontRef idx="minor">
+              <a:schemeClr val="lt1"/>
+            </a:fontRef>
+          </p:style>
+          <p:txBody>
+            <a:bodyPr rtlCol="0" anchor="ctr"/>
+            <a:lstStyle/>
+            <a:p>
+              <a:pPr algn="ctr"/>
+              <a:endParaRPr lang="en-US"/>
+            </a:p>
+          </p:txBody>
+        </p:sp>
+        <p:sp>
+          <p:nvSpPr>
+            <p:cNvPr id="13" name="Rectangle 12">
+              <a:extLst>
+                <a:ext uri="{FF2B5EF4-FFF2-40B4-BE49-F238E27FC236}">
+                  <a16:creationId xmlns:a16="http://schemas.microsoft.com/office/drawing/2014/main" id="{A3350693-ED32-C48D-F034-9FFAF6B0AC17}"/>
+                </a:ext>
+              </a:extLst>
+            </p:cNvPr>
+            <p:cNvSpPr/>
+            <p:nvPr/>
+          </p:nvSpPr>
+          <p:spPr>
+            <a:xfrm>
+              <a:off x="2258551" y="2772694"/>
+              <a:ext cx="231055" cy="4004187"/>
+            </a:xfrm>
+            <a:prstGeom prst="rect">
+              <a:avLst/>
+            </a:prstGeom>
+            <a:solidFill>
+              <a:srgbClr val="C00000">
+                <a:alpha val="20000"/>
+              </a:srgbClr>
+            </a:solidFill>
+            <a:ln>
+              <a:solidFill>
+                <a:srgbClr val="C00000"/>
+              </a:solidFill>
+            </a:ln>
+          </p:spPr>
+          <p:style>
+            <a:lnRef idx="2">
+              <a:schemeClr val="accent1">
+                <a:shade val="15000"/>
+              </a:schemeClr>
+            </a:lnRef>
+            <a:fillRef idx="1">
+              <a:schemeClr val="accent1"/>
+            </a:fillRef>
+            <a:effectRef idx="0">
+              <a:schemeClr val="accent1"/>
+            </a:effectRef>
+            <a:fontRef idx="minor">
+              <a:schemeClr val="lt1"/>
+            </a:fontRef>
+          </p:style>
+          <p:txBody>
+            <a:bodyPr rtlCol="0" anchor="ctr"/>
+            <a:lstStyle/>
+            <a:p>
+              <a:pPr algn="ctr"/>
+              <a:endParaRPr lang="en-US"/>
+            </a:p>
+          </p:txBody>
+        </p:sp>
+        <p:sp>
+          <p:nvSpPr>
+            <p:cNvPr id="14" name="Rectangle 13">
+              <a:extLst>
+                <a:ext uri="{FF2B5EF4-FFF2-40B4-BE49-F238E27FC236}">
+                  <a16:creationId xmlns:a16="http://schemas.microsoft.com/office/drawing/2014/main" id="{A7D9C4C4-4AA1-B648-9DB4-A67F01D76B85}"/>
+                </a:ext>
+              </a:extLst>
+            </p:cNvPr>
+            <p:cNvSpPr/>
+            <p:nvPr/>
+          </p:nvSpPr>
+          <p:spPr>
+            <a:xfrm>
+              <a:off x="3409338" y="2772693"/>
+              <a:ext cx="231055" cy="4004187"/>
+            </a:xfrm>
+            <a:prstGeom prst="rect">
+              <a:avLst/>
+            </a:prstGeom>
+            <a:solidFill>
+              <a:srgbClr val="C00000">
+                <a:alpha val="20000"/>
+              </a:srgbClr>
+            </a:solidFill>
+            <a:ln>
+              <a:solidFill>
+                <a:srgbClr val="C00000"/>
+              </a:solidFill>
+            </a:ln>
+          </p:spPr>
+          <p:style>
+            <a:lnRef idx="2">
+              <a:schemeClr val="accent1">
+                <a:shade val="15000"/>
+              </a:schemeClr>
+            </a:lnRef>
+            <a:fillRef idx="1">
+              <a:schemeClr val="accent1"/>
+            </a:fillRef>
+            <a:effectRef idx="0">
+              <a:schemeClr val="accent1"/>
+            </a:effectRef>
+            <a:fontRef idx="minor">
+              <a:schemeClr val="lt1"/>
+            </a:fontRef>
+          </p:style>
+          <p:txBody>
+            <a:bodyPr rtlCol="0" anchor="ctr"/>
+            <a:lstStyle/>
+            <a:p>
+              <a:pPr algn="ctr"/>
+              <a:endParaRPr lang="en-US"/>
+            </a:p>
+          </p:txBody>
+        </p:sp>
+        <p:sp>
+          <p:nvSpPr>
+            <p:cNvPr id="15" name="Rectangle 14">
+              <a:extLst>
+                <a:ext uri="{FF2B5EF4-FFF2-40B4-BE49-F238E27FC236}">
+                  <a16:creationId xmlns:a16="http://schemas.microsoft.com/office/drawing/2014/main" id="{BBB348D1-298F-DC82-2DDD-82A57A1BC6A3}"/>
+                </a:ext>
+              </a:extLst>
+            </p:cNvPr>
+            <p:cNvSpPr/>
+            <p:nvPr/>
+          </p:nvSpPr>
+          <p:spPr>
+            <a:xfrm>
+              <a:off x="3659247" y="2772692"/>
+              <a:ext cx="231055" cy="4004187"/>
+            </a:xfrm>
+            <a:prstGeom prst="rect">
+              <a:avLst/>
+            </a:prstGeom>
+            <a:solidFill>
+              <a:schemeClr val="bg1">
+                <a:lumMod val="50000"/>
+                <a:lumOff val="50000"/>
+                <a:alpha val="20000"/>
+              </a:schemeClr>
+            </a:solidFill>
+            <a:ln>
+              <a:solidFill>
+                <a:schemeClr val="bg1">
+                  <a:lumMod val="50000"/>
+                  <a:lumOff val="50000"/>
+                </a:schemeClr>
+              </a:solidFill>
+            </a:ln>
+          </p:spPr>
+          <p:style>
+            <a:lnRef idx="2">
+              <a:schemeClr val="accent1">
+                <a:shade val="15000"/>
+              </a:schemeClr>
+            </a:lnRef>
+            <a:fillRef idx="1">
+              <a:schemeClr val="accent1"/>
+            </a:fillRef>
+            <a:effectRef idx="0">
+              <a:schemeClr val="accent1"/>
+            </a:effectRef>
+            <a:fontRef idx="minor">
+              <a:schemeClr val="lt1"/>
+            </a:fontRef>
+          </p:style>
+          <p:txBody>
+            <a:bodyPr rtlCol="0" anchor="ctr"/>
+            <a:lstStyle/>
+            <a:p>
+              <a:pPr algn="ctr"/>
+              <a:endParaRPr lang="en-US"/>
+            </a:p>
+          </p:txBody>
+        </p:sp>
+        <p:sp>
+          <p:nvSpPr>
+            <p:cNvPr id="16" name="Rectangle 15">
+              <a:extLst>
+                <a:ext uri="{FF2B5EF4-FFF2-40B4-BE49-F238E27FC236}">
+                  <a16:creationId xmlns:a16="http://schemas.microsoft.com/office/drawing/2014/main" id="{D476830A-5A47-A46F-FB51-9C3D3A94D869}"/>
+                </a:ext>
+              </a:extLst>
+            </p:cNvPr>
+            <p:cNvSpPr/>
+            <p:nvPr/>
+          </p:nvSpPr>
+          <p:spPr>
+            <a:xfrm>
+              <a:off x="9970319" y="2772691"/>
+              <a:ext cx="231055" cy="4004187"/>
+            </a:xfrm>
+            <a:prstGeom prst="rect">
+              <a:avLst/>
+            </a:prstGeom>
+            <a:solidFill>
+              <a:srgbClr val="92D050">
+                <a:alpha val="20000"/>
+              </a:srgbClr>
+            </a:solidFill>
+            <a:ln>
+              <a:solidFill>
+                <a:srgbClr val="00B050"/>
+              </a:solidFill>
+            </a:ln>
+          </p:spPr>
+          <p:style>
+            <a:lnRef idx="2">
+              <a:schemeClr val="accent1">
+                <a:shade val="15000"/>
+              </a:schemeClr>
+            </a:lnRef>
+            <a:fillRef idx="1">
+              <a:schemeClr val="accent1"/>
+            </a:fillRef>
+            <a:effectRef idx="0">
+              <a:schemeClr val="accent1"/>
+            </a:effectRef>
+            <a:fontRef idx="minor">
+              <a:schemeClr val="lt1"/>
+            </a:fontRef>
+          </p:style>
+          <p:txBody>
+            <a:bodyPr rtlCol="0" anchor="ctr"/>
+            <a:lstStyle/>
+            <a:p>
+              <a:pPr algn="ctr"/>
+              <a:endParaRPr lang="en-US"/>
+            </a:p>
+          </p:txBody>
+        </p:sp>
+        <p:sp>
+          <p:nvSpPr>
+            <p:cNvPr id="18" name="Rectangle 17">
+              <a:extLst>
+                <a:ext uri="{FF2B5EF4-FFF2-40B4-BE49-F238E27FC236}">
+                  <a16:creationId xmlns:a16="http://schemas.microsoft.com/office/drawing/2014/main" id="{2BBC43F7-F000-04DE-6B15-5A790E22EA66}"/>
+                </a:ext>
+              </a:extLst>
+            </p:cNvPr>
+            <p:cNvSpPr/>
+            <p:nvPr/>
+          </p:nvSpPr>
+          <p:spPr>
+            <a:xfrm>
+              <a:off x="9027651" y="2772689"/>
+              <a:ext cx="231055" cy="4004187"/>
+            </a:xfrm>
+            <a:prstGeom prst="rect">
+              <a:avLst/>
+            </a:prstGeom>
+            <a:solidFill>
+              <a:srgbClr val="92D050">
+                <a:alpha val="20000"/>
+              </a:srgbClr>
+            </a:solidFill>
+            <a:ln>
+              <a:solidFill>
+                <a:srgbClr val="00B050"/>
+              </a:solidFill>
+            </a:ln>
+          </p:spPr>
+          <p:style>
+            <a:lnRef idx="2">
+              <a:schemeClr val="accent1">
+                <a:shade val="15000"/>
+              </a:schemeClr>
+            </a:lnRef>
+            <a:fillRef idx="1">
+              <a:schemeClr val="accent1"/>
+            </a:fillRef>
+            <a:effectRef idx="0">
+              <a:schemeClr val="accent1"/>
+            </a:effectRef>
+            <a:fontRef idx="minor">
+              <a:schemeClr val="lt1"/>
+            </a:fontRef>
+          </p:style>
+          <p:txBody>
+            <a:bodyPr rtlCol="0" anchor="ctr"/>
+            <a:lstStyle/>
+            <a:p>
+              <a:pPr algn="ctr"/>
+              <a:endParaRPr lang="en-US"/>
+            </a:p>
+          </p:txBody>
+        </p:sp>
+      </p:grpSp>
+      <p:sp>
+        <p:nvSpPr>
+          <p:cNvPr id="20" name="Content Placeholder 2">
+            <a:extLst>
+              <a:ext uri="{FF2B5EF4-FFF2-40B4-BE49-F238E27FC236}">
+                <a16:creationId xmlns:a16="http://schemas.microsoft.com/office/drawing/2014/main" id="{6FE797A5-13CF-408D-779C-041F2F6BC5E9}"/>
               </a:ext>
             </a:extLst>
           </p:cNvPr>
@@ -7967,14 +12988,382 @@
             <p:ph idx="1"/>
           </p:nvPr>
         </p:nvSpPr>
-        <p:spPr/>
-        <p:txBody>
-          <a:bodyPr/>
+        <p:spPr>
+          <a:xfrm>
+            <a:off x="84872" y="1866900"/>
+            <a:ext cx="3055190" cy="4799371"/>
+          </a:xfrm>
+        </p:spPr>
+        <p:txBody>
+          <a:bodyPr>
+            <a:normAutofit fontScale="85000" lnSpcReduction="20000"/>
+          </a:bodyPr>
           <a:lstStyle/>
           <a:p>
             <a:r>
               <a:rPr lang="en-US" dirty="0"/>
-              <a:t>Observations</a:t>
+              <a:t>Educational attainment of population over 25:</a:t>
+            </a:r>
+          </a:p>
+          <a:p>
+            <a:pPr marL="574675" lvl="1" indent="-228600">
+              <a:lnSpc>
+                <a:spcPct val="120000"/>
+              </a:lnSpc>
+              <a:buFont typeface="+mj-lt"/>
+              <a:buAutoNum type="alphaUcPeriod"/>
+            </a:pPr>
+            <a:r>
+              <a:rPr lang="en-US" sz="1100" b="0" i="0" dirty="0">
+                <a:solidFill>
+                  <a:srgbClr val="CCCCCC"/>
+                </a:solidFill>
+                <a:effectLst/>
+                <a:latin typeface="Courier New" panose="02070309020205020404" pitchFamily="49" charset="0"/>
+                <a:cs typeface="Courier New" panose="02070309020205020404" pitchFamily="49" charset="0"/>
+              </a:rPr>
+              <a:t>S1501_C01_013E: Population 25 years and over – </a:t>
+            </a:r>
+            <a:br>
+              <a:rPr lang="en-US" sz="1100" b="0" i="0" dirty="0">
+                <a:solidFill>
+                  <a:srgbClr val="CCCCCC"/>
+                </a:solidFill>
+                <a:effectLst/>
+                <a:latin typeface="Courier New" panose="02070309020205020404" pitchFamily="49" charset="0"/>
+                <a:cs typeface="Courier New" panose="02070309020205020404" pitchFamily="49" charset="0"/>
+              </a:rPr>
+            </a:br>
+            <a:r>
+              <a:rPr lang="en-US" sz="1100" b="1" i="0" u="sng" dirty="0">
+                <a:solidFill>
+                  <a:srgbClr val="CCCCCC"/>
+                </a:solidFill>
+                <a:effectLst/>
+                <a:latin typeface="Courier New" panose="02070309020205020404" pitchFamily="49" charset="0"/>
+                <a:cs typeface="Courier New" panose="02070309020205020404" pitchFamily="49" charset="0"/>
+              </a:rPr>
+              <a:t>Graduate or professional degree</a:t>
+            </a:r>
+            <a:br>
+              <a:rPr lang="en-US" sz="1100" b="1" u="sng" dirty="0">
+                <a:solidFill>
+                  <a:srgbClr val="CCCCCC"/>
+                </a:solidFill>
+                <a:effectLst/>
+                <a:latin typeface="Courier New" panose="02070309020205020404" pitchFamily="49" charset="0"/>
+                <a:cs typeface="Courier New" panose="02070309020205020404" pitchFamily="49" charset="0"/>
+              </a:rPr>
+            </a:br>
+            <a:r>
+              <a:rPr lang="en-US" sz="1100" b="1" i="0" dirty="0">
+                <a:solidFill>
+                  <a:srgbClr val="00B050"/>
+                </a:solidFill>
+                <a:effectLst/>
+                <a:latin typeface="Courier New" panose="02070309020205020404" pitchFamily="49" charset="0"/>
+                <a:cs typeface="Courier New" panose="02070309020205020404" pitchFamily="49" charset="0"/>
+              </a:rPr>
+              <a:t>0.183959</a:t>
+            </a:r>
+            <a:endParaRPr lang="en-US" sz="1100" b="1" dirty="0">
+              <a:solidFill>
+                <a:srgbClr val="00B050"/>
+              </a:solidFill>
+              <a:latin typeface="Courier New" panose="02070309020205020404" pitchFamily="49" charset="0"/>
+              <a:cs typeface="Courier New" panose="02070309020205020404" pitchFamily="49" charset="0"/>
+            </a:endParaRPr>
+          </a:p>
+          <a:p>
+            <a:pPr marL="574675" lvl="1" indent="-228600">
+              <a:lnSpc>
+                <a:spcPct val="120000"/>
+              </a:lnSpc>
+              <a:buFont typeface="+mj-lt"/>
+              <a:buAutoNum type="alphaUcPeriod"/>
+            </a:pPr>
+            <a:r>
+              <a:rPr lang="en-US" sz="1100" b="0" i="0" dirty="0">
+                <a:solidFill>
+                  <a:srgbClr val="CCCCCC"/>
+                </a:solidFill>
+                <a:effectLst/>
+                <a:latin typeface="Courier New" panose="02070309020205020404" pitchFamily="49" charset="0"/>
+                <a:cs typeface="Courier New" panose="02070309020205020404" pitchFamily="49" charset="0"/>
+              </a:rPr>
+              <a:t>S1501_C01_012E: Population 25 years and over – </a:t>
+            </a:r>
+            <a:br>
+              <a:rPr lang="en-US" sz="1100" b="0" i="0" dirty="0">
+                <a:solidFill>
+                  <a:srgbClr val="CCCCCC"/>
+                </a:solidFill>
+                <a:effectLst/>
+                <a:latin typeface="Courier New" panose="02070309020205020404" pitchFamily="49" charset="0"/>
+                <a:cs typeface="Courier New" panose="02070309020205020404" pitchFamily="49" charset="0"/>
+              </a:rPr>
+            </a:br>
+            <a:r>
+              <a:rPr lang="en-US" sz="1100" b="1" i="0" u="sng" dirty="0">
+                <a:solidFill>
+                  <a:srgbClr val="CCCCCC"/>
+                </a:solidFill>
+                <a:effectLst/>
+                <a:latin typeface="Courier New" panose="02070309020205020404" pitchFamily="49" charset="0"/>
+                <a:cs typeface="Courier New" panose="02070309020205020404" pitchFamily="49" charset="0"/>
+              </a:rPr>
+              <a:t>Bachelor's degree</a:t>
+            </a:r>
+            <a:r>
+              <a:rPr lang="en-US" sz="1100" b="1" i="0" dirty="0">
+                <a:solidFill>
+                  <a:srgbClr val="CCCCCC"/>
+                </a:solidFill>
+                <a:effectLst/>
+                <a:latin typeface="Courier New" panose="02070309020205020404" pitchFamily="49" charset="0"/>
+                <a:cs typeface="Courier New" panose="02070309020205020404" pitchFamily="49" charset="0"/>
+              </a:rPr>
+              <a:t> </a:t>
+            </a:r>
+            <a:br>
+              <a:rPr lang="en-US" sz="1100" b="0" i="0" dirty="0">
+                <a:solidFill>
+                  <a:srgbClr val="CCCCCC"/>
+                </a:solidFill>
+                <a:effectLst/>
+                <a:latin typeface="Courier New" panose="02070309020205020404" pitchFamily="49" charset="0"/>
+                <a:cs typeface="Courier New" panose="02070309020205020404" pitchFamily="49" charset="0"/>
+              </a:rPr>
+            </a:br>
+            <a:r>
+              <a:rPr lang="en-US" sz="1100" b="1" i="0" dirty="0">
+                <a:solidFill>
+                  <a:srgbClr val="00B050"/>
+                </a:solidFill>
+                <a:effectLst/>
+                <a:latin typeface="Courier New" panose="02070309020205020404" pitchFamily="49" charset="0"/>
+                <a:cs typeface="Courier New" panose="02070309020205020404" pitchFamily="49" charset="0"/>
+              </a:rPr>
+              <a:t>0.134333</a:t>
+            </a:r>
+          </a:p>
+          <a:p>
+            <a:pPr marL="574675" lvl="1" indent="-228600">
+              <a:lnSpc>
+                <a:spcPct val="120000"/>
+              </a:lnSpc>
+              <a:buFont typeface="+mj-lt"/>
+              <a:buAutoNum type="alphaUcPeriod"/>
+            </a:pPr>
+            <a:r>
+              <a:rPr lang="en-US" sz="1100" b="0" i="1" dirty="0">
+                <a:solidFill>
+                  <a:srgbClr val="CCCCCC"/>
+                </a:solidFill>
+                <a:effectLst/>
+                <a:latin typeface="Courier New" panose="02070309020205020404" pitchFamily="49" charset="0"/>
+                <a:cs typeface="Courier New" panose="02070309020205020404" pitchFamily="49" charset="0"/>
+              </a:rPr>
+              <a:t>S1501_C01_006E: Population 25 years and over                                                               </a:t>
+            </a:r>
+            <a:r>
+              <a:rPr lang="en-US" sz="1100" b="1" i="1" dirty="0">
+                <a:solidFill>
+                  <a:srgbClr val="CCCCCC"/>
+                </a:solidFill>
+                <a:effectLst/>
+                <a:latin typeface="Courier New" panose="02070309020205020404" pitchFamily="49" charset="0"/>
+                <a:cs typeface="Courier New" panose="02070309020205020404" pitchFamily="49" charset="0"/>
+              </a:rPr>
+              <a:t>-0.129410</a:t>
+            </a:r>
+          </a:p>
+          <a:p>
+            <a:pPr marL="574675" lvl="1" indent="-228600">
+              <a:lnSpc>
+                <a:spcPct val="120000"/>
+              </a:lnSpc>
+              <a:buFont typeface="+mj-lt"/>
+              <a:buAutoNum type="alphaUcPeriod"/>
+            </a:pPr>
+            <a:r>
+              <a:rPr lang="en-US" sz="1100" b="0" i="0" dirty="0">
+                <a:solidFill>
+                  <a:srgbClr val="CCCCCC"/>
+                </a:solidFill>
+                <a:effectLst/>
+                <a:latin typeface="Courier New" panose="02070309020205020404" pitchFamily="49" charset="0"/>
+                <a:cs typeface="Courier New" panose="02070309020205020404" pitchFamily="49" charset="0"/>
+              </a:rPr>
+              <a:t>S1501_C01_010E: Population 25 years and over – </a:t>
+            </a:r>
+            <a:br>
+              <a:rPr lang="en-US" sz="1100" b="0" i="0" dirty="0">
+                <a:solidFill>
+                  <a:srgbClr val="CCCCCC"/>
+                </a:solidFill>
+                <a:effectLst/>
+                <a:latin typeface="Courier New" panose="02070309020205020404" pitchFamily="49" charset="0"/>
+                <a:cs typeface="Courier New" panose="02070309020205020404" pitchFamily="49" charset="0"/>
+              </a:rPr>
+            </a:br>
+            <a:r>
+              <a:rPr lang="en-US" sz="1100" b="1" i="0" u="sng" dirty="0">
+                <a:solidFill>
+                  <a:srgbClr val="CCCCCC"/>
+                </a:solidFill>
+                <a:effectLst/>
+                <a:latin typeface="Courier New" panose="02070309020205020404" pitchFamily="49" charset="0"/>
+                <a:cs typeface="Courier New" panose="02070309020205020404" pitchFamily="49" charset="0"/>
+              </a:rPr>
+              <a:t>Some college, no degree                                     </a:t>
+            </a:r>
+            <a:r>
+              <a:rPr lang="en-US" sz="1100" b="1" i="0" dirty="0">
+                <a:solidFill>
+                  <a:srgbClr val="C00000"/>
+                </a:solidFill>
+                <a:effectLst/>
+                <a:latin typeface="Courier New" panose="02070309020205020404" pitchFamily="49" charset="0"/>
+                <a:cs typeface="Courier New" panose="02070309020205020404" pitchFamily="49" charset="0"/>
+              </a:rPr>
+              <a:t>-0.138478</a:t>
+            </a:r>
+          </a:p>
+          <a:p>
+            <a:pPr marL="574675" lvl="1" indent="-228600">
+              <a:lnSpc>
+                <a:spcPct val="120000"/>
+              </a:lnSpc>
+              <a:buFont typeface="+mj-lt"/>
+              <a:buAutoNum type="alphaUcPeriod"/>
+            </a:pPr>
+            <a:r>
+              <a:rPr lang="en-US" sz="1100" b="0" i="0" dirty="0">
+                <a:solidFill>
+                  <a:srgbClr val="CCCCCC"/>
+                </a:solidFill>
+                <a:effectLst/>
+                <a:latin typeface="Courier New" panose="02070309020205020404" pitchFamily="49" charset="0"/>
+                <a:cs typeface="Courier New" panose="02070309020205020404" pitchFamily="49" charset="0"/>
+              </a:rPr>
+              <a:t>S1501_C01_011E: Population 25 years and over – </a:t>
+            </a:r>
+            <a:br>
+              <a:rPr lang="en-US" sz="1100" b="0" i="0" dirty="0">
+                <a:solidFill>
+                  <a:srgbClr val="CCCCCC"/>
+                </a:solidFill>
+                <a:effectLst/>
+                <a:latin typeface="Courier New" panose="02070309020205020404" pitchFamily="49" charset="0"/>
+                <a:cs typeface="Courier New" panose="02070309020205020404" pitchFamily="49" charset="0"/>
+              </a:rPr>
+            </a:br>
+            <a:r>
+              <a:rPr lang="en-US" sz="1100" b="1" i="0" u="sng" dirty="0">
+                <a:solidFill>
+                  <a:srgbClr val="CCCCCC"/>
+                </a:solidFill>
+                <a:effectLst/>
+                <a:latin typeface="Courier New" panose="02070309020205020404" pitchFamily="49" charset="0"/>
+                <a:cs typeface="Courier New" panose="02070309020205020404" pitchFamily="49" charset="0"/>
+              </a:rPr>
+              <a:t>Associate's degree</a:t>
+            </a:r>
+            <a:r>
+              <a:rPr lang="en-US" sz="1100" b="0" i="0" dirty="0">
+                <a:solidFill>
+                  <a:srgbClr val="CCCCCC"/>
+                </a:solidFill>
+                <a:effectLst/>
+                <a:latin typeface="Courier New" panose="02070309020205020404" pitchFamily="49" charset="0"/>
+                <a:cs typeface="Courier New" panose="02070309020205020404" pitchFamily="49" charset="0"/>
+              </a:rPr>
+              <a:t>                                          </a:t>
+            </a:r>
+            <a:r>
+              <a:rPr lang="en-US" sz="1100" b="1" i="0" dirty="0">
+                <a:solidFill>
+                  <a:srgbClr val="C00000"/>
+                </a:solidFill>
+                <a:effectLst/>
+                <a:latin typeface="Courier New" panose="02070309020205020404" pitchFamily="49" charset="0"/>
+                <a:cs typeface="Courier New" panose="02070309020205020404" pitchFamily="49" charset="0"/>
+              </a:rPr>
+              <a:t>-0.227191</a:t>
+            </a:r>
+          </a:p>
+          <a:p>
+            <a:pPr marL="574675" lvl="1" indent="-228600">
+              <a:lnSpc>
+                <a:spcPct val="120000"/>
+              </a:lnSpc>
+              <a:buFont typeface="+mj-lt"/>
+              <a:buAutoNum type="alphaUcPeriod"/>
+            </a:pPr>
+            <a:r>
+              <a:rPr lang="en-US" sz="1100" b="0" i="0" dirty="0">
+                <a:solidFill>
+                  <a:srgbClr val="CCCCCC"/>
+                </a:solidFill>
+                <a:effectLst/>
+                <a:latin typeface="Courier New" panose="02070309020205020404" pitchFamily="49" charset="0"/>
+                <a:cs typeface="Courier New" panose="02070309020205020404" pitchFamily="49" charset="0"/>
+              </a:rPr>
+              <a:t>S1501_C01_009E: Population 25 years and over – </a:t>
+            </a:r>
+            <a:br>
+              <a:rPr lang="en-US" sz="1100" b="0" i="0" dirty="0">
+                <a:solidFill>
+                  <a:srgbClr val="CCCCCC"/>
+                </a:solidFill>
+                <a:effectLst/>
+                <a:latin typeface="Courier New" panose="02070309020205020404" pitchFamily="49" charset="0"/>
+                <a:cs typeface="Courier New" panose="02070309020205020404" pitchFamily="49" charset="0"/>
+              </a:rPr>
+            </a:br>
+            <a:r>
+              <a:rPr lang="en-US" sz="1100" b="1" i="0" u="sng" dirty="0">
+                <a:solidFill>
+                  <a:srgbClr val="CCCCCC"/>
+                </a:solidFill>
+                <a:effectLst/>
+                <a:latin typeface="Courier New" panose="02070309020205020404" pitchFamily="49" charset="0"/>
+                <a:cs typeface="Courier New" panose="02070309020205020404" pitchFamily="49" charset="0"/>
+              </a:rPr>
+              <a:t>High school graduate (includes equivalency) </a:t>
+            </a:r>
+            <a:r>
+              <a:rPr lang="en-US" sz="1100" i="0" dirty="0">
+                <a:solidFill>
+                  <a:srgbClr val="CCCCCC"/>
+                </a:solidFill>
+                <a:effectLst/>
+                <a:latin typeface="Courier New" panose="02070309020205020404" pitchFamily="49" charset="0"/>
+                <a:cs typeface="Courier New" panose="02070309020205020404" pitchFamily="49" charset="0"/>
+              </a:rPr>
+              <a:t>                </a:t>
+            </a:r>
+            <a:br>
+              <a:rPr lang="en-US" sz="1100" i="0" dirty="0">
+                <a:solidFill>
+                  <a:srgbClr val="CCCCCC"/>
+                </a:solidFill>
+                <a:effectLst/>
+                <a:latin typeface="Courier New" panose="02070309020205020404" pitchFamily="49" charset="0"/>
+                <a:cs typeface="Courier New" panose="02070309020205020404" pitchFamily="49" charset="0"/>
+              </a:rPr>
+            </a:br>
+            <a:r>
+              <a:rPr lang="en-US" sz="1100" b="1" i="0" dirty="0">
+                <a:solidFill>
+                  <a:srgbClr val="C00000"/>
+                </a:solidFill>
+                <a:effectLst/>
+                <a:latin typeface="Courier New" panose="02070309020205020404" pitchFamily="49" charset="0"/>
+                <a:cs typeface="Courier New" panose="02070309020205020404" pitchFamily="49" charset="0"/>
+              </a:rPr>
+              <a:t>-0.358078 </a:t>
             </a:r>
           </a:p>
         </p:txBody>
@@ -7982,7 +13371,7 @@
     </p:spTree>
     <p:extLst>
       <p:ext uri="{BB962C8B-B14F-4D97-AF65-F5344CB8AC3E}">
-        <p14:creationId xmlns:p14="http://schemas.microsoft.com/office/powerpoint/2010/main" val="3360296220"/>
+        <p14:creationId xmlns:p14="http://schemas.microsoft.com/office/powerpoint/2010/main" val="3015237707"/>
       </p:ext>
     </p:extLst>
   </p:cSld>
